--- a/Apresentação Pessoal.pptx
+++ b/Apresentação Pessoal.pptx
@@ -1,32 +1,37 @@
 
 <file path=ppt/presentation.xml><?xml version="1.0" encoding="utf-8"?>
-<p:presentation xmlns:a="http://schemas.openxmlformats.org/drawingml/2006/main" xmlns:r="http://schemas.openxmlformats.org/officeDocument/2006/relationships" xmlns:mc="http://schemas.openxmlformats.org/markup-compatibility/2006" xmlns:mv="urn:schemas-microsoft-com:mac:vml" xmlns:p="http://schemas.openxmlformats.org/presentationml/2006/main" xmlns:c="http://schemas.openxmlformats.org/drawingml/2006/chart" xmlns:dgm="http://schemas.openxmlformats.org/drawingml/2006/diagram" xmlns:o="urn:schemas-microsoft-com:office:office" xmlns:v="urn:schemas-microsoft-com:vml" xmlns:pvml="urn:schemas-microsoft-com:office:powerpoint" xmlns:com="http://schemas.openxmlformats.org/drawingml/2006/compatibility" xmlns:p14="http://schemas.microsoft.com/office/powerpoint/2010/main" xmlns:p15="http://schemas.microsoft.com/office/powerpoint/2012/main" xmlns:ahyp="http://schemas.microsoft.com/office/drawing/2018/hyperlinkcolor" autoCompressPictures="0" embedTrueTypeFonts="1" strictFirstAndLastChars="0" saveSubsetFonts="1">
+<p:presentation xmlns:a="http://schemas.openxmlformats.org/drawingml/2006/main" xmlns:r="http://schemas.openxmlformats.org/officeDocument/2006/relationships" xmlns:p="http://schemas.openxmlformats.org/presentationml/2006/main" strictFirstAndLastChars="0" embedTrueTypeFonts="1" saveSubsetFonts="1" autoCompressPictures="0">
   <p:sldMasterIdLst>
-    <p:sldMasterId id="2147483659" r:id="rId4"/>
+    <p:sldMasterId id="2147483659" r:id="rId1"/>
   </p:sldMasterIdLst>
   <p:notesMasterIdLst>
-    <p:notesMasterId r:id="rId5"/>
+    <p:notesMasterId r:id="rId7"/>
   </p:notesMasterIdLst>
   <p:sldIdLst>
-    <p:sldId id="256" r:id="rId6"/>
-    <p:sldId id="257" r:id="rId7"/>
-    <p:sldId id="258" r:id="rId8"/>
-    <p:sldId id="259" r:id="rId9"/>
-    <p:sldId id="260" r:id="rId10"/>
+    <p:sldId id="256" r:id="rId2"/>
+    <p:sldId id="257" r:id="rId3"/>
+    <p:sldId id="258" r:id="rId4"/>
+    <p:sldId id="259" r:id="rId5"/>
+    <p:sldId id="260" r:id="rId6"/>
   </p:sldIdLst>
-  <p:sldSz cy="5143500" cx="9144000"/>
+  <p:sldSz cx="6858000" cy="5143500"/>
   <p:notesSz cx="6858000" cy="9144000"/>
   <p:embeddedFontLst>
     <p:embeddedFont>
-      <p:font typeface="Raleway"/>
-      <p:regular r:id="rId11"/>
-      <p:bold r:id="rId12"/>
-      <p:italic r:id="rId13"/>
-      <p:boldItalic r:id="rId14"/>
+      <p:font typeface="Raleway" pitchFamily="2" charset="0"/>
+      <p:regular r:id="rId8"/>
+      <p:bold r:id="rId9"/>
+      <p:italic r:id="rId10"/>
+      <p:boldItalic r:id="rId11"/>
+    </p:embeddedFont>
+    <p:embeddedFont>
+      <p:font typeface="Source Sans Pro" panose="020B0503030403020204" pitchFamily="34" charset="0"/>
+      <p:regular r:id="rId12"/>
+      <p:bold r:id="rId13"/>
     </p:embeddedFont>
   </p:embeddedFontLst>
   <p:defaultTextStyle>
-    <a:defPPr lvl="0" marR="0" rtl="0" algn="l">
+    <a:defPPr marR="0" lvl="0" algn="l" rtl="0">
       <a:lnSpc>
         <a:spcPct val="100000"/>
       </a:lnSpc>
@@ -37,7 +42,7 @@
         <a:spcPts val="0"/>
       </a:spcAft>
     </a:defPPr>
-    <a:lvl1pPr lvl="0" marR="0" rtl="0" algn="l">
+    <a:lvl1pPr marR="0" lvl="0" algn="l" rtl="0">
       <a:lnSpc>
         <a:spcPct val="100000"/>
       </a:lnSpc>
@@ -51,7 +56,7 @@
         <a:srgbClr val="000000"/>
       </a:buClr>
       <a:buFont typeface="Arial"/>
-      <a:defRPr b="0" i="0" sz="1400" u="none" cap="none" strike="noStrike">
+      <a:defRPr sz="1400" b="0" i="0" u="none" strike="noStrike" cap="none">
         <a:solidFill>
           <a:srgbClr val="000000"/>
         </a:solidFill>
@@ -61,7 +66,7 @@
         <a:sym typeface="Arial"/>
       </a:defRPr>
     </a:lvl1pPr>
-    <a:lvl2pPr lvl="1" marR="0" rtl="0" algn="l">
+    <a:lvl2pPr marR="0" lvl="1" algn="l" rtl="0">
       <a:lnSpc>
         <a:spcPct val="100000"/>
       </a:lnSpc>
@@ -75,7 +80,7 @@
         <a:srgbClr val="000000"/>
       </a:buClr>
       <a:buFont typeface="Arial"/>
-      <a:defRPr b="0" i="0" sz="1400" u="none" cap="none" strike="noStrike">
+      <a:defRPr sz="1400" b="0" i="0" u="none" strike="noStrike" cap="none">
         <a:solidFill>
           <a:srgbClr val="000000"/>
         </a:solidFill>
@@ -85,7 +90,7 @@
         <a:sym typeface="Arial"/>
       </a:defRPr>
     </a:lvl2pPr>
-    <a:lvl3pPr lvl="2" marR="0" rtl="0" algn="l">
+    <a:lvl3pPr marR="0" lvl="2" algn="l" rtl="0">
       <a:lnSpc>
         <a:spcPct val="100000"/>
       </a:lnSpc>
@@ -99,7 +104,7 @@
         <a:srgbClr val="000000"/>
       </a:buClr>
       <a:buFont typeface="Arial"/>
-      <a:defRPr b="0" i="0" sz="1400" u="none" cap="none" strike="noStrike">
+      <a:defRPr sz="1400" b="0" i="0" u="none" strike="noStrike" cap="none">
         <a:solidFill>
           <a:srgbClr val="000000"/>
         </a:solidFill>
@@ -109,7 +114,7 @@
         <a:sym typeface="Arial"/>
       </a:defRPr>
     </a:lvl3pPr>
-    <a:lvl4pPr lvl="3" marR="0" rtl="0" algn="l">
+    <a:lvl4pPr marR="0" lvl="3" algn="l" rtl="0">
       <a:lnSpc>
         <a:spcPct val="100000"/>
       </a:lnSpc>
@@ -123,7 +128,7 @@
         <a:srgbClr val="000000"/>
       </a:buClr>
       <a:buFont typeface="Arial"/>
-      <a:defRPr b="0" i="0" sz="1400" u="none" cap="none" strike="noStrike">
+      <a:defRPr sz="1400" b="0" i="0" u="none" strike="noStrike" cap="none">
         <a:solidFill>
           <a:srgbClr val="000000"/>
         </a:solidFill>
@@ -133,7 +138,7 @@
         <a:sym typeface="Arial"/>
       </a:defRPr>
     </a:lvl4pPr>
-    <a:lvl5pPr lvl="4" marR="0" rtl="0" algn="l">
+    <a:lvl5pPr marR="0" lvl="4" algn="l" rtl="0">
       <a:lnSpc>
         <a:spcPct val="100000"/>
       </a:lnSpc>
@@ -147,7 +152,7 @@
         <a:srgbClr val="000000"/>
       </a:buClr>
       <a:buFont typeface="Arial"/>
-      <a:defRPr b="0" i="0" sz="1400" u="none" cap="none" strike="noStrike">
+      <a:defRPr sz="1400" b="0" i="0" u="none" strike="noStrike" cap="none">
         <a:solidFill>
           <a:srgbClr val="000000"/>
         </a:solidFill>
@@ -157,7 +162,7 @@
         <a:sym typeface="Arial"/>
       </a:defRPr>
     </a:lvl5pPr>
-    <a:lvl6pPr lvl="5" marR="0" rtl="0" algn="l">
+    <a:lvl6pPr marR="0" lvl="5" algn="l" rtl="0">
       <a:lnSpc>
         <a:spcPct val="100000"/>
       </a:lnSpc>
@@ -171,7 +176,7 @@
         <a:srgbClr val="000000"/>
       </a:buClr>
       <a:buFont typeface="Arial"/>
-      <a:defRPr b="0" i="0" sz="1400" u="none" cap="none" strike="noStrike">
+      <a:defRPr sz="1400" b="0" i="0" u="none" strike="noStrike" cap="none">
         <a:solidFill>
           <a:srgbClr val="000000"/>
         </a:solidFill>
@@ -181,7 +186,7 @@
         <a:sym typeface="Arial"/>
       </a:defRPr>
     </a:lvl6pPr>
-    <a:lvl7pPr lvl="6" marR="0" rtl="0" algn="l">
+    <a:lvl7pPr marR="0" lvl="6" algn="l" rtl="0">
       <a:lnSpc>
         <a:spcPct val="100000"/>
       </a:lnSpc>
@@ -195,7 +200,7 @@
         <a:srgbClr val="000000"/>
       </a:buClr>
       <a:buFont typeface="Arial"/>
-      <a:defRPr b="0" i="0" sz="1400" u="none" cap="none" strike="noStrike">
+      <a:defRPr sz="1400" b="0" i="0" u="none" strike="noStrike" cap="none">
         <a:solidFill>
           <a:srgbClr val="000000"/>
         </a:solidFill>
@@ -205,7 +210,7 @@
         <a:sym typeface="Arial"/>
       </a:defRPr>
     </a:lvl7pPr>
-    <a:lvl8pPr lvl="7" marR="0" rtl="0" algn="l">
+    <a:lvl8pPr marR="0" lvl="7" algn="l" rtl="0">
       <a:lnSpc>
         <a:spcPct val="100000"/>
       </a:lnSpc>
@@ -219,7 +224,7 @@
         <a:srgbClr val="000000"/>
       </a:buClr>
       <a:buFont typeface="Arial"/>
-      <a:defRPr b="0" i="0" sz="1400" u="none" cap="none" strike="noStrike">
+      <a:defRPr sz="1400" b="0" i="0" u="none" strike="noStrike" cap="none">
         <a:solidFill>
           <a:srgbClr val="000000"/>
         </a:solidFill>
@@ -229,7 +234,7 @@
         <a:sym typeface="Arial"/>
       </a:defRPr>
     </a:lvl8pPr>
-    <a:lvl9pPr lvl="8" marR="0" rtl="0" algn="l">
+    <a:lvl9pPr marR="0" lvl="8" algn="l" rtl="0">
       <a:lnSpc>
         <a:spcPct val="100000"/>
       </a:lnSpc>
@@ -243,7 +248,7 @@
         <a:srgbClr val="000000"/>
       </a:buClr>
       <a:buFont typeface="Arial"/>
-      <a:defRPr b="0" i="0" sz="1400" u="none" cap="none" strike="noStrike">
+      <a:defRPr sz="1400" b="0" i="0" u="none" strike="noStrike" cap="none">
         <a:solidFill>
           <a:srgbClr val="000000"/>
         </a:solidFill>
@@ -256,13 +261,13 @@
   </p:defaultTextStyle>
   <p:extLst>
     <p:ext uri="{EFAFB233-063F-42B5-8137-9DF3F51BA10A}">
-      <p15:sldGuideLst>
-        <p15:guide id="1" orient="horz" pos="1620">
+      <p15:sldGuideLst xmlns:p15="http://schemas.microsoft.com/office/powerpoint/2012/main">
+        <p15:guide id="1" orient="horz" pos="1620" userDrawn="1">
           <p15:clr>
             <a:srgbClr val="747775"/>
           </p15:clr>
         </p15:guide>
-        <p15:guide id="2" pos="2880">
+        <p15:guide id="2" pos="2160" userDrawn="1">
           <p15:clr>
             <a:srgbClr val="747775"/>
           </p15:clr>
@@ -274,11 +279,16 @@
 </file>
 
 <file path=ppt/notesMasters/notesMaster1.xml><?xml version="1.0" encoding="utf-8"?>
-<p:notesMaster xmlns:a="http://schemas.openxmlformats.org/drawingml/2006/main" xmlns:r="http://schemas.openxmlformats.org/officeDocument/2006/relationships" xmlns:mc="http://schemas.openxmlformats.org/markup-compatibility/2006" xmlns:mv="urn:schemas-microsoft-com:mac:vml" xmlns:p="http://schemas.openxmlformats.org/presentationml/2006/main" xmlns:c="http://schemas.openxmlformats.org/drawingml/2006/chart" xmlns:dgm="http://schemas.openxmlformats.org/drawingml/2006/diagram" xmlns:o="urn:schemas-microsoft-com:office:office" xmlns:v="urn:schemas-microsoft-com:vml" xmlns:pvml="urn:schemas-microsoft-com:office:powerpoint" xmlns:com="http://schemas.openxmlformats.org/drawingml/2006/compatibility" xmlns:p14="http://schemas.microsoft.com/office/powerpoint/2010/main" xmlns:p15="http://schemas.microsoft.com/office/powerpoint/2012/main" xmlns:ahyp="http://schemas.microsoft.com/office/drawing/2018/hyperlinkcolor">
+<p:notesMaster xmlns:a="http://schemas.openxmlformats.org/drawingml/2006/main" xmlns:r="http://schemas.openxmlformats.org/officeDocument/2006/relationships" xmlns:p="http://schemas.openxmlformats.org/presentationml/2006/main">
   <p:cSld>
+    <p:bg>
+      <p:bgRef idx="1001">
+        <a:schemeClr val="bg1"/>
+      </p:bgRef>
+    </p:bg>
     <p:spTree>
       <p:nvGrpSpPr>
-        <p:cNvPr id="2" name="Shape 2"/>
+        <p:cNvPr id="1" name="Shape 2"/>
         <p:cNvGrpSpPr/>
         <p:nvPr/>
       </p:nvGrpSpPr>
@@ -293,20 +303,26 @@
       <p:sp>
         <p:nvSpPr>
           <p:cNvPr id="3" name="Google Shape;3;n"/>
-          <p:cNvSpPr/>
+          <p:cNvSpPr>
+            <a:spLocks noGrp="1" noRot="1" noChangeAspect="1"/>
+          </p:cNvSpPr>
           <p:nvPr>
-            <p:ph idx="2" type="sldImg"/>
+            <p:ph type="sldImg" idx="2"/>
           </p:nvPr>
         </p:nvSpPr>
         <p:spPr>
           <a:xfrm>
-            <a:off x="381300" y="685800"/>
-            <a:ext cx="6096075" cy="3429000"/>
+            <a:off x="1143000" y="685800"/>
+            <a:ext cx="4572000" cy="3429000"/>
           </a:xfrm>
           <a:custGeom>
-            <a:rect b="b" l="l" r="r" t="t"/>
+            <a:avLst/>
+            <a:gdLst/>
+            <a:ahLst/>
+            <a:cxnLst/>
+            <a:rect l="l" t="t" r="r" b="b"/>
             <a:pathLst>
-              <a:path extrusionOk="0" h="120000" w="120000">
+              <a:path w="120000" h="120000" extrusionOk="0">
                 <a:moveTo>
                   <a:pt x="0" y="0"/>
                 </a:moveTo>
@@ -324,23 +340,25 @@
             </a:pathLst>
           </a:custGeom>
           <a:noFill/>
-          <a:ln cap="flat" cmpd="sng" w="9525">
+          <a:ln w="9525" cap="flat" cmpd="sng">
             <a:solidFill>
               <a:srgbClr val="000000"/>
             </a:solidFill>
             <a:prstDash val="solid"/>
             <a:round/>
-            <a:headEnd len="sm" w="sm" type="none"/>
-            <a:tailEnd len="sm" w="sm" type="none"/>
+            <a:headEnd type="none" w="sm" len="sm"/>
+            <a:tailEnd type="none" w="sm" len="sm"/>
           </a:ln>
         </p:spPr>
       </p:sp>
       <p:sp>
         <p:nvSpPr>
           <p:cNvPr id="4" name="Google Shape;4;n"/>
-          <p:cNvSpPr txBox="1"/>
+          <p:cNvSpPr txBox="1">
+            <a:spLocks noGrp="1"/>
+          </p:cNvSpPr>
           <p:nvPr>
-            <p:ph idx="1" type="body"/>
+            <p:ph type="body" idx="1"/>
           </p:nvPr>
         </p:nvSpPr>
         <p:spPr>
@@ -357,11 +375,11 @@
           </a:ln>
         </p:spPr>
         <p:txBody>
-          <a:bodyPr anchorCtr="0" anchor="t" bIns="91425" lIns="91425" spcFirstLastPara="1" rIns="91425" wrap="square" tIns="91425">
+          <a:bodyPr spcFirstLastPara="1" wrap="square" lIns="91425" tIns="91425" rIns="91425" bIns="91425" anchor="t" anchorCtr="0">
             <a:noAutofit/>
           </a:bodyPr>
           <a:lstStyle>
-            <a:lvl1pPr indent="-317500" lvl="0" marL="457200">
+            <a:lvl1pPr marL="457200" lvl="0" indent="-317500">
               <a:spcBef>
                 <a:spcPts val="0"/>
               </a:spcBef>
@@ -372,7 +390,7 @@
               <a:buChar char="●"/>
               <a:defRPr sz="1100"/>
             </a:lvl1pPr>
-            <a:lvl2pPr indent="-317500" lvl="1" marL="914400">
+            <a:lvl2pPr marL="914400" lvl="1" indent="-317500">
               <a:spcBef>
                 <a:spcPts val="0"/>
               </a:spcBef>
@@ -383,7 +401,7 @@
               <a:buChar char="○"/>
               <a:defRPr sz="1100"/>
             </a:lvl2pPr>
-            <a:lvl3pPr indent="-317500" lvl="2" marL="1371600">
+            <a:lvl3pPr marL="1371600" lvl="2" indent="-317500">
               <a:spcBef>
                 <a:spcPts val="0"/>
               </a:spcBef>
@@ -394,7 +412,7 @@
               <a:buChar char="■"/>
               <a:defRPr sz="1100"/>
             </a:lvl3pPr>
-            <a:lvl4pPr indent="-317500" lvl="3" marL="1828800">
+            <a:lvl4pPr marL="1828800" lvl="3" indent="-317500">
               <a:spcBef>
                 <a:spcPts val="0"/>
               </a:spcBef>
@@ -405,7 +423,7 @@
               <a:buChar char="●"/>
               <a:defRPr sz="1100"/>
             </a:lvl4pPr>
-            <a:lvl5pPr indent="-317500" lvl="4" marL="2286000">
+            <a:lvl5pPr marL="2286000" lvl="4" indent="-317500">
               <a:spcBef>
                 <a:spcPts val="0"/>
               </a:spcBef>
@@ -416,7 +434,7 @@
               <a:buChar char="○"/>
               <a:defRPr sz="1100"/>
             </a:lvl5pPr>
-            <a:lvl6pPr indent="-317500" lvl="5" marL="2743200">
+            <a:lvl6pPr marL="2743200" lvl="5" indent="-317500">
               <a:spcBef>
                 <a:spcPts val="0"/>
               </a:spcBef>
@@ -427,7 +445,7 @@
               <a:buChar char="■"/>
               <a:defRPr sz="1100"/>
             </a:lvl6pPr>
-            <a:lvl7pPr indent="-317500" lvl="6" marL="3200400">
+            <a:lvl7pPr marL="3200400" lvl="6" indent="-317500">
               <a:spcBef>
                 <a:spcPts val="0"/>
               </a:spcBef>
@@ -438,7 +456,7 @@
               <a:buChar char="●"/>
               <a:defRPr sz="1100"/>
             </a:lvl7pPr>
-            <a:lvl8pPr indent="-317500" lvl="7" marL="3657600">
+            <a:lvl8pPr marL="3657600" lvl="7" indent="-317500">
               <a:spcBef>
                 <a:spcPts val="0"/>
               </a:spcBef>
@@ -449,7 +467,7 @@
               <a:buChar char="○"/>
               <a:defRPr sz="1100"/>
             </a:lvl8pPr>
-            <a:lvl9pPr indent="-317500" lvl="8" marL="4114800">
+            <a:lvl9pPr marL="4114800" lvl="8" indent="-317500">
               <a:spcBef>
                 <a:spcPts val="0"/>
               </a:spcBef>
@@ -461,14 +479,16 @@
               <a:defRPr sz="1100"/>
             </a:lvl9pPr>
           </a:lstStyle>
-          <a:p/>
+          <a:p>
+            <a:endParaRPr/>
+          </a:p>
         </p:txBody>
       </p:sp>
     </p:spTree>
   </p:cSld>
-  <p:clrMap accent1="accent1" accent2="accent2" accent3="accent3" accent4="accent4" accent5="accent5" accent6="accent6" bg1="lt1" bg2="dk2" tx1="dk1" tx2="lt2" folHlink="folHlink" hlink="hlink"/>
+  <p:clrMap bg1="lt1" tx1="dk1" bg2="dk2" tx2="lt2" accent1="accent1" accent2="accent2" accent3="accent3" accent4="accent4" accent5="accent5" accent6="accent6" hlink="hlink" folHlink="folHlink"/>
   <p:notesStyle>
-    <a:defPPr lvl="0" marR="0" rtl="0" algn="l">
+    <a:defPPr marR="0" lvl="0" algn="l" rtl="0">
       <a:lnSpc>
         <a:spcPct val="100000"/>
       </a:lnSpc>
@@ -479,7 +499,7 @@
         <a:spcPts val="0"/>
       </a:spcAft>
     </a:defPPr>
-    <a:lvl1pPr lvl="0" marR="0" rtl="0" algn="l">
+    <a:lvl1pPr marR="0" lvl="0" algn="l" rtl="0">
       <a:lnSpc>
         <a:spcPct val="100000"/>
       </a:lnSpc>
@@ -493,7 +513,7 @@
         <a:srgbClr val="000000"/>
       </a:buClr>
       <a:buFont typeface="Arial"/>
-      <a:defRPr b="0" i="0" sz="1400" u="none" cap="none" strike="noStrike">
+      <a:defRPr sz="1400" b="0" i="0" u="none" strike="noStrike" cap="none">
         <a:solidFill>
           <a:srgbClr val="000000"/>
         </a:solidFill>
@@ -503,7 +523,7 @@
         <a:sym typeface="Arial"/>
       </a:defRPr>
     </a:lvl1pPr>
-    <a:lvl2pPr lvl="1" marR="0" rtl="0" algn="l">
+    <a:lvl2pPr marR="0" lvl="1" algn="l" rtl="0">
       <a:lnSpc>
         <a:spcPct val="100000"/>
       </a:lnSpc>
@@ -517,7 +537,7 @@
         <a:srgbClr val="000000"/>
       </a:buClr>
       <a:buFont typeface="Arial"/>
-      <a:defRPr b="0" i="0" sz="1400" u="none" cap="none" strike="noStrike">
+      <a:defRPr sz="1400" b="0" i="0" u="none" strike="noStrike" cap="none">
         <a:solidFill>
           <a:srgbClr val="000000"/>
         </a:solidFill>
@@ -527,7 +547,7 @@
         <a:sym typeface="Arial"/>
       </a:defRPr>
     </a:lvl2pPr>
-    <a:lvl3pPr lvl="2" marR="0" rtl="0" algn="l">
+    <a:lvl3pPr marR="0" lvl="2" algn="l" rtl="0">
       <a:lnSpc>
         <a:spcPct val="100000"/>
       </a:lnSpc>
@@ -541,7 +561,7 @@
         <a:srgbClr val="000000"/>
       </a:buClr>
       <a:buFont typeface="Arial"/>
-      <a:defRPr b="0" i="0" sz="1400" u="none" cap="none" strike="noStrike">
+      <a:defRPr sz="1400" b="0" i="0" u="none" strike="noStrike" cap="none">
         <a:solidFill>
           <a:srgbClr val="000000"/>
         </a:solidFill>
@@ -551,7 +571,7 @@
         <a:sym typeface="Arial"/>
       </a:defRPr>
     </a:lvl3pPr>
-    <a:lvl4pPr lvl="3" marR="0" rtl="0" algn="l">
+    <a:lvl4pPr marR="0" lvl="3" algn="l" rtl="0">
       <a:lnSpc>
         <a:spcPct val="100000"/>
       </a:lnSpc>
@@ -565,7 +585,7 @@
         <a:srgbClr val="000000"/>
       </a:buClr>
       <a:buFont typeface="Arial"/>
-      <a:defRPr b="0" i="0" sz="1400" u="none" cap="none" strike="noStrike">
+      <a:defRPr sz="1400" b="0" i="0" u="none" strike="noStrike" cap="none">
         <a:solidFill>
           <a:srgbClr val="000000"/>
         </a:solidFill>
@@ -575,7 +595,7 @@
         <a:sym typeface="Arial"/>
       </a:defRPr>
     </a:lvl4pPr>
-    <a:lvl5pPr lvl="4" marR="0" rtl="0" algn="l">
+    <a:lvl5pPr marR="0" lvl="4" algn="l" rtl="0">
       <a:lnSpc>
         <a:spcPct val="100000"/>
       </a:lnSpc>
@@ -589,7 +609,7 @@
         <a:srgbClr val="000000"/>
       </a:buClr>
       <a:buFont typeface="Arial"/>
-      <a:defRPr b="0" i="0" sz="1400" u="none" cap="none" strike="noStrike">
+      <a:defRPr sz="1400" b="0" i="0" u="none" strike="noStrike" cap="none">
         <a:solidFill>
           <a:srgbClr val="000000"/>
         </a:solidFill>
@@ -599,7 +619,7 @@
         <a:sym typeface="Arial"/>
       </a:defRPr>
     </a:lvl5pPr>
-    <a:lvl6pPr lvl="5" marR="0" rtl="0" algn="l">
+    <a:lvl6pPr marR="0" lvl="5" algn="l" rtl="0">
       <a:lnSpc>
         <a:spcPct val="100000"/>
       </a:lnSpc>
@@ -613,7 +633,7 @@
         <a:srgbClr val="000000"/>
       </a:buClr>
       <a:buFont typeface="Arial"/>
-      <a:defRPr b="0" i="0" sz="1400" u="none" cap="none" strike="noStrike">
+      <a:defRPr sz="1400" b="0" i="0" u="none" strike="noStrike" cap="none">
         <a:solidFill>
           <a:srgbClr val="000000"/>
         </a:solidFill>
@@ -623,7 +643,7 @@
         <a:sym typeface="Arial"/>
       </a:defRPr>
     </a:lvl6pPr>
-    <a:lvl7pPr lvl="6" marR="0" rtl="0" algn="l">
+    <a:lvl7pPr marR="0" lvl="6" algn="l" rtl="0">
       <a:lnSpc>
         <a:spcPct val="100000"/>
       </a:lnSpc>
@@ -637,7 +657,7 @@
         <a:srgbClr val="000000"/>
       </a:buClr>
       <a:buFont typeface="Arial"/>
-      <a:defRPr b="0" i="0" sz="1400" u="none" cap="none" strike="noStrike">
+      <a:defRPr sz="1400" b="0" i="0" u="none" strike="noStrike" cap="none">
         <a:solidFill>
           <a:srgbClr val="000000"/>
         </a:solidFill>
@@ -647,7 +667,7 @@
         <a:sym typeface="Arial"/>
       </a:defRPr>
     </a:lvl7pPr>
-    <a:lvl8pPr lvl="7" marR="0" rtl="0" algn="l">
+    <a:lvl8pPr marR="0" lvl="7" algn="l" rtl="0">
       <a:lnSpc>
         <a:spcPct val="100000"/>
       </a:lnSpc>
@@ -661,7 +681,7 @@
         <a:srgbClr val="000000"/>
       </a:buClr>
       <a:buFont typeface="Arial"/>
-      <a:defRPr b="0" i="0" sz="1400" u="none" cap="none" strike="noStrike">
+      <a:defRPr sz="1400" b="0" i="0" u="none" strike="noStrike" cap="none">
         <a:solidFill>
           <a:srgbClr val="000000"/>
         </a:solidFill>
@@ -671,7 +691,7 @@
         <a:sym typeface="Arial"/>
       </a:defRPr>
     </a:lvl8pPr>
-    <a:lvl9pPr lvl="8" marR="0" rtl="0" algn="l">
+    <a:lvl9pPr marR="0" lvl="8" algn="l" rtl="0">
       <a:lnSpc>
         <a:spcPct val="100000"/>
       </a:lnSpc>
@@ -685,7 +705,7 @@
         <a:srgbClr val="000000"/>
       </a:buClr>
       <a:buFont typeface="Arial"/>
-      <a:defRPr b="0" i="0" sz="1400" u="none" cap="none" strike="noStrike">
+      <a:defRPr sz="1400" b="0" i="0" u="none" strike="noStrike" cap="none">
         <a:solidFill>
           <a:srgbClr val="000000"/>
         </a:solidFill>
@@ -700,11 +720,11 @@
 </file>
 
 <file path=ppt/notesSlides/notesSlide1.xml><?xml version="1.0" encoding="utf-8"?>
-<p:notes xmlns:a="http://schemas.openxmlformats.org/drawingml/2006/main" xmlns:r="http://schemas.openxmlformats.org/officeDocument/2006/relationships" xmlns:mc="http://schemas.openxmlformats.org/markup-compatibility/2006" xmlns:mv="urn:schemas-microsoft-com:mac:vml" xmlns:p="http://schemas.openxmlformats.org/presentationml/2006/main" xmlns:c="http://schemas.openxmlformats.org/drawingml/2006/chart" xmlns:dgm="http://schemas.openxmlformats.org/drawingml/2006/diagram" xmlns:o="urn:schemas-microsoft-com:office:office" xmlns:v="urn:schemas-microsoft-com:vml" xmlns:pvml="urn:schemas-microsoft-com:office:powerpoint" xmlns:com="http://schemas.openxmlformats.org/drawingml/2006/compatibility" xmlns:p14="http://schemas.microsoft.com/office/powerpoint/2010/main" xmlns:p15="http://schemas.microsoft.com/office/powerpoint/2012/main" xmlns:ahyp="http://schemas.microsoft.com/office/drawing/2018/hyperlinkcolor" showMasterPhAnim="0" showMasterSp="0">
+<p:notes xmlns:a="http://schemas.openxmlformats.org/drawingml/2006/main" xmlns:r="http://schemas.openxmlformats.org/officeDocument/2006/relationships" xmlns:p="http://schemas.openxmlformats.org/presentationml/2006/main" showMasterSp="0" showMasterPhAnim="0">
   <p:cSld>
     <p:spTree>
       <p:nvGrpSpPr>
-        <p:cNvPr id="54" name="Shape 54"/>
+        <p:cNvPr id="1" name="Shape 54"/>
         <p:cNvGrpSpPr/>
         <p:nvPr/>
       </p:nvGrpSpPr>
@@ -719,20 +739,26 @@
       <p:sp>
         <p:nvSpPr>
           <p:cNvPr id="55" name="Google Shape;55;gc6f9544c1_0_0:notes"/>
-          <p:cNvSpPr/>
+          <p:cNvSpPr>
+            <a:spLocks noGrp="1" noRot="1" noChangeAspect="1"/>
+          </p:cNvSpPr>
           <p:nvPr>
-            <p:ph idx="2" type="sldImg"/>
+            <p:ph type="sldImg" idx="2"/>
           </p:nvPr>
         </p:nvSpPr>
         <p:spPr>
           <a:xfrm>
-            <a:off x="381188" y="685800"/>
-            <a:ext cx="6096300" cy="3429000"/>
+            <a:off x="1143000" y="685800"/>
+            <a:ext cx="4572000" cy="3429000"/>
           </a:xfrm>
           <a:custGeom>
-            <a:rect b="b" l="l" r="r" t="t"/>
+            <a:avLst/>
+            <a:gdLst/>
+            <a:ahLst/>
+            <a:cxnLst/>
+            <a:rect l="l" t="t" r="r" b="b"/>
             <a:pathLst>
-              <a:path extrusionOk="0" h="120000" w="120000">
+              <a:path w="120000" h="120000" extrusionOk="0">
                 <a:moveTo>
                   <a:pt x="0" y="0"/>
                 </a:moveTo>
@@ -754,9 +780,11 @@
       <p:sp>
         <p:nvSpPr>
           <p:cNvPr id="56" name="Google Shape;56;gc6f9544c1_0_0:notes"/>
-          <p:cNvSpPr txBox="1"/>
+          <p:cNvSpPr txBox="1">
+            <a:spLocks noGrp="1"/>
+          </p:cNvSpPr>
           <p:nvPr>
-            <p:ph idx="1" type="body"/>
+            <p:ph type="body" idx="1"/>
           </p:nvPr>
         </p:nvSpPr>
         <p:spPr>
@@ -769,12 +797,12 @@
           </a:prstGeom>
         </p:spPr>
         <p:txBody>
-          <a:bodyPr anchorCtr="0" anchor="t" bIns="91425" lIns="91425" spcFirstLastPara="1" rIns="91425" wrap="square" tIns="91425">
+          <a:bodyPr spcFirstLastPara="1" wrap="square" lIns="91425" tIns="91425" rIns="91425" bIns="91425" anchor="t" anchorCtr="0">
             <a:noAutofit/>
           </a:bodyPr>
           <a:lstStyle/>
           <a:p>
-            <a:pPr indent="0" lvl="0" marL="0" rtl="0" algn="l">
+            <a:pPr marL="0" lvl="0" indent="0" algn="l" rtl="0">
               <a:spcBef>
                 <a:spcPts val="0"/>
               </a:spcBef>
@@ -783,9 +811,6 @@
               </a:spcAft>
               <a:buNone/>
             </a:pPr>
-            <a:r>
-              <a:t/>
-            </a:r>
             <a:endParaRPr/>
           </a:p>
         </p:txBody>
@@ -799,11 +824,11 @@
 </file>
 
 <file path=ppt/notesSlides/notesSlide2.xml><?xml version="1.0" encoding="utf-8"?>
-<p:notes xmlns:a="http://schemas.openxmlformats.org/drawingml/2006/main" xmlns:r="http://schemas.openxmlformats.org/officeDocument/2006/relationships" xmlns:mc="http://schemas.openxmlformats.org/markup-compatibility/2006" xmlns:mv="urn:schemas-microsoft-com:mac:vml" xmlns:p="http://schemas.openxmlformats.org/presentationml/2006/main" xmlns:c="http://schemas.openxmlformats.org/drawingml/2006/chart" xmlns:dgm="http://schemas.openxmlformats.org/drawingml/2006/diagram" xmlns:o="urn:schemas-microsoft-com:office:office" xmlns:v="urn:schemas-microsoft-com:vml" xmlns:pvml="urn:schemas-microsoft-com:office:powerpoint" xmlns:com="http://schemas.openxmlformats.org/drawingml/2006/compatibility" xmlns:p14="http://schemas.microsoft.com/office/powerpoint/2010/main" xmlns:p15="http://schemas.microsoft.com/office/powerpoint/2012/main" xmlns:ahyp="http://schemas.microsoft.com/office/drawing/2018/hyperlinkcolor" showMasterPhAnim="0" showMasterSp="0">
+<p:notes xmlns:a="http://schemas.openxmlformats.org/drawingml/2006/main" xmlns:r="http://schemas.openxmlformats.org/officeDocument/2006/relationships" xmlns:p="http://schemas.openxmlformats.org/presentationml/2006/main" showMasterSp="0" showMasterPhAnim="0">
   <p:cSld>
     <p:spTree>
       <p:nvGrpSpPr>
-        <p:cNvPr id="60" name="Shape 60"/>
+        <p:cNvPr id="1" name="Shape 60"/>
         <p:cNvGrpSpPr/>
         <p:nvPr/>
       </p:nvGrpSpPr>
@@ -818,20 +843,26 @@
       <p:sp>
         <p:nvSpPr>
           <p:cNvPr id="61" name="Google Shape;61;gc6f9544c1_0_15:notes"/>
-          <p:cNvSpPr/>
+          <p:cNvSpPr>
+            <a:spLocks noGrp="1" noRot="1" noChangeAspect="1"/>
+          </p:cNvSpPr>
           <p:nvPr>
-            <p:ph idx="2" type="sldImg"/>
+            <p:ph type="sldImg" idx="2"/>
           </p:nvPr>
         </p:nvSpPr>
         <p:spPr>
           <a:xfrm>
-            <a:off x="381188" y="685800"/>
-            <a:ext cx="6096300" cy="3429000"/>
+            <a:off x="1143000" y="685800"/>
+            <a:ext cx="4572000" cy="3429000"/>
           </a:xfrm>
           <a:custGeom>
-            <a:rect b="b" l="l" r="r" t="t"/>
+            <a:avLst/>
+            <a:gdLst/>
+            <a:ahLst/>
+            <a:cxnLst/>
+            <a:rect l="l" t="t" r="r" b="b"/>
             <a:pathLst>
-              <a:path extrusionOk="0" h="120000" w="120000">
+              <a:path w="120000" h="120000" extrusionOk="0">
                 <a:moveTo>
                   <a:pt x="0" y="0"/>
                 </a:moveTo>
@@ -853,9 +884,11 @@
       <p:sp>
         <p:nvSpPr>
           <p:cNvPr id="62" name="Google Shape;62;gc6f9544c1_0_15:notes"/>
-          <p:cNvSpPr txBox="1"/>
+          <p:cNvSpPr txBox="1">
+            <a:spLocks noGrp="1"/>
+          </p:cNvSpPr>
           <p:nvPr>
-            <p:ph idx="1" type="body"/>
+            <p:ph type="body" idx="1"/>
           </p:nvPr>
         </p:nvSpPr>
         <p:spPr>
@@ -868,12 +901,12 @@
           </a:prstGeom>
         </p:spPr>
         <p:txBody>
-          <a:bodyPr anchorCtr="0" anchor="t" bIns="91425" lIns="91425" spcFirstLastPara="1" rIns="91425" wrap="square" tIns="91425">
+          <a:bodyPr spcFirstLastPara="1" wrap="square" lIns="91425" tIns="91425" rIns="91425" bIns="91425" anchor="t" anchorCtr="0">
             <a:noAutofit/>
           </a:bodyPr>
           <a:lstStyle/>
           <a:p>
-            <a:pPr indent="0" lvl="0" marL="0" rtl="0" algn="l">
+            <a:pPr marL="0" lvl="0" indent="0" algn="l" rtl="0">
               <a:spcBef>
                 <a:spcPts val="0"/>
               </a:spcBef>
@@ -882,9 +915,6 @@
               </a:spcAft>
               <a:buNone/>
             </a:pPr>
-            <a:r>
-              <a:t/>
-            </a:r>
             <a:endParaRPr/>
           </a:p>
         </p:txBody>
@@ -898,11 +928,11 @@
 </file>
 
 <file path=ppt/notesSlides/notesSlide3.xml><?xml version="1.0" encoding="utf-8"?>
-<p:notes xmlns:a="http://schemas.openxmlformats.org/drawingml/2006/main" xmlns:r="http://schemas.openxmlformats.org/officeDocument/2006/relationships" xmlns:mc="http://schemas.openxmlformats.org/markup-compatibility/2006" xmlns:mv="urn:schemas-microsoft-com:mac:vml" xmlns:p="http://schemas.openxmlformats.org/presentationml/2006/main" xmlns:c="http://schemas.openxmlformats.org/drawingml/2006/chart" xmlns:dgm="http://schemas.openxmlformats.org/drawingml/2006/diagram" xmlns:o="urn:schemas-microsoft-com:office:office" xmlns:v="urn:schemas-microsoft-com:vml" xmlns:pvml="urn:schemas-microsoft-com:office:powerpoint" xmlns:com="http://schemas.openxmlformats.org/drawingml/2006/compatibility" xmlns:p14="http://schemas.microsoft.com/office/powerpoint/2010/main" xmlns:p15="http://schemas.microsoft.com/office/powerpoint/2012/main" xmlns:ahyp="http://schemas.microsoft.com/office/drawing/2018/hyperlinkcolor" showMasterPhAnim="0" showMasterSp="0">
+<p:notes xmlns:a="http://schemas.openxmlformats.org/drawingml/2006/main" xmlns:r="http://schemas.openxmlformats.org/officeDocument/2006/relationships" xmlns:p="http://schemas.openxmlformats.org/presentationml/2006/main" showMasterSp="0" showMasterPhAnim="0">
   <p:cSld>
     <p:spTree>
       <p:nvGrpSpPr>
-        <p:cNvPr id="90" name="Shape 90"/>
+        <p:cNvPr id="1" name="Shape 90"/>
         <p:cNvGrpSpPr/>
         <p:nvPr/>
       </p:nvGrpSpPr>
@@ -917,20 +947,26 @@
       <p:sp>
         <p:nvSpPr>
           <p:cNvPr id="91" name="Google Shape;91;gc6f9544c1_0_10:notes"/>
-          <p:cNvSpPr/>
+          <p:cNvSpPr>
+            <a:spLocks noGrp="1" noRot="1" noChangeAspect="1"/>
+          </p:cNvSpPr>
           <p:nvPr>
-            <p:ph idx="2" type="sldImg"/>
+            <p:ph type="sldImg" idx="2"/>
           </p:nvPr>
         </p:nvSpPr>
         <p:spPr>
           <a:xfrm>
-            <a:off x="381188" y="685800"/>
-            <a:ext cx="6096300" cy="3429000"/>
+            <a:off x="1143000" y="685800"/>
+            <a:ext cx="4572000" cy="3429000"/>
           </a:xfrm>
           <a:custGeom>
-            <a:rect b="b" l="l" r="r" t="t"/>
+            <a:avLst/>
+            <a:gdLst/>
+            <a:ahLst/>
+            <a:cxnLst/>
+            <a:rect l="l" t="t" r="r" b="b"/>
             <a:pathLst>
-              <a:path extrusionOk="0" h="120000" w="120000">
+              <a:path w="120000" h="120000" extrusionOk="0">
                 <a:moveTo>
                   <a:pt x="0" y="0"/>
                 </a:moveTo>
@@ -952,9 +988,11 @@
       <p:sp>
         <p:nvSpPr>
           <p:cNvPr id="92" name="Google Shape;92;gc6f9544c1_0_10:notes"/>
-          <p:cNvSpPr txBox="1"/>
+          <p:cNvSpPr txBox="1">
+            <a:spLocks noGrp="1"/>
+          </p:cNvSpPr>
           <p:nvPr>
-            <p:ph idx="1" type="body"/>
+            <p:ph type="body" idx="1"/>
           </p:nvPr>
         </p:nvSpPr>
         <p:spPr>
@@ -967,12 +1005,12 @@
           </a:prstGeom>
         </p:spPr>
         <p:txBody>
-          <a:bodyPr anchorCtr="0" anchor="t" bIns="91425" lIns="91425" spcFirstLastPara="1" rIns="91425" wrap="square" tIns="91425">
+          <a:bodyPr spcFirstLastPara="1" wrap="square" lIns="91425" tIns="91425" rIns="91425" bIns="91425" anchor="t" anchorCtr="0">
             <a:noAutofit/>
           </a:bodyPr>
           <a:lstStyle/>
           <a:p>
-            <a:pPr indent="0" lvl="0" marL="0" rtl="0" algn="l">
+            <a:pPr marL="0" lvl="0" indent="0" algn="l" rtl="0">
               <a:spcBef>
                 <a:spcPts val="0"/>
               </a:spcBef>
@@ -981,9 +1019,6 @@
               </a:spcAft>
               <a:buNone/>
             </a:pPr>
-            <a:r>
-              <a:t/>
-            </a:r>
             <a:endParaRPr/>
           </a:p>
         </p:txBody>
@@ -997,11 +1032,11 @@
 </file>
 
 <file path=ppt/notesSlides/notesSlide4.xml><?xml version="1.0" encoding="utf-8"?>
-<p:notes xmlns:a="http://schemas.openxmlformats.org/drawingml/2006/main" xmlns:r="http://schemas.openxmlformats.org/officeDocument/2006/relationships" xmlns:mc="http://schemas.openxmlformats.org/markup-compatibility/2006" xmlns:mv="urn:schemas-microsoft-com:mac:vml" xmlns:p="http://schemas.openxmlformats.org/presentationml/2006/main" xmlns:c="http://schemas.openxmlformats.org/drawingml/2006/chart" xmlns:dgm="http://schemas.openxmlformats.org/drawingml/2006/diagram" xmlns:o="urn:schemas-microsoft-com:office:office" xmlns:v="urn:schemas-microsoft-com:vml" xmlns:pvml="urn:schemas-microsoft-com:office:powerpoint" xmlns:com="http://schemas.openxmlformats.org/drawingml/2006/compatibility" xmlns:p14="http://schemas.microsoft.com/office/powerpoint/2010/main" xmlns:p15="http://schemas.microsoft.com/office/powerpoint/2012/main" xmlns:ahyp="http://schemas.microsoft.com/office/drawing/2018/hyperlinkcolor" showMasterPhAnim="0" showMasterSp="0">
+<p:notes xmlns:a="http://schemas.openxmlformats.org/drawingml/2006/main" xmlns:r="http://schemas.openxmlformats.org/officeDocument/2006/relationships" xmlns:p="http://schemas.openxmlformats.org/presentationml/2006/main" showMasterSp="0" showMasterPhAnim="0">
   <p:cSld>
     <p:spTree>
       <p:nvGrpSpPr>
-        <p:cNvPr id="96" name="Shape 96"/>
+        <p:cNvPr id="1" name="Shape 96"/>
         <p:cNvGrpSpPr/>
         <p:nvPr/>
       </p:nvGrpSpPr>
@@ -1016,20 +1051,26 @@
       <p:sp>
         <p:nvSpPr>
           <p:cNvPr id="97" name="Google Shape;97;g3476c458f0b_0_29:notes"/>
-          <p:cNvSpPr/>
+          <p:cNvSpPr>
+            <a:spLocks noGrp="1" noRot="1" noChangeAspect="1"/>
+          </p:cNvSpPr>
           <p:nvPr>
-            <p:ph idx="2" type="sldImg"/>
+            <p:ph type="sldImg" idx="2"/>
           </p:nvPr>
         </p:nvSpPr>
         <p:spPr>
           <a:xfrm>
-            <a:off x="381188" y="685800"/>
-            <a:ext cx="6096300" cy="3429000"/>
+            <a:off x="1143000" y="685800"/>
+            <a:ext cx="4572000" cy="3429000"/>
           </a:xfrm>
           <a:custGeom>
-            <a:rect b="b" l="l" r="r" t="t"/>
+            <a:avLst/>
+            <a:gdLst/>
+            <a:ahLst/>
+            <a:cxnLst/>
+            <a:rect l="l" t="t" r="r" b="b"/>
             <a:pathLst>
-              <a:path extrusionOk="0" h="120000" w="120000">
+              <a:path w="120000" h="120000" extrusionOk="0">
                 <a:moveTo>
                   <a:pt x="0" y="0"/>
                 </a:moveTo>
@@ -1051,9 +1092,11 @@
       <p:sp>
         <p:nvSpPr>
           <p:cNvPr id="98" name="Google Shape;98;g3476c458f0b_0_29:notes"/>
-          <p:cNvSpPr txBox="1"/>
+          <p:cNvSpPr txBox="1">
+            <a:spLocks noGrp="1"/>
+          </p:cNvSpPr>
           <p:nvPr>
-            <p:ph idx="1" type="body"/>
+            <p:ph type="body" idx="1"/>
           </p:nvPr>
         </p:nvSpPr>
         <p:spPr>
@@ -1066,12 +1109,12 @@
           </a:prstGeom>
         </p:spPr>
         <p:txBody>
-          <a:bodyPr anchorCtr="0" anchor="t" bIns="91425" lIns="91425" spcFirstLastPara="1" rIns="91425" wrap="square" tIns="91425">
+          <a:bodyPr spcFirstLastPara="1" wrap="square" lIns="91425" tIns="91425" rIns="91425" bIns="91425" anchor="t" anchorCtr="0">
             <a:noAutofit/>
           </a:bodyPr>
           <a:lstStyle/>
           <a:p>
-            <a:pPr indent="0" lvl="0" marL="0" rtl="0" algn="l">
+            <a:pPr marL="0" lvl="0" indent="0" algn="l" rtl="0">
               <a:spcBef>
                 <a:spcPts val="0"/>
               </a:spcBef>
@@ -1080,9 +1123,6 @@
               </a:spcAft>
               <a:buNone/>
             </a:pPr>
-            <a:r>
-              <a:t/>
-            </a:r>
             <a:endParaRPr/>
           </a:p>
         </p:txBody>
@@ -1096,11 +1136,11 @@
 </file>
 
 <file path=ppt/notesSlides/notesSlide5.xml><?xml version="1.0" encoding="utf-8"?>
-<p:notes xmlns:a="http://schemas.openxmlformats.org/drawingml/2006/main" xmlns:r="http://schemas.openxmlformats.org/officeDocument/2006/relationships" xmlns:mc="http://schemas.openxmlformats.org/markup-compatibility/2006" xmlns:mv="urn:schemas-microsoft-com:mac:vml" xmlns:p="http://schemas.openxmlformats.org/presentationml/2006/main" xmlns:c="http://schemas.openxmlformats.org/drawingml/2006/chart" xmlns:dgm="http://schemas.openxmlformats.org/drawingml/2006/diagram" xmlns:o="urn:schemas-microsoft-com:office:office" xmlns:v="urn:schemas-microsoft-com:vml" xmlns:pvml="urn:schemas-microsoft-com:office:powerpoint" xmlns:com="http://schemas.openxmlformats.org/drawingml/2006/compatibility" xmlns:p14="http://schemas.microsoft.com/office/powerpoint/2010/main" xmlns:p15="http://schemas.microsoft.com/office/powerpoint/2012/main" xmlns:ahyp="http://schemas.microsoft.com/office/drawing/2018/hyperlinkcolor" showMasterPhAnim="0" showMasterSp="0">
+<p:notes xmlns:a="http://schemas.openxmlformats.org/drawingml/2006/main" xmlns:r="http://schemas.openxmlformats.org/officeDocument/2006/relationships" xmlns:p="http://schemas.openxmlformats.org/presentationml/2006/main" showMasterSp="0" showMasterPhAnim="0">
   <p:cSld>
     <p:spTree>
       <p:nvGrpSpPr>
-        <p:cNvPr id="102" name="Shape 102"/>
+        <p:cNvPr id="1" name="Shape 102"/>
         <p:cNvGrpSpPr/>
         <p:nvPr/>
       </p:nvGrpSpPr>
@@ -1115,20 +1155,26 @@
       <p:sp>
         <p:nvSpPr>
           <p:cNvPr id="103" name="Google Shape;103;g3476c458f0b_0_43:notes"/>
-          <p:cNvSpPr/>
+          <p:cNvSpPr>
+            <a:spLocks noGrp="1" noRot="1" noChangeAspect="1"/>
+          </p:cNvSpPr>
           <p:nvPr>
-            <p:ph idx="2" type="sldImg"/>
+            <p:ph type="sldImg" idx="2"/>
           </p:nvPr>
         </p:nvSpPr>
         <p:spPr>
           <a:xfrm>
-            <a:off x="381300" y="685800"/>
-            <a:ext cx="6096000" cy="3429000"/>
+            <a:off x="1143000" y="685800"/>
+            <a:ext cx="4572000" cy="3429000"/>
           </a:xfrm>
           <a:custGeom>
-            <a:rect b="b" l="l" r="r" t="t"/>
+            <a:avLst/>
+            <a:gdLst/>
+            <a:ahLst/>
+            <a:cxnLst/>
+            <a:rect l="l" t="t" r="r" b="b"/>
             <a:pathLst>
-              <a:path extrusionOk="0" h="120000" w="120000">
+              <a:path w="120000" h="120000" extrusionOk="0">
                 <a:moveTo>
                   <a:pt x="0" y="0"/>
                 </a:moveTo>
@@ -1150,9 +1196,11 @@
       <p:sp>
         <p:nvSpPr>
           <p:cNvPr id="104" name="Google Shape;104;g3476c458f0b_0_43:notes"/>
-          <p:cNvSpPr txBox="1"/>
+          <p:cNvSpPr txBox="1">
+            <a:spLocks noGrp="1"/>
+          </p:cNvSpPr>
           <p:nvPr>
-            <p:ph idx="1" type="body"/>
+            <p:ph type="body" idx="1"/>
           </p:nvPr>
         </p:nvSpPr>
         <p:spPr>
@@ -1165,12 +1213,12 @@
           </a:prstGeom>
         </p:spPr>
         <p:txBody>
-          <a:bodyPr anchorCtr="0" anchor="t" bIns="91425" lIns="91425" spcFirstLastPara="1" rIns="91425" wrap="square" tIns="91425">
+          <a:bodyPr spcFirstLastPara="1" wrap="square" lIns="91425" tIns="91425" rIns="91425" bIns="91425" anchor="t" anchorCtr="0">
             <a:noAutofit/>
           </a:bodyPr>
           <a:lstStyle/>
           <a:p>
-            <a:pPr indent="0" lvl="0" marL="0" rtl="0" algn="l">
+            <a:pPr marL="0" lvl="0" indent="0" algn="l" rtl="0">
               <a:spcBef>
                 <a:spcPts val="0"/>
               </a:spcBef>
@@ -1179,9 +1227,6 @@
               </a:spcAft>
               <a:buNone/>
             </a:pPr>
-            <a:r>
-              <a:t/>
-            </a:r>
             <a:endParaRPr/>
           </a:p>
         </p:txBody>
@@ -1195,11 +1240,11 @@
 </file>
 
 <file path=ppt/slideLayouts/slideLayout1.xml><?xml version="1.0" encoding="utf-8"?>
-<p:sldLayout xmlns:a="http://schemas.openxmlformats.org/drawingml/2006/main" xmlns:r="http://schemas.openxmlformats.org/officeDocument/2006/relationships" xmlns:mc="http://schemas.openxmlformats.org/markup-compatibility/2006" xmlns:mv="urn:schemas-microsoft-com:mac:vml" xmlns:p="http://schemas.openxmlformats.org/presentationml/2006/main" xmlns:c="http://schemas.openxmlformats.org/drawingml/2006/chart" xmlns:dgm="http://schemas.openxmlformats.org/drawingml/2006/diagram" xmlns:o="urn:schemas-microsoft-com:office:office" xmlns:v="urn:schemas-microsoft-com:vml" xmlns:pvml="urn:schemas-microsoft-com:office:powerpoint" xmlns:com="http://schemas.openxmlformats.org/drawingml/2006/compatibility" xmlns:p14="http://schemas.microsoft.com/office/powerpoint/2010/main" xmlns:p15="http://schemas.microsoft.com/office/powerpoint/2012/main" xmlns:ahyp="http://schemas.microsoft.com/office/drawing/2018/hyperlinkcolor" matchingName="Title slide" type="title">
+<p:sldLayout xmlns:a="http://schemas.openxmlformats.org/drawingml/2006/main" xmlns:r="http://schemas.openxmlformats.org/officeDocument/2006/relationships" xmlns:p="http://schemas.openxmlformats.org/presentationml/2006/main" matchingName="Title slide" type="title">
   <p:cSld name="TITLE">
     <p:spTree>
       <p:nvGrpSpPr>
-        <p:cNvPr id="9" name="Shape 9"/>
+        <p:cNvPr id="1" name="Shape 9"/>
         <p:cNvGrpSpPr/>
         <p:nvPr/>
       </p:nvGrpSpPr>
@@ -1219,8 +1264,8 @@
         </p:nvSpPr>
         <p:spPr>
           <a:xfrm>
-            <a:off x="80700" y="2651100"/>
-            <a:ext cx="8982600" cy="2411700"/>
+            <a:off x="60525" y="2651100"/>
+            <a:ext cx="6736950" cy="2411700"/>
           </a:xfrm>
           <a:prstGeom prst="rect">
             <a:avLst/>
@@ -1233,12 +1278,12 @@
           </a:ln>
         </p:spPr>
         <p:txBody>
-          <a:bodyPr anchorCtr="0" anchor="ctr" bIns="91425" lIns="91425" spcFirstLastPara="1" rIns="91425" wrap="square" tIns="91425">
+          <a:bodyPr spcFirstLastPara="1" wrap="square" lIns="68569" tIns="68569" rIns="68569" bIns="68569" anchor="ctr" anchorCtr="0">
             <a:noAutofit/>
           </a:bodyPr>
           <a:lstStyle/>
           <a:p>
-            <a:pPr indent="0" lvl="0" marL="0" rtl="0" algn="l">
+            <a:pPr marL="0" lvl="0" indent="0" algn="l" rtl="0">
               <a:spcBef>
                 <a:spcPts val="0"/>
               </a:spcBef>
@@ -1247,157 +1292,160 @@
               </a:spcAft>
               <a:buNone/>
             </a:pPr>
-            <a:r>
-              <a:t/>
-            </a:r>
+            <a:endParaRPr sz="1050"/>
+          </a:p>
+        </p:txBody>
+      </p:sp>
+      <p:sp>
+        <p:nvSpPr>
+          <p:cNvPr id="11" name="Google Shape;11;p2"/>
+          <p:cNvSpPr txBox="1">
+            <a:spLocks noGrp="1"/>
+          </p:cNvSpPr>
+          <p:nvPr>
+            <p:ph type="ctrTitle"/>
+          </p:nvPr>
+        </p:nvSpPr>
+        <p:spPr>
+          <a:xfrm>
+            <a:off x="364406" y="264475"/>
+            <a:ext cx="6137775" cy="1473600"/>
+          </a:xfrm>
+          <a:prstGeom prst="rect">
+            <a:avLst/>
+          </a:prstGeom>
+        </p:spPr>
+        <p:txBody>
+          <a:bodyPr spcFirstLastPara="1" wrap="square" lIns="91425" tIns="91425" rIns="91425" bIns="91425" anchor="b" anchorCtr="0">
+            <a:noAutofit/>
+          </a:bodyPr>
+          <a:lstStyle>
+            <a:lvl1pPr lvl="0">
+              <a:spcBef>
+                <a:spcPts val="0"/>
+              </a:spcBef>
+              <a:spcAft>
+                <a:spcPts val="0"/>
+              </a:spcAft>
+              <a:buSzPts val="4200"/>
+              <a:buNone/>
+              <a:defRPr sz="3150"/>
+            </a:lvl1pPr>
+            <a:lvl2pPr lvl="1">
+              <a:spcBef>
+                <a:spcPts val="0"/>
+              </a:spcBef>
+              <a:spcAft>
+                <a:spcPts val="0"/>
+              </a:spcAft>
+              <a:buSzPts val="4200"/>
+              <a:buNone/>
+              <a:defRPr sz="3150"/>
+            </a:lvl2pPr>
+            <a:lvl3pPr lvl="2">
+              <a:spcBef>
+                <a:spcPts val="0"/>
+              </a:spcBef>
+              <a:spcAft>
+                <a:spcPts val="0"/>
+              </a:spcAft>
+              <a:buSzPts val="4200"/>
+              <a:buNone/>
+              <a:defRPr sz="3150"/>
+            </a:lvl3pPr>
+            <a:lvl4pPr lvl="3">
+              <a:spcBef>
+                <a:spcPts val="0"/>
+              </a:spcBef>
+              <a:spcAft>
+                <a:spcPts val="0"/>
+              </a:spcAft>
+              <a:buSzPts val="4200"/>
+              <a:buNone/>
+              <a:defRPr sz="3150"/>
+            </a:lvl4pPr>
+            <a:lvl5pPr lvl="4">
+              <a:spcBef>
+                <a:spcPts val="0"/>
+              </a:spcBef>
+              <a:spcAft>
+                <a:spcPts val="0"/>
+              </a:spcAft>
+              <a:buSzPts val="4200"/>
+              <a:buNone/>
+              <a:defRPr sz="3150"/>
+            </a:lvl5pPr>
+            <a:lvl6pPr lvl="5">
+              <a:spcBef>
+                <a:spcPts val="0"/>
+              </a:spcBef>
+              <a:spcAft>
+                <a:spcPts val="0"/>
+              </a:spcAft>
+              <a:buSzPts val="4200"/>
+              <a:buNone/>
+              <a:defRPr sz="3150"/>
+            </a:lvl6pPr>
+            <a:lvl7pPr lvl="6">
+              <a:spcBef>
+                <a:spcPts val="0"/>
+              </a:spcBef>
+              <a:spcAft>
+                <a:spcPts val="0"/>
+              </a:spcAft>
+              <a:buSzPts val="4200"/>
+              <a:buNone/>
+              <a:defRPr sz="3150"/>
+            </a:lvl7pPr>
+            <a:lvl8pPr lvl="7">
+              <a:spcBef>
+                <a:spcPts val="0"/>
+              </a:spcBef>
+              <a:spcAft>
+                <a:spcPts val="0"/>
+              </a:spcAft>
+              <a:buSzPts val="4200"/>
+              <a:buNone/>
+              <a:defRPr sz="3150"/>
+            </a:lvl8pPr>
+            <a:lvl9pPr lvl="8">
+              <a:spcBef>
+                <a:spcPts val="0"/>
+              </a:spcBef>
+              <a:spcAft>
+                <a:spcPts val="0"/>
+              </a:spcAft>
+              <a:buSzPts val="4200"/>
+              <a:buNone/>
+              <a:defRPr sz="3150"/>
+            </a:lvl9pPr>
+          </a:lstStyle>
+          <a:p>
             <a:endParaRPr/>
           </a:p>
         </p:txBody>
       </p:sp>
       <p:sp>
         <p:nvSpPr>
-          <p:cNvPr id="11" name="Google Shape;11;p2"/>
-          <p:cNvSpPr txBox="1"/>
+          <p:cNvPr id="12" name="Google Shape;12;p2"/>
+          <p:cNvSpPr txBox="1">
+            <a:spLocks noGrp="1"/>
+          </p:cNvSpPr>
           <p:nvPr>
-            <p:ph type="ctrTitle"/>
+            <p:ph type="subTitle" idx="1"/>
           </p:nvPr>
         </p:nvSpPr>
         <p:spPr>
           <a:xfrm>
-            <a:off x="485875" y="264475"/>
-            <a:ext cx="8183700" cy="1473600"/>
+            <a:off x="364406" y="1738075"/>
+            <a:ext cx="6137775" cy="861000"/>
           </a:xfrm>
           <a:prstGeom prst="rect">
             <a:avLst/>
           </a:prstGeom>
         </p:spPr>
         <p:txBody>
-          <a:bodyPr anchorCtr="0" anchor="b" bIns="91425" lIns="91425" spcFirstLastPara="1" rIns="91425" wrap="square" tIns="91425">
-            <a:noAutofit/>
-          </a:bodyPr>
-          <a:lstStyle>
-            <a:lvl1pPr lvl="0">
-              <a:spcBef>
-                <a:spcPts val="0"/>
-              </a:spcBef>
-              <a:spcAft>
-                <a:spcPts val="0"/>
-              </a:spcAft>
-              <a:buSzPts val="4200"/>
-              <a:buNone/>
-              <a:defRPr sz="4200"/>
-            </a:lvl1pPr>
-            <a:lvl2pPr lvl="1">
-              <a:spcBef>
-                <a:spcPts val="0"/>
-              </a:spcBef>
-              <a:spcAft>
-                <a:spcPts val="0"/>
-              </a:spcAft>
-              <a:buSzPts val="4200"/>
-              <a:buNone/>
-              <a:defRPr sz="4200"/>
-            </a:lvl2pPr>
-            <a:lvl3pPr lvl="2">
-              <a:spcBef>
-                <a:spcPts val="0"/>
-              </a:spcBef>
-              <a:spcAft>
-                <a:spcPts val="0"/>
-              </a:spcAft>
-              <a:buSzPts val="4200"/>
-              <a:buNone/>
-              <a:defRPr sz="4200"/>
-            </a:lvl3pPr>
-            <a:lvl4pPr lvl="3">
-              <a:spcBef>
-                <a:spcPts val="0"/>
-              </a:spcBef>
-              <a:spcAft>
-                <a:spcPts val="0"/>
-              </a:spcAft>
-              <a:buSzPts val="4200"/>
-              <a:buNone/>
-              <a:defRPr sz="4200"/>
-            </a:lvl4pPr>
-            <a:lvl5pPr lvl="4">
-              <a:spcBef>
-                <a:spcPts val="0"/>
-              </a:spcBef>
-              <a:spcAft>
-                <a:spcPts val="0"/>
-              </a:spcAft>
-              <a:buSzPts val="4200"/>
-              <a:buNone/>
-              <a:defRPr sz="4200"/>
-            </a:lvl5pPr>
-            <a:lvl6pPr lvl="5">
-              <a:spcBef>
-                <a:spcPts val="0"/>
-              </a:spcBef>
-              <a:spcAft>
-                <a:spcPts val="0"/>
-              </a:spcAft>
-              <a:buSzPts val="4200"/>
-              <a:buNone/>
-              <a:defRPr sz="4200"/>
-            </a:lvl6pPr>
-            <a:lvl7pPr lvl="6">
-              <a:spcBef>
-                <a:spcPts val="0"/>
-              </a:spcBef>
-              <a:spcAft>
-                <a:spcPts val="0"/>
-              </a:spcAft>
-              <a:buSzPts val="4200"/>
-              <a:buNone/>
-              <a:defRPr sz="4200"/>
-            </a:lvl7pPr>
-            <a:lvl8pPr lvl="7">
-              <a:spcBef>
-                <a:spcPts val="0"/>
-              </a:spcBef>
-              <a:spcAft>
-                <a:spcPts val="0"/>
-              </a:spcAft>
-              <a:buSzPts val="4200"/>
-              <a:buNone/>
-              <a:defRPr sz="4200"/>
-            </a:lvl8pPr>
-            <a:lvl9pPr lvl="8">
-              <a:spcBef>
-                <a:spcPts val="0"/>
-              </a:spcBef>
-              <a:spcAft>
-                <a:spcPts val="0"/>
-              </a:spcAft>
-              <a:buSzPts val="4200"/>
-              <a:buNone/>
-              <a:defRPr sz="4200"/>
-            </a:lvl9pPr>
-          </a:lstStyle>
-          <a:p/>
-        </p:txBody>
-      </p:sp>
-      <p:sp>
-        <p:nvSpPr>
-          <p:cNvPr id="12" name="Google Shape;12;p2"/>
-          <p:cNvSpPr txBox="1"/>
-          <p:nvPr>
-            <p:ph idx="1" type="subTitle"/>
-          </p:nvPr>
-        </p:nvSpPr>
-        <p:spPr>
-          <a:xfrm>
-            <a:off x="485875" y="1738075"/>
-            <a:ext cx="8183700" cy="861000"/>
-          </a:xfrm>
-          <a:prstGeom prst="rect">
-            <a:avLst/>
-          </a:prstGeom>
-        </p:spPr>
-        <p:txBody>
-          <a:bodyPr anchorCtr="0" anchor="t" bIns="91425" lIns="91425" spcFirstLastPara="1" rIns="91425" wrap="square" tIns="91425">
+          <a:bodyPr spcFirstLastPara="1" wrap="square" lIns="91425" tIns="91425" rIns="91425" bIns="91425" anchor="t" anchorCtr="0">
             <a:noAutofit/>
           </a:bodyPr>
           <a:lstStyle>
@@ -1413,7 +1461,7 @@
               </a:spcAft>
               <a:buSzPts val="2400"/>
               <a:buNone/>
-              <a:defRPr sz="2400"/>
+              <a:defRPr sz="1800"/>
             </a:lvl1pPr>
             <a:lvl2pPr lvl="1">
               <a:lnSpc>
@@ -1427,7 +1475,7 @@
               </a:spcAft>
               <a:buSzPts val="2400"/>
               <a:buNone/>
-              <a:defRPr sz="2400"/>
+              <a:defRPr sz="1800"/>
             </a:lvl2pPr>
             <a:lvl3pPr lvl="2">
               <a:lnSpc>
@@ -1441,7 +1489,7 @@
               </a:spcAft>
               <a:buSzPts val="2400"/>
               <a:buNone/>
-              <a:defRPr sz="2400"/>
+              <a:defRPr sz="1800"/>
             </a:lvl3pPr>
             <a:lvl4pPr lvl="3">
               <a:lnSpc>
@@ -1455,7 +1503,7 @@
               </a:spcAft>
               <a:buSzPts val="2400"/>
               <a:buNone/>
-              <a:defRPr sz="2400"/>
+              <a:defRPr sz="1800"/>
             </a:lvl4pPr>
             <a:lvl5pPr lvl="4">
               <a:lnSpc>
@@ -1469,7 +1517,7 @@
               </a:spcAft>
               <a:buSzPts val="2400"/>
               <a:buNone/>
-              <a:defRPr sz="2400"/>
+              <a:defRPr sz="1800"/>
             </a:lvl5pPr>
             <a:lvl6pPr lvl="5">
               <a:lnSpc>
@@ -1483,7 +1531,7 @@
               </a:spcAft>
               <a:buSzPts val="2400"/>
               <a:buNone/>
-              <a:defRPr sz="2400"/>
+              <a:defRPr sz="1800"/>
             </a:lvl6pPr>
             <a:lvl7pPr lvl="6">
               <a:lnSpc>
@@ -1497,7 +1545,7 @@
               </a:spcAft>
               <a:buSzPts val="2400"/>
               <a:buNone/>
-              <a:defRPr sz="2400"/>
+              <a:defRPr sz="1800"/>
             </a:lvl7pPr>
             <a:lvl8pPr lvl="7">
               <a:lnSpc>
@@ -1511,7 +1559,7 @@
               </a:spcAft>
               <a:buSzPts val="2400"/>
               <a:buNone/>
-              <a:defRPr sz="2400"/>
+              <a:defRPr sz="1800"/>
             </a:lvl8pPr>
             <a:lvl9pPr lvl="8">
               <a:lnSpc>
@@ -1525,31 +1573,35 @@
               </a:spcAft>
               <a:buSzPts val="2400"/>
               <a:buNone/>
-              <a:defRPr sz="2400"/>
+              <a:defRPr sz="1800"/>
             </a:lvl9pPr>
           </a:lstStyle>
-          <a:p/>
+          <a:p>
+            <a:endParaRPr/>
+          </a:p>
         </p:txBody>
       </p:sp>
       <p:sp>
         <p:nvSpPr>
           <p:cNvPr id="13" name="Google Shape;13;p2"/>
-          <p:cNvSpPr txBox="1"/>
+          <p:cNvSpPr txBox="1">
+            <a:spLocks noGrp="1"/>
+          </p:cNvSpPr>
           <p:nvPr>
-            <p:ph idx="12" type="sldNum"/>
+            <p:ph type="sldNum" idx="12"/>
           </p:nvPr>
         </p:nvSpPr>
         <p:spPr>
           <a:xfrm>
-            <a:off x="8497999" y="4688759"/>
-            <a:ext cx="548700" cy="393600"/>
+            <a:off x="6373499" y="4688759"/>
+            <a:ext cx="411525" cy="393600"/>
           </a:xfrm>
           <a:prstGeom prst="rect">
             <a:avLst/>
           </a:prstGeom>
         </p:spPr>
         <p:txBody>
-          <a:bodyPr anchorCtr="0" anchor="ctr" bIns="91425" lIns="91425" spcFirstLastPara="1" rIns="91425" wrap="square" tIns="91425">
+          <a:bodyPr spcFirstLastPara="1" wrap="square" lIns="91425" tIns="91425" rIns="91425" bIns="91425" anchor="ctr" anchorCtr="0">
             <a:noAutofit/>
           </a:bodyPr>
           <a:lstStyle>
@@ -1627,20 +1679,12 @@
             </a:lvl9pPr>
           </a:lstStyle>
           <a:p>
-            <a:pPr indent="0" lvl="0" marL="0" rtl="0" algn="r">
-              <a:spcBef>
-                <a:spcPts val="0"/>
-              </a:spcBef>
-              <a:spcAft>
-                <a:spcPts val="0"/>
-              </a:spcAft>
-              <a:buNone/>
-            </a:pPr>
             <a:fld id="{00000000-1234-1234-1234-123412341234}" type="slidenum">
-              <a:rPr lang="en"/>
+              <a:rPr lang="en" smtClean="0"/>
+              <a:pPr/>
               <a:t>‹#›</a:t>
             </a:fld>
-            <a:endParaRPr/>
+            <a:endParaRPr lang="en"/>
           </a:p>
         </p:txBody>
       </p:sp>
@@ -1653,11 +1697,11 @@
 </file>
 
 <file path=ppt/slideLayouts/slideLayout10.xml><?xml version="1.0" encoding="utf-8"?>
-<p:sldLayout xmlns:a="http://schemas.openxmlformats.org/drawingml/2006/main" xmlns:r="http://schemas.openxmlformats.org/officeDocument/2006/relationships" xmlns:mc="http://schemas.openxmlformats.org/markup-compatibility/2006" xmlns:mv="urn:schemas-microsoft-com:mac:vml" xmlns:p="http://schemas.openxmlformats.org/presentationml/2006/main" xmlns:c="http://schemas.openxmlformats.org/drawingml/2006/chart" xmlns:dgm="http://schemas.openxmlformats.org/drawingml/2006/diagram" xmlns:o="urn:schemas-microsoft-com:office:office" xmlns:v="urn:schemas-microsoft-com:vml" xmlns:pvml="urn:schemas-microsoft-com:office:powerpoint" xmlns:com="http://schemas.openxmlformats.org/drawingml/2006/compatibility" xmlns:p14="http://schemas.microsoft.com/office/powerpoint/2010/main" xmlns:p15="http://schemas.microsoft.com/office/powerpoint/2012/main" xmlns:ahyp="http://schemas.microsoft.com/office/drawing/2018/hyperlinkcolor" matchingName="Big number">
+<p:sldLayout xmlns:a="http://schemas.openxmlformats.org/drawingml/2006/main" xmlns:r="http://schemas.openxmlformats.org/officeDocument/2006/relationships" xmlns:p="http://schemas.openxmlformats.org/presentationml/2006/main" matchingName="Big number">
   <p:cSld name="BIG_NUMBER">
     <p:spTree>
       <p:nvGrpSpPr>
-        <p:cNvPr id="47" name="Shape 47"/>
+        <p:cNvPr id="1" name="Shape 47"/>
         <p:cNvGrpSpPr/>
         <p:nvPr/>
       </p:nvGrpSpPr>
@@ -1677,8 +1721,8 @@
         </p:nvSpPr>
         <p:spPr>
           <a:xfrm>
-            <a:off x="80700" y="2651100"/>
-            <a:ext cx="8982600" cy="2411700"/>
+            <a:off x="60525" y="2651100"/>
+            <a:ext cx="6736950" cy="2411700"/>
           </a:xfrm>
           <a:prstGeom prst="rect">
             <a:avLst/>
@@ -1691,12 +1735,12 @@
           </a:ln>
         </p:spPr>
         <p:txBody>
-          <a:bodyPr anchorCtr="0" anchor="ctr" bIns="91425" lIns="91425" spcFirstLastPara="1" rIns="91425" wrap="square" tIns="91425">
+          <a:bodyPr spcFirstLastPara="1" wrap="square" lIns="68569" tIns="68569" rIns="68569" bIns="68569" anchor="ctr" anchorCtr="0">
             <a:noAutofit/>
           </a:bodyPr>
           <a:lstStyle/>
           <a:p>
-            <a:pPr indent="0" lvl="0" marL="0" rtl="0" algn="l">
+            <a:pPr marL="0" lvl="0" indent="0" algn="l" rtl="0">
               <a:spcBef>
                 <a:spcPts val="0"/>
               </a:spcBef>
@@ -1705,32 +1749,31 @@
               </a:spcAft>
               <a:buNone/>
             </a:pPr>
-            <a:r>
-              <a:t/>
-            </a:r>
-            <a:endParaRPr/>
+            <a:endParaRPr sz="1050"/>
           </a:p>
         </p:txBody>
       </p:sp>
       <p:sp>
         <p:nvSpPr>
           <p:cNvPr id="49" name="Google Shape;49;p11"/>
-          <p:cNvSpPr txBox="1"/>
+          <p:cNvSpPr txBox="1">
+            <a:spLocks noGrp="1"/>
+          </p:cNvSpPr>
           <p:nvPr>
-            <p:ph hasCustomPrompt="1" type="title"/>
+            <p:ph type="title" hasCustomPrompt="1"/>
           </p:nvPr>
         </p:nvSpPr>
         <p:spPr>
           <a:xfrm>
-            <a:off x="311700" y="743001"/>
-            <a:ext cx="8520600" cy="2006400"/>
+            <a:off x="233775" y="743001"/>
+            <a:ext cx="6390450" cy="2006400"/>
           </a:xfrm>
           <a:prstGeom prst="rect">
             <a:avLst/>
           </a:prstGeom>
         </p:spPr>
         <p:txBody>
-          <a:bodyPr anchorCtr="0" anchor="b" bIns="91425" lIns="91425" spcFirstLastPara="1" rIns="91425" wrap="square" tIns="91425">
+          <a:bodyPr spcFirstLastPara="1" wrap="square" lIns="91425" tIns="91425" rIns="91425" bIns="91425" anchor="b" anchorCtr="0">
             <a:noAutofit/>
           </a:bodyPr>
           <a:lstStyle>
@@ -1744,7 +1787,7 @@
               <a:buSzPts val="12000"/>
               <a:buFont typeface="Source Sans Pro"/>
               <a:buNone/>
-              <a:defRPr sz="12000">
+              <a:defRPr sz="9000">
                 <a:latin typeface="Source Sans Pro"/>
                 <a:ea typeface="Source Sans Pro"/>
                 <a:cs typeface="Source Sans Pro"/>
@@ -1761,7 +1804,7 @@
               <a:buSzPts val="12000"/>
               <a:buFont typeface="Source Sans Pro"/>
               <a:buNone/>
-              <a:defRPr sz="12000">
+              <a:defRPr sz="9000">
                 <a:latin typeface="Source Sans Pro"/>
                 <a:ea typeface="Source Sans Pro"/>
                 <a:cs typeface="Source Sans Pro"/>
@@ -1778,7 +1821,7 @@
               <a:buSzPts val="12000"/>
               <a:buFont typeface="Source Sans Pro"/>
               <a:buNone/>
-              <a:defRPr sz="12000">
+              <a:defRPr sz="9000">
                 <a:latin typeface="Source Sans Pro"/>
                 <a:ea typeface="Source Sans Pro"/>
                 <a:cs typeface="Source Sans Pro"/>
@@ -1795,7 +1838,7 @@
               <a:buSzPts val="12000"/>
               <a:buFont typeface="Source Sans Pro"/>
               <a:buNone/>
-              <a:defRPr sz="12000">
+              <a:defRPr sz="9000">
                 <a:latin typeface="Source Sans Pro"/>
                 <a:ea typeface="Source Sans Pro"/>
                 <a:cs typeface="Source Sans Pro"/>
@@ -1812,7 +1855,7 @@
               <a:buSzPts val="12000"/>
               <a:buFont typeface="Source Sans Pro"/>
               <a:buNone/>
-              <a:defRPr sz="12000">
+              <a:defRPr sz="9000">
                 <a:latin typeface="Source Sans Pro"/>
                 <a:ea typeface="Source Sans Pro"/>
                 <a:cs typeface="Source Sans Pro"/>
@@ -1829,7 +1872,7 @@
               <a:buSzPts val="12000"/>
               <a:buFont typeface="Source Sans Pro"/>
               <a:buNone/>
-              <a:defRPr sz="12000">
+              <a:defRPr sz="9000">
                 <a:latin typeface="Source Sans Pro"/>
                 <a:ea typeface="Source Sans Pro"/>
                 <a:cs typeface="Source Sans Pro"/>
@@ -1846,7 +1889,7 @@
               <a:buSzPts val="12000"/>
               <a:buFont typeface="Source Sans Pro"/>
               <a:buNone/>
-              <a:defRPr sz="12000">
+              <a:defRPr sz="9000">
                 <a:latin typeface="Source Sans Pro"/>
                 <a:ea typeface="Source Sans Pro"/>
                 <a:cs typeface="Source Sans Pro"/>
@@ -1863,7 +1906,7 @@
               <a:buSzPts val="12000"/>
               <a:buFont typeface="Source Sans Pro"/>
               <a:buNone/>
-              <a:defRPr sz="12000">
+              <a:defRPr sz="9000">
                 <a:latin typeface="Source Sans Pro"/>
                 <a:ea typeface="Source Sans Pro"/>
                 <a:cs typeface="Source Sans Pro"/>
@@ -1880,7 +1923,7 @@
               <a:buSzPts val="12000"/>
               <a:buFont typeface="Source Sans Pro"/>
               <a:buNone/>
-              <a:defRPr sz="12000">
+              <a:defRPr sz="9000">
                 <a:latin typeface="Source Sans Pro"/>
                 <a:ea typeface="Source Sans Pro"/>
                 <a:cs typeface="Source Sans Pro"/>
@@ -1898,26 +1941,28 @@
       <p:sp>
         <p:nvSpPr>
           <p:cNvPr id="50" name="Google Shape;50;p11"/>
-          <p:cNvSpPr txBox="1"/>
+          <p:cNvSpPr txBox="1">
+            <a:spLocks noGrp="1"/>
+          </p:cNvSpPr>
           <p:nvPr>
-            <p:ph idx="1" type="body"/>
+            <p:ph type="body" idx="1"/>
           </p:nvPr>
         </p:nvSpPr>
         <p:spPr>
           <a:xfrm>
-            <a:off x="311700" y="2845182"/>
-            <a:ext cx="8520600" cy="1300800"/>
+            <a:off x="233775" y="2845182"/>
+            <a:ext cx="6390450" cy="1300800"/>
           </a:xfrm>
           <a:prstGeom prst="rect">
             <a:avLst/>
           </a:prstGeom>
         </p:spPr>
         <p:txBody>
-          <a:bodyPr anchorCtr="0" anchor="t" bIns="91425" lIns="91425" spcFirstLastPara="1" rIns="91425" wrap="square" tIns="91425">
+          <a:bodyPr spcFirstLastPara="1" wrap="square" lIns="91425" tIns="91425" rIns="91425" bIns="91425" anchor="t" anchorCtr="0">
             <a:noAutofit/>
           </a:bodyPr>
           <a:lstStyle>
-            <a:lvl1pPr indent="-342900" lvl="0" marL="457200" algn="ctr">
+            <a:lvl1pPr marL="342900" lvl="0" indent="-257175" algn="ctr">
               <a:spcBef>
                 <a:spcPts val="0"/>
               </a:spcBef>
@@ -1935,9 +1980,9 @@
                 </a:solidFill>
               </a:defRPr>
             </a:lvl1pPr>
-            <a:lvl2pPr indent="-317500" lvl="1" marL="914400" algn="ctr">
-              <a:spcBef>
-                <a:spcPts val="1600"/>
+            <a:lvl2pPr marL="685800" lvl="1" indent="-238125" algn="ctr">
+              <a:spcBef>
+                <a:spcPts val="1200"/>
               </a:spcBef>
               <a:spcAft>
                 <a:spcPts val="0"/>
@@ -1953,9 +1998,9 @@
                 </a:solidFill>
               </a:defRPr>
             </a:lvl2pPr>
-            <a:lvl3pPr indent="-317500" lvl="2" marL="1371600" algn="ctr">
-              <a:spcBef>
-                <a:spcPts val="1600"/>
+            <a:lvl3pPr marL="1028700" lvl="2" indent="-238125" algn="ctr">
+              <a:spcBef>
+                <a:spcPts val="1200"/>
               </a:spcBef>
               <a:spcAft>
                 <a:spcPts val="0"/>
@@ -1971,9 +2016,9 @@
                 </a:solidFill>
               </a:defRPr>
             </a:lvl3pPr>
-            <a:lvl4pPr indent="-317500" lvl="3" marL="1828800" algn="ctr">
-              <a:spcBef>
-                <a:spcPts val="1600"/>
+            <a:lvl4pPr marL="1371600" lvl="3" indent="-238125" algn="ctr">
+              <a:spcBef>
+                <a:spcPts val="1200"/>
               </a:spcBef>
               <a:spcAft>
                 <a:spcPts val="0"/>
@@ -1989,9 +2034,9 @@
                 </a:solidFill>
               </a:defRPr>
             </a:lvl4pPr>
-            <a:lvl5pPr indent="-317500" lvl="4" marL="2286000" algn="ctr">
-              <a:spcBef>
-                <a:spcPts val="1600"/>
+            <a:lvl5pPr marL="1714500" lvl="4" indent="-238125" algn="ctr">
+              <a:spcBef>
+                <a:spcPts val="1200"/>
               </a:spcBef>
               <a:spcAft>
                 <a:spcPts val="0"/>
@@ -2007,9 +2052,9 @@
                 </a:solidFill>
               </a:defRPr>
             </a:lvl5pPr>
-            <a:lvl6pPr indent="-317500" lvl="5" marL="2743200" algn="ctr">
-              <a:spcBef>
-                <a:spcPts val="1600"/>
+            <a:lvl6pPr marL="2057400" lvl="5" indent="-238125" algn="ctr">
+              <a:spcBef>
+                <a:spcPts val="1200"/>
               </a:spcBef>
               <a:spcAft>
                 <a:spcPts val="0"/>
@@ -2025,9 +2070,9 @@
                 </a:solidFill>
               </a:defRPr>
             </a:lvl6pPr>
-            <a:lvl7pPr indent="-317500" lvl="6" marL="3200400" algn="ctr">
-              <a:spcBef>
-                <a:spcPts val="1600"/>
+            <a:lvl7pPr marL="2400300" lvl="6" indent="-238125" algn="ctr">
+              <a:spcBef>
+                <a:spcPts val="1200"/>
               </a:spcBef>
               <a:spcAft>
                 <a:spcPts val="0"/>
@@ -2043,9 +2088,9 @@
                 </a:solidFill>
               </a:defRPr>
             </a:lvl7pPr>
-            <a:lvl8pPr indent="-317500" lvl="7" marL="3657600" algn="ctr">
-              <a:spcBef>
-                <a:spcPts val="1600"/>
+            <a:lvl8pPr marL="2743200" lvl="7" indent="-238125" algn="ctr">
+              <a:spcBef>
+                <a:spcPts val="1200"/>
               </a:spcBef>
               <a:spcAft>
                 <a:spcPts val="0"/>
@@ -2061,12 +2106,12 @@
                 </a:solidFill>
               </a:defRPr>
             </a:lvl8pPr>
-            <a:lvl9pPr indent="-317500" lvl="8" marL="4114800" algn="ctr">
-              <a:spcBef>
-                <a:spcPts val="1600"/>
-              </a:spcBef>
-              <a:spcAft>
-                <a:spcPts val="1600"/>
+            <a:lvl9pPr marL="3086100" lvl="8" indent="-238125" algn="ctr">
+              <a:spcBef>
+                <a:spcPts val="1200"/>
+              </a:spcBef>
+              <a:spcAft>
+                <a:spcPts val="1200"/>
               </a:spcAft>
               <a:buClr>
                 <a:schemeClr val="lt1"/>
@@ -2080,28 +2125,32 @@
               </a:defRPr>
             </a:lvl9pPr>
           </a:lstStyle>
-          <a:p/>
+          <a:p>
+            <a:endParaRPr/>
+          </a:p>
         </p:txBody>
       </p:sp>
       <p:sp>
         <p:nvSpPr>
           <p:cNvPr id="51" name="Google Shape;51;p11"/>
-          <p:cNvSpPr txBox="1"/>
+          <p:cNvSpPr txBox="1">
+            <a:spLocks noGrp="1"/>
+          </p:cNvSpPr>
           <p:nvPr>
-            <p:ph idx="12" type="sldNum"/>
+            <p:ph type="sldNum" idx="12"/>
           </p:nvPr>
         </p:nvSpPr>
         <p:spPr>
           <a:xfrm>
-            <a:off x="8497999" y="4688759"/>
-            <a:ext cx="548700" cy="393600"/>
+            <a:off x="6373499" y="4688759"/>
+            <a:ext cx="411525" cy="393600"/>
           </a:xfrm>
           <a:prstGeom prst="rect">
             <a:avLst/>
           </a:prstGeom>
         </p:spPr>
         <p:txBody>
-          <a:bodyPr anchorCtr="0" anchor="ctr" bIns="91425" lIns="91425" spcFirstLastPara="1" rIns="91425" wrap="square" tIns="91425">
+          <a:bodyPr spcFirstLastPara="1" wrap="square" lIns="91425" tIns="91425" rIns="91425" bIns="91425" anchor="ctr" anchorCtr="0">
             <a:noAutofit/>
           </a:bodyPr>
           <a:lstStyle>
@@ -2179,20 +2228,12 @@
             </a:lvl9pPr>
           </a:lstStyle>
           <a:p>
-            <a:pPr indent="0" lvl="0" marL="0" rtl="0" algn="r">
-              <a:spcBef>
-                <a:spcPts val="0"/>
-              </a:spcBef>
-              <a:spcAft>
-                <a:spcPts val="0"/>
-              </a:spcAft>
-              <a:buNone/>
-            </a:pPr>
             <a:fld id="{00000000-1234-1234-1234-123412341234}" type="slidenum">
-              <a:rPr lang="en"/>
+              <a:rPr lang="en" smtClean="0"/>
+              <a:pPr/>
               <a:t>‹#›</a:t>
             </a:fld>
-            <a:endParaRPr/>
+            <a:endParaRPr lang="en"/>
           </a:p>
         </p:txBody>
       </p:sp>
@@ -2205,11 +2246,11 @@
 </file>
 
 <file path=ppt/slideLayouts/slideLayout11.xml><?xml version="1.0" encoding="utf-8"?>
-<p:sldLayout xmlns:a="http://schemas.openxmlformats.org/drawingml/2006/main" xmlns:r="http://schemas.openxmlformats.org/officeDocument/2006/relationships" xmlns:mc="http://schemas.openxmlformats.org/markup-compatibility/2006" xmlns:mv="urn:schemas-microsoft-com:mac:vml" xmlns:p="http://schemas.openxmlformats.org/presentationml/2006/main" xmlns:c="http://schemas.openxmlformats.org/drawingml/2006/chart" xmlns:dgm="http://schemas.openxmlformats.org/drawingml/2006/diagram" xmlns:o="urn:schemas-microsoft-com:office:office" xmlns:v="urn:schemas-microsoft-com:vml" xmlns:pvml="urn:schemas-microsoft-com:office:powerpoint" xmlns:com="http://schemas.openxmlformats.org/drawingml/2006/compatibility" xmlns:p14="http://schemas.microsoft.com/office/powerpoint/2010/main" xmlns:p15="http://schemas.microsoft.com/office/powerpoint/2012/main" xmlns:ahyp="http://schemas.microsoft.com/office/drawing/2018/hyperlinkcolor" matchingName="Blank" type="blank">
+<p:sldLayout xmlns:a="http://schemas.openxmlformats.org/drawingml/2006/main" xmlns:r="http://schemas.openxmlformats.org/officeDocument/2006/relationships" xmlns:p="http://schemas.openxmlformats.org/presentationml/2006/main" matchingName="Blank" type="blank">
   <p:cSld name="BLANK">
     <p:spTree>
       <p:nvGrpSpPr>
-        <p:cNvPr id="52" name="Shape 52"/>
+        <p:cNvPr id="1" name="Shape 52"/>
         <p:cNvGrpSpPr/>
         <p:nvPr/>
       </p:nvGrpSpPr>
@@ -2224,22 +2265,24 @@
       <p:sp>
         <p:nvSpPr>
           <p:cNvPr id="53" name="Google Shape;53;p12"/>
-          <p:cNvSpPr txBox="1"/>
+          <p:cNvSpPr txBox="1">
+            <a:spLocks noGrp="1"/>
+          </p:cNvSpPr>
           <p:nvPr>
-            <p:ph idx="12" type="sldNum"/>
+            <p:ph type="sldNum" idx="12"/>
           </p:nvPr>
         </p:nvSpPr>
         <p:spPr>
           <a:xfrm>
-            <a:off x="8497999" y="4688759"/>
-            <a:ext cx="548700" cy="393600"/>
+            <a:off x="6373499" y="4688759"/>
+            <a:ext cx="411525" cy="393600"/>
           </a:xfrm>
           <a:prstGeom prst="rect">
             <a:avLst/>
           </a:prstGeom>
         </p:spPr>
         <p:txBody>
-          <a:bodyPr anchorCtr="0" anchor="ctr" bIns="91425" lIns="91425" spcFirstLastPara="1" rIns="91425" wrap="square" tIns="91425">
+          <a:bodyPr spcFirstLastPara="1" wrap="square" lIns="91425" tIns="91425" rIns="91425" bIns="91425" anchor="ctr" anchorCtr="0">
             <a:noAutofit/>
           </a:bodyPr>
           <a:lstStyle>
@@ -2281,20 +2324,12 @@
             </a:lvl9pPr>
           </a:lstStyle>
           <a:p>
-            <a:pPr indent="0" lvl="0" marL="0" rtl="0" algn="r">
-              <a:spcBef>
-                <a:spcPts val="0"/>
-              </a:spcBef>
-              <a:spcAft>
-                <a:spcPts val="0"/>
-              </a:spcAft>
-              <a:buNone/>
-            </a:pPr>
             <a:fld id="{00000000-1234-1234-1234-123412341234}" type="slidenum">
-              <a:rPr lang="en"/>
+              <a:rPr lang="en" smtClean="0"/>
+              <a:pPr/>
               <a:t>‹#›</a:t>
             </a:fld>
-            <a:endParaRPr/>
+            <a:endParaRPr lang="en"/>
           </a:p>
         </p:txBody>
       </p:sp>
@@ -2307,11 +2342,11 @@
 </file>
 
 <file path=ppt/slideLayouts/slideLayout2.xml><?xml version="1.0" encoding="utf-8"?>
-<p:sldLayout xmlns:a="http://schemas.openxmlformats.org/drawingml/2006/main" xmlns:r="http://schemas.openxmlformats.org/officeDocument/2006/relationships" xmlns:mc="http://schemas.openxmlformats.org/markup-compatibility/2006" xmlns:mv="urn:schemas-microsoft-com:mac:vml" xmlns:p="http://schemas.openxmlformats.org/presentationml/2006/main" xmlns:c="http://schemas.openxmlformats.org/drawingml/2006/chart" xmlns:dgm="http://schemas.openxmlformats.org/drawingml/2006/diagram" xmlns:o="urn:schemas-microsoft-com:office:office" xmlns:v="urn:schemas-microsoft-com:vml" xmlns:pvml="urn:schemas-microsoft-com:office:powerpoint" xmlns:com="http://schemas.openxmlformats.org/drawingml/2006/compatibility" xmlns:p14="http://schemas.microsoft.com/office/powerpoint/2010/main" xmlns:p15="http://schemas.microsoft.com/office/powerpoint/2012/main" xmlns:ahyp="http://schemas.microsoft.com/office/drawing/2018/hyperlinkcolor" matchingName="Section header" type="secHead">
+<p:sldLayout xmlns:a="http://schemas.openxmlformats.org/drawingml/2006/main" xmlns:r="http://schemas.openxmlformats.org/officeDocument/2006/relationships" xmlns:p="http://schemas.openxmlformats.org/presentationml/2006/main" matchingName="Section header" type="secHead">
   <p:cSld name="SECTION_HEADER">
     <p:spTree>
       <p:nvGrpSpPr>
-        <p:cNvPr id="14" name="Shape 14"/>
+        <p:cNvPr id="1" name="Shape 14"/>
         <p:cNvGrpSpPr/>
         <p:nvPr/>
       </p:nvGrpSpPr>
@@ -2331,8 +2366,8 @@
         </p:nvSpPr>
         <p:spPr>
           <a:xfrm>
-            <a:off x="80700" y="2651100"/>
-            <a:ext cx="8982600" cy="2411700"/>
+            <a:off x="60525" y="2651100"/>
+            <a:ext cx="6736950" cy="2411700"/>
           </a:xfrm>
           <a:prstGeom prst="rect">
             <a:avLst/>
@@ -2345,12 +2380,12 @@
           </a:ln>
         </p:spPr>
         <p:txBody>
-          <a:bodyPr anchorCtr="0" anchor="ctr" bIns="91425" lIns="91425" spcFirstLastPara="1" rIns="91425" wrap="square" tIns="91425">
+          <a:bodyPr spcFirstLastPara="1" wrap="square" lIns="68569" tIns="68569" rIns="68569" bIns="68569" anchor="ctr" anchorCtr="0">
             <a:noAutofit/>
           </a:bodyPr>
           <a:lstStyle/>
           <a:p>
-            <a:pPr indent="0" lvl="0" marL="0" rtl="0" algn="l">
+            <a:pPr marL="0" lvl="0" indent="0" algn="l" rtl="0">
               <a:spcBef>
                 <a:spcPts val="0"/>
               </a:spcBef>
@@ -2359,161 +2394,164 @@
               </a:spcAft>
               <a:buNone/>
             </a:pPr>
-            <a:r>
-              <a:t/>
-            </a:r>
+            <a:endParaRPr sz="1050"/>
+          </a:p>
+        </p:txBody>
+      </p:sp>
+      <p:sp>
+        <p:nvSpPr>
+          <p:cNvPr id="16" name="Google Shape;16;p3"/>
+          <p:cNvSpPr txBox="1">
+            <a:spLocks noGrp="1"/>
+          </p:cNvSpPr>
+          <p:nvPr>
+            <p:ph type="title"/>
+          </p:nvPr>
+        </p:nvSpPr>
+        <p:spPr>
+          <a:xfrm>
+            <a:off x="364406" y="1714500"/>
+            <a:ext cx="6137775" cy="785700"/>
+          </a:xfrm>
+          <a:prstGeom prst="rect">
+            <a:avLst/>
+          </a:prstGeom>
+        </p:spPr>
+        <p:txBody>
+          <a:bodyPr spcFirstLastPara="1" wrap="square" lIns="91425" tIns="91425" rIns="91425" bIns="91425" anchor="b" anchorCtr="0">
+            <a:noAutofit/>
+          </a:bodyPr>
+          <a:lstStyle>
+            <a:lvl1pPr lvl="0">
+              <a:spcBef>
+                <a:spcPts val="0"/>
+              </a:spcBef>
+              <a:spcAft>
+                <a:spcPts val="0"/>
+              </a:spcAft>
+              <a:buSzPts val="3600"/>
+              <a:buNone/>
+              <a:defRPr sz="2700"/>
+            </a:lvl1pPr>
+            <a:lvl2pPr lvl="1">
+              <a:spcBef>
+                <a:spcPts val="0"/>
+              </a:spcBef>
+              <a:spcAft>
+                <a:spcPts val="0"/>
+              </a:spcAft>
+              <a:buSzPts val="3600"/>
+              <a:buNone/>
+              <a:defRPr sz="2700"/>
+            </a:lvl2pPr>
+            <a:lvl3pPr lvl="2">
+              <a:spcBef>
+                <a:spcPts val="0"/>
+              </a:spcBef>
+              <a:spcAft>
+                <a:spcPts val="0"/>
+              </a:spcAft>
+              <a:buSzPts val="3600"/>
+              <a:buNone/>
+              <a:defRPr sz="2700"/>
+            </a:lvl3pPr>
+            <a:lvl4pPr lvl="3">
+              <a:spcBef>
+                <a:spcPts val="0"/>
+              </a:spcBef>
+              <a:spcAft>
+                <a:spcPts val="0"/>
+              </a:spcAft>
+              <a:buSzPts val="3600"/>
+              <a:buNone/>
+              <a:defRPr sz="2700"/>
+            </a:lvl4pPr>
+            <a:lvl5pPr lvl="4">
+              <a:spcBef>
+                <a:spcPts val="0"/>
+              </a:spcBef>
+              <a:spcAft>
+                <a:spcPts val="0"/>
+              </a:spcAft>
+              <a:buSzPts val="3600"/>
+              <a:buNone/>
+              <a:defRPr sz="2700"/>
+            </a:lvl5pPr>
+            <a:lvl6pPr lvl="5">
+              <a:spcBef>
+                <a:spcPts val="0"/>
+              </a:spcBef>
+              <a:spcAft>
+                <a:spcPts val="0"/>
+              </a:spcAft>
+              <a:buSzPts val="3600"/>
+              <a:buNone/>
+              <a:defRPr sz="2700"/>
+            </a:lvl6pPr>
+            <a:lvl7pPr lvl="6">
+              <a:spcBef>
+                <a:spcPts val="0"/>
+              </a:spcBef>
+              <a:spcAft>
+                <a:spcPts val="0"/>
+              </a:spcAft>
+              <a:buSzPts val="3600"/>
+              <a:buNone/>
+              <a:defRPr sz="2700"/>
+            </a:lvl7pPr>
+            <a:lvl8pPr lvl="7">
+              <a:spcBef>
+                <a:spcPts val="0"/>
+              </a:spcBef>
+              <a:spcAft>
+                <a:spcPts val="0"/>
+              </a:spcAft>
+              <a:buSzPts val="3600"/>
+              <a:buNone/>
+              <a:defRPr sz="2700"/>
+            </a:lvl8pPr>
+            <a:lvl9pPr lvl="8">
+              <a:spcBef>
+                <a:spcPts val="0"/>
+              </a:spcBef>
+              <a:spcAft>
+                <a:spcPts val="0"/>
+              </a:spcAft>
+              <a:buSzPts val="3600"/>
+              <a:buNone/>
+              <a:defRPr sz="2700"/>
+            </a:lvl9pPr>
+          </a:lstStyle>
+          <a:p>
             <a:endParaRPr/>
           </a:p>
         </p:txBody>
       </p:sp>
       <p:sp>
         <p:nvSpPr>
-          <p:cNvPr id="16" name="Google Shape;16;p3"/>
-          <p:cNvSpPr txBox="1"/>
+          <p:cNvPr id="17" name="Google Shape;17;p3"/>
+          <p:cNvSpPr txBox="1">
+            <a:spLocks noGrp="1"/>
+          </p:cNvSpPr>
           <p:nvPr>
-            <p:ph type="title"/>
+            <p:ph type="sldNum" idx="12"/>
           </p:nvPr>
         </p:nvSpPr>
         <p:spPr>
           <a:xfrm>
-            <a:off x="485875" y="1714500"/>
-            <a:ext cx="8183700" cy="785700"/>
+            <a:off x="6373499" y="4688759"/>
+            <a:ext cx="411525" cy="393600"/>
           </a:xfrm>
           <a:prstGeom prst="rect">
             <a:avLst/>
           </a:prstGeom>
         </p:spPr>
         <p:txBody>
-          <a:bodyPr anchorCtr="0" anchor="b" bIns="91425" lIns="91425" spcFirstLastPara="1" rIns="91425" wrap="square" tIns="91425">
+          <a:bodyPr spcFirstLastPara="1" wrap="square" lIns="91425" tIns="91425" rIns="91425" bIns="91425" anchor="ctr" anchorCtr="0">
             <a:noAutofit/>
           </a:bodyPr>
           <a:lstStyle>
             <a:lvl1pPr lvl="0">
-              <a:spcBef>
-                <a:spcPts val="0"/>
-              </a:spcBef>
-              <a:spcAft>
-                <a:spcPts val="0"/>
-              </a:spcAft>
-              <a:buSzPts val="3600"/>
-              <a:buNone/>
-              <a:defRPr sz="3600"/>
-            </a:lvl1pPr>
-            <a:lvl2pPr lvl="1">
-              <a:spcBef>
-                <a:spcPts val="0"/>
-              </a:spcBef>
-              <a:spcAft>
-                <a:spcPts val="0"/>
-              </a:spcAft>
-              <a:buSzPts val="3600"/>
-              <a:buNone/>
-              <a:defRPr sz="3600"/>
-            </a:lvl2pPr>
-            <a:lvl3pPr lvl="2">
-              <a:spcBef>
-                <a:spcPts val="0"/>
-              </a:spcBef>
-              <a:spcAft>
-                <a:spcPts val="0"/>
-              </a:spcAft>
-              <a:buSzPts val="3600"/>
-              <a:buNone/>
-              <a:defRPr sz="3600"/>
-            </a:lvl3pPr>
-            <a:lvl4pPr lvl="3">
-              <a:spcBef>
-                <a:spcPts val="0"/>
-              </a:spcBef>
-              <a:spcAft>
-                <a:spcPts val="0"/>
-              </a:spcAft>
-              <a:buSzPts val="3600"/>
-              <a:buNone/>
-              <a:defRPr sz="3600"/>
-            </a:lvl4pPr>
-            <a:lvl5pPr lvl="4">
-              <a:spcBef>
-                <a:spcPts val="0"/>
-              </a:spcBef>
-              <a:spcAft>
-                <a:spcPts val="0"/>
-              </a:spcAft>
-              <a:buSzPts val="3600"/>
-              <a:buNone/>
-              <a:defRPr sz="3600"/>
-            </a:lvl5pPr>
-            <a:lvl6pPr lvl="5">
-              <a:spcBef>
-                <a:spcPts val="0"/>
-              </a:spcBef>
-              <a:spcAft>
-                <a:spcPts val="0"/>
-              </a:spcAft>
-              <a:buSzPts val="3600"/>
-              <a:buNone/>
-              <a:defRPr sz="3600"/>
-            </a:lvl6pPr>
-            <a:lvl7pPr lvl="6">
-              <a:spcBef>
-                <a:spcPts val="0"/>
-              </a:spcBef>
-              <a:spcAft>
-                <a:spcPts val="0"/>
-              </a:spcAft>
-              <a:buSzPts val="3600"/>
-              <a:buNone/>
-              <a:defRPr sz="3600"/>
-            </a:lvl7pPr>
-            <a:lvl8pPr lvl="7">
-              <a:spcBef>
-                <a:spcPts val="0"/>
-              </a:spcBef>
-              <a:spcAft>
-                <a:spcPts val="0"/>
-              </a:spcAft>
-              <a:buSzPts val="3600"/>
-              <a:buNone/>
-              <a:defRPr sz="3600"/>
-            </a:lvl8pPr>
-            <a:lvl9pPr lvl="8">
-              <a:spcBef>
-                <a:spcPts val="0"/>
-              </a:spcBef>
-              <a:spcAft>
-                <a:spcPts val="0"/>
-              </a:spcAft>
-              <a:buSzPts val="3600"/>
-              <a:buNone/>
-              <a:defRPr sz="3600"/>
-            </a:lvl9pPr>
-          </a:lstStyle>
-          <a:p/>
-        </p:txBody>
-      </p:sp>
-      <p:sp>
-        <p:nvSpPr>
-          <p:cNvPr id="17" name="Google Shape;17;p3"/>
-          <p:cNvSpPr txBox="1"/>
-          <p:nvPr>
-            <p:ph idx="12" type="sldNum"/>
-          </p:nvPr>
-        </p:nvSpPr>
-        <p:spPr>
-          <a:xfrm>
-            <a:off x="8497999" y="4688759"/>
-            <a:ext cx="548700" cy="393600"/>
-          </a:xfrm>
-          <a:prstGeom prst="rect">
-            <a:avLst/>
-          </a:prstGeom>
-        </p:spPr>
-        <p:txBody>
-          <a:bodyPr anchorCtr="0" anchor="ctr" bIns="91425" lIns="91425" spcFirstLastPara="1" rIns="91425" wrap="square" tIns="91425">
-            <a:noAutofit/>
-          </a:bodyPr>
-          <a:lstStyle>
-            <a:lvl1pPr lvl="0">
               <a:buNone/>
               <a:defRPr>
                 <a:solidFill>
@@ -2587,20 +2625,12 @@
             </a:lvl9pPr>
           </a:lstStyle>
           <a:p>
-            <a:pPr indent="0" lvl="0" marL="0" rtl="0" algn="r">
-              <a:spcBef>
-                <a:spcPts val="0"/>
-              </a:spcBef>
-              <a:spcAft>
-                <a:spcPts val="0"/>
-              </a:spcAft>
-              <a:buNone/>
-            </a:pPr>
             <a:fld id="{00000000-1234-1234-1234-123412341234}" type="slidenum">
-              <a:rPr lang="en"/>
+              <a:rPr lang="en" smtClean="0"/>
+              <a:pPr/>
               <a:t>‹#›</a:t>
             </a:fld>
-            <a:endParaRPr/>
+            <a:endParaRPr lang="en"/>
           </a:p>
         </p:txBody>
       </p:sp>
@@ -2613,11 +2643,11 @@
 </file>
 
 <file path=ppt/slideLayouts/slideLayout3.xml><?xml version="1.0" encoding="utf-8"?>
-<p:sldLayout xmlns:a="http://schemas.openxmlformats.org/drawingml/2006/main" xmlns:r="http://schemas.openxmlformats.org/officeDocument/2006/relationships" xmlns:mc="http://schemas.openxmlformats.org/markup-compatibility/2006" xmlns:mv="urn:schemas-microsoft-com:mac:vml" xmlns:p="http://schemas.openxmlformats.org/presentationml/2006/main" xmlns:c="http://schemas.openxmlformats.org/drawingml/2006/chart" xmlns:dgm="http://schemas.openxmlformats.org/drawingml/2006/diagram" xmlns:o="urn:schemas-microsoft-com:office:office" xmlns:v="urn:schemas-microsoft-com:vml" xmlns:pvml="urn:schemas-microsoft-com:office:powerpoint" xmlns:com="http://schemas.openxmlformats.org/drawingml/2006/compatibility" xmlns:p14="http://schemas.microsoft.com/office/powerpoint/2010/main" xmlns:p15="http://schemas.microsoft.com/office/powerpoint/2012/main" xmlns:ahyp="http://schemas.microsoft.com/office/drawing/2018/hyperlinkcolor" matchingName="Title and body" type="tx">
+<p:sldLayout xmlns:a="http://schemas.openxmlformats.org/drawingml/2006/main" xmlns:r="http://schemas.openxmlformats.org/officeDocument/2006/relationships" xmlns:p="http://schemas.openxmlformats.org/presentationml/2006/main" matchingName="Title and body" type="tx">
   <p:cSld name="TITLE_AND_BODY">
     <p:spTree>
       <p:nvGrpSpPr>
-        <p:cNvPr id="18" name="Shape 18"/>
+        <p:cNvPr id="1" name="Shape 18"/>
         <p:cNvGrpSpPr/>
         <p:nvPr/>
       </p:nvGrpSpPr>
@@ -2632,22 +2662,24 @@
       <p:sp>
         <p:nvSpPr>
           <p:cNvPr id="19" name="Google Shape;19;p4"/>
-          <p:cNvSpPr txBox="1"/>
+          <p:cNvSpPr txBox="1">
+            <a:spLocks noGrp="1"/>
+          </p:cNvSpPr>
           <p:nvPr>
             <p:ph type="title"/>
           </p:nvPr>
         </p:nvSpPr>
         <p:spPr>
           <a:xfrm>
-            <a:off x="311700" y="445025"/>
-            <a:ext cx="8520600" cy="623400"/>
+            <a:off x="233775" y="445025"/>
+            <a:ext cx="6390450" cy="623400"/>
           </a:xfrm>
           <a:prstGeom prst="rect">
             <a:avLst/>
           </a:prstGeom>
         </p:spPr>
         <p:txBody>
-          <a:bodyPr anchorCtr="0" anchor="t" bIns="91425" lIns="91425" spcFirstLastPara="1" rIns="91425" wrap="square" tIns="91425">
+          <a:bodyPr spcFirstLastPara="1" wrap="square" lIns="91425" tIns="91425" rIns="91425" bIns="91425" anchor="t" anchorCtr="0">
             <a:noAutofit/>
           </a:bodyPr>
           <a:lstStyle>
@@ -2751,32 +2783,36 @@
               <a:defRPr/>
             </a:lvl9pPr>
           </a:lstStyle>
-          <a:p/>
+          <a:p>
+            <a:endParaRPr/>
+          </a:p>
         </p:txBody>
       </p:sp>
       <p:sp>
         <p:nvSpPr>
           <p:cNvPr id="20" name="Google Shape;20;p4"/>
-          <p:cNvSpPr txBox="1"/>
+          <p:cNvSpPr txBox="1">
+            <a:spLocks noGrp="1"/>
+          </p:cNvSpPr>
           <p:nvPr>
-            <p:ph idx="1" type="body"/>
+            <p:ph type="body" idx="1"/>
           </p:nvPr>
         </p:nvSpPr>
         <p:spPr>
           <a:xfrm>
-            <a:off x="311700" y="1152475"/>
-            <a:ext cx="8520600" cy="3416400"/>
+            <a:off x="233775" y="1152475"/>
+            <a:ext cx="6390450" cy="3416400"/>
           </a:xfrm>
           <a:prstGeom prst="rect">
             <a:avLst/>
           </a:prstGeom>
         </p:spPr>
         <p:txBody>
-          <a:bodyPr anchorCtr="0" anchor="t" bIns="91425" lIns="91425" spcFirstLastPara="1" rIns="91425" wrap="square" tIns="91425">
+          <a:bodyPr spcFirstLastPara="1" wrap="square" lIns="91425" tIns="91425" rIns="91425" bIns="91425" anchor="t" anchorCtr="0">
             <a:noAutofit/>
           </a:bodyPr>
           <a:lstStyle>
-            <a:lvl1pPr indent="-342900" lvl="0" marL="457200">
+            <a:lvl1pPr marL="342900" lvl="0" indent="-257175">
               <a:spcBef>
                 <a:spcPts val="0"/>
               </a:spcBef>
@@ -2787,9 +2823,9 @@
               <a:buChar char="●"/>
               <a:defRPr/>
             </a:lvl1pPr>
-            <a:lvl2pPr indent="-317500" lvl="1" marL="914400">
-              <a:spcBef>
-                <a:spcPts val="1600"/>
+            <a:lvl2pPr marL="685800" lvl="1" indent="-238125">
+              <a:spcBef>
+                <a:spcPts val="1200"/>
               </a:spcBef>
               <a:spcAft>
                 <a:spcPts val="0"/>
@@ -2798,9 +2834,9 @@
               <a:buChar char="○"/>
               <a:defRPr/>
             </a:lvl2pPr>
-            <a:lvl3pPr indent="-317500" lvl="2" marL="1371600">
-              <a:spcBef>
-                <a:spcPts val="1600"/>
+            <a:lvl3pPr marL="1028700" lvl="2" indent="-238125">
+              <a:spcBef>
+                <a:spcPts val="1200"/>
               </a:spcBef>
               <a:spcAft>
                 <a:spcPts val="0"/>
@@ -2809,9 +2845,9 @@
               <a:buChar char="■"/>
               <a:defRPr/>
             </a:lvl3pPr>
-            <a:lvl4pPr indent="-317500" lvl="3" marL="1828800">
-              <a:spcBef>
-                <a:spcPts val="1600"/>
+            <a:lvl4pPr marL="1371600" lvl="3" indent="-238125">
+              <a:spcBef>
+                <a:spcPts val="1200"/>
               </a:spcBef>
               <a:spcAft>
                 <a:spcPts val="0"/>
@@ -2820,9 +2856,9 @@
               <a:buChar char="●"/>
               <a:defRPr/>
             </a:lvl4pPr>
-            <a:lvl5pPr indent="-317500" lvl="4" marL="2286000">
-              <a:spcBef>
-                <a:spcPts val="1600"/>
+            <a:lvl5pPr marL="1714500" lvl="4" indent="-238125">
+              <a:spcBef>
+                <a:spcPts val="1200"/>
               </a:spcBef>
               <a:spcAft>
                 <a:spcPts val="0"/>
@@ -2831,9 +2867,9 @@
               <a:buChar char="○"/>
               <a:defRPr/>
             </a:lvl5pPr>
-            <a:lvl6pPr indent="-317500" lvl="5" marL="2743200">
-              <a:spcBef>
-                <a:spcPts val="1600"/>
+            <a:lvl6pPr marL="2057400" lvl="5" indent="-238125">
+              <a:spcBef>
+                <a:spcPts val="1200"/>
               </a:spcBef>
               <a:spcAft>
                 <a:spcPts val="0"/>
@@ -2842,9 +2878,9 @@
               <a:buChar char="■"/>
               <a:defRPr/>
             </a:lvl6pPr>
-            <a:lvl7pPr indent="-317500" lvl="6" marL="3200400">
-              <a:spcBef>
-                <a:spcPts val="1600"/>
+            <a:lvl7pPr marL="2400300" lvl="6" indent="-238125">
+              <a:spcBef>
+                <a:spcPts val="1200"/>
               </a:spcBef>
               <a:spcAft>
                 <a:spcPts val="0"/>
@@ -2853,9 +2889,9 @@
               <a:buChar char="●"/>
               <a:defRPr/>
             </a:lvl7pPr>
-            <a:lvl8pPr indent="-317500" lvl="7" marL="3657600">
-              <a:spcBef>
-                <a:spcPts val="1600"/>
+            <a:lvl8pPr marL="2743200" lvl="7" indent="-238125">
+              <a:spcBef>
+                <a:spcPts val="1200"/>
               </a:spcBef>
               <a:spcAft>
                 <a:spcPts val="0"/>
@@ -2864,40 +2900,44 @@
               <a:buChar char="○"/>
               <a:defRPr/>
             </a:lvl8pPr>
-            <a:lvl9pPr indent="-317500" lvl="8" marL="4114800">
-              <a:spcBef>
-                <a:spcPts val="1600"/>
-              </a:spcBef>
-              <a:spcAft>
-                <a:spcPts val="1600"/>
+            <a:lvl9pPr marL="3086100" lvl="8" indent="-238125">
+              <a:spcBef>
+                <a:spcPts val="1200"/>
+              </a:spcBef>
+              <a:spcAft>
+                <a:spcPts val="1200"/>
               </a:spcAft>
               <a:buSzPts val="1400"/>
               <a:buChar char="■"/>
               <a:defRPr/>
             </a:lvl9pPr>
           </a:lstStyle>
-          <a:p/>
+          <a:p>
+            <a:endParaRPr/>
+          </a:p>
         </p:txBody>
       </p:sp>
       <p:sp>
         <p:nvSpPr>
           <p:cNvPr id="21" name="Google Shape;21;p4"/>
-          <p:cNvSpPr txBox="1"/>
+          <p:cNvSpPr txBox="1">
+            <a:spLocks noGrp="1"/>
+          </p:cNvSpPr>
           <p:nvPr>
-            <p:ph idx="12" type="sldNum"/>
+            <p:ph type="sldNum" idx="12"/>
           </p:nvPr>
         </p:nvSpPr>
         <p:spPr>
           <a:xfrm>
-            <a:off x="8497999" y="4688759"/>
-            <a:ext cx="548700" cy="393600"/>
+            <a:off x="6373499" y="4688759"/>
+            <a:ext cx="411525" cy="393600"/>
           </a:xfrm>
           <a:prstGeom prst="rect">
             <a:avLst/>
           </a:prstGeom>
         </p:spPr>
         <p:txBody>
-          <a:bodyPr anchorCtr="0" anchor="ctr" bIns="91425" lIns="91425" spcFirstLastPara="1" rIns="91425" wrap="square" tIns="91425">
+          <a:bodyPr spcFirstLastPara="1" wrap="square" lIns="91425" tIns="91425" rIns="91425" bIns="91425" anchor="ctr" anchorCtr="0">
             <a:noAutofit/>
           </a:bodyPr>
           <a:lstStyle>
@@ -2939,20 +2979,12 @@
             </a:lvl9pPr>
           </a:lstStyle>
           <a:p>
-            <a:pPr indent="0" lvl="0" marL="0" rtl="0" algn="r">
-              <a:spcBef>
-                <a:spcPts val="0"/>
-              </a:spcBef>
-              <a:spcAft>
-                <a:spcPts val="0"/>
-              </a:spcAft>
-              <a:buNone/>
-            </a:pPr>
             <a:fld id="{00000000-1234-1234-1234-123412341234}" type="slidenum">
-              <a:rPr lang="en"/>
+              <a:rPr lang="en" smtClean="0"/>
+              <a:pPr/>
               <a:t>‹#›</a:t>
             </a:fld>
-            <a:endParaRPr/>
+            <a:endParaRPr lang="en"/>
           </a:p>
         </p:txBody>
       </p:sp>
@@ -2965,11 +2997,11 @@
 </file>
 
 <file path=ppt/slideLayouts/slideLayout4.xml><?xml version="1.0" encoding="utf-8"?>
-<p:sldLayout xmlns:a="http://schemas.openxmlformats.org/drawingml/2006/main" xmlns:r="http://schemas.openxmlformats.org/officeDocument/2006/relationships" xmlns:mc="http://schemas.openxmlformats.org/markup-compatibility/2006" xmlns:mv="urn:schemas-microsoft-com:mac:vml" xmlns:p="http://schemas.openxmlformats.org/presentationml/2006/main" xmlns:c="http://schemas.openxmlformats.org/drawingml/2006/chart" xmlns:dgm="http://schemas.openxmlformats.org/drawingml/2006/diagram" xmlns:o="urn:schemas-microsoft-com:office:office" xmlns:v="urn:schemas-microsoft-com:vml" xmlns:pvml="urn:schemas-microsoft-com:office:powerpoint" xmlns:com="http://schemas.openxmlformats.org/drawingml/2006/compatibility" xmlns:p14="http://schemas.microsoft.com/office/powerpoint/2010/main" xmlns:p15="http://schemas.microsoft.com/office/powerpoint/2012/main" xmlns:ahyp="http://schemas.microsoft.com/office/drawing/2018/hyperlinkcolor" matchingName="Title and two columns" type="twoColTx">
+<p:sldLayout xmlns:a="http://schemas.openxmlformats.org/drawingml/2006/main" xmlns:r="http://schemas.openxmlformats.org/officeDocument/2006/relationships" xmlns:p="http://schemas.openxmlformats.org/presentationml/2006/main" matchingName="Title and two columns" type="twoColTx">
   <p:cSld name="TITLE_AND_TWO_COLUMNS">
     <p:spTree>
       <p:nvGrpSpPr>
-        <p:cNvPr id="22" name="Shape 22"/>
+        <p:cNvPr id="1" name="Shape 22"/>
         <p:cNvGrpSpPr/>
         <p:nvPr/>
       </p:nvGrpSpPr>
@@ -2984,22 +3016,24 @@
       <p:sp>
         <p:nvSpPr>
           <p:cNvPr id="23" name="Google Shape;23;p5"/>
-          <p:cNvSpPr txBox="1"/>
+          <p:cNvSpPr txBox="1">
+            <a:spLocks noGrp="1"/>
+          </p:cNvSpPr>
           <p:nvPr>
             <p:ph type="title"/>
           </p:nvPr>
         </p:nvSpPr>
         <p:spPr>
           <a:xfrm>
-            <a:off x="311700" y="445025"/>
-            <a:ext cx="8520600" cy="623400"/>
+            <a:off x="233775" y="445025"/>
+            <a:ext cx="6390450" cy="623400"/>
           </a:xfrm>
           <a:prstGeom prst="rect">
             <a:avLst/>
           </a:prstGeom>
         </p:spPr>
         <p:txBody>
-          <a:bodyPr anchorCtr="0" anchor="t" bIns="91425" lIns="91425" spcFirstLastPara="1" rIns="91425" wrap="square" tIns="91425">
+          <a:bodyPr spcFirstLastPara="1" wrap="square" lIns="91425" tIns="91425" rIns="91425" bIns="91425" anchor="t" anchorCtr="0">
             <a:noAutofit/>
           </a:bodyPr>
           <a:lstStyle>
@@ -3103,32 +3137,36 @@
               <a:defRPr/>
             </a:lvl9pPr>
           </a:lstStyle>
-          <a:p/>
+          <a:p>
+            <a:endParaRPr/>
+          </a:p>
         </p:txBody>
       </p:sp>
       <p:sp>
         <p:nvSpPr>
           <p:cNvPr id="24" name="Google Shape;24;p5"/>
-          <p:cNvSpPr txBox="1"/>
+          <p:cNvSpPr txBox="1">
+            <a:spLocks noGrp="1"/>
+          </p:cNvSpPr>
           <p:nvPr>
-            <p:ph idx="1" type="body"/>
+            <p:ph type="body" idx="1"/>
           </p:nvPr>
         </p:nvSpPr>
         <p:spPr>
           <a:xfrm>
-            <a:off x="311700" y="1152475"/>
-            <a:ext cx="3999900" cy="3416400"/>
+            <a:off x="233775" y="1152475"/>
+            <a:ext cx="2999925" cy="3416400"/>
           </a:xfrm>
           <a:prstGeom prst="rect">
             <a:avLst/>
           </a:prstGeom>
         </p:spPr>
         <p:txBody>
-          <a:bodyPr anchorCtr="0" anchor="t" bIns="91425" lIns="91425" spcFirstLastPara="1" rIns="91425" wrap="square" tIns="91425">
+          <a:bodyPr spcFirstLastPara="1" wrap="square" lIns="91425" tIns="91425" rIns="91425" bIns="91425" anchor="t" anchorCtr="0">
             <a:noAutofit/>
           </a:bodyPr>
           <a:lstStyle>
-            <a:lvl1pPr indent="-317500" lvl="0" marL="457200">
+            <a:lvl1pPr marL="342900" lvl="0" indent="-238125">
               <a:spcBef>
                 <a:spcPts val="0"/>
               </a:spcBef>
@@ -3137,123 +3175,127 @@
               </a:spcAft>
               <a:buSzPts val="1400"/>
               <a:buChar char="●"/>
-              <a:defRPr sz="1400"/>
+              <a:defRPr sz="1050"/>
             </a:lvl1pPr>
-            <a:lvl2pPr indent="-304800" lvl="1" marL="914400">
-              <a:spcBef>
-                <a:spcPts val="1600"/>
+            <a:lvl2pPr marL="685800" lvl="1" indent="-228600">
+              <a:spcBef>
+                <a:spcPts val="1200"/>
               </a:spcBef>
               <a:spcAft>
                 <a:spcPts val="0"/>
               </a:spcAft>
               <a:buSzPts val="1200"/>
               <a:buChar char="○"/>
-              <a:defRPr sz="1200"/>
+              <a:defRPr sz="900"/>
             </a:lvl2pPr>
-            <a:lvl3pPr indent="-304800" lvl="2" marL="1371600">
-              <a:spcBef>
-                <a:spcPts val="1600"/>
+            <a:lvl3pPr marL="1028700" lvl="2" indent="-228600">
+              <a:spcBef>
+                <a:spcPts val="1200"/>
               </a:spcBef>
               <a:spcAft>
                 <a:spcPts val="0"/>
               </a:spcAft>
               <a:buSzPts val="1200"/>
               <a:buChar char="■"/>
-              <a:defRPr sz="1200"/>
+              <a:defRPr sz="900"/>
             </a:lvl3pPr>
-            <a:lvl4pPr indent="-304800" lvl="3" marL="1828800">
-              <a:spcBef>
-                <a:spcPts val="1600"/>
+            <a:lvl4pPr marL="1371600" lvl="3" indent="-228600">
+              <a:spcBef>
+                <a:spcPts val="1200"/>
               </a:spcBef>
               <a:spcAft>
                 <a:spcPts val="0"/>
               </a:spcAft>
               <a:buSzPts val="1200"/>
               <a:buChar char="●"/>
-              <a:defRPr sz="1200"/>
+              <a:defRPr sz="900"/>
             </a:lvl4pPr>
-            <a:lvl5pPr indent="-304800" lvl="4" marL="2286000">
-              <a:spcBef>
-                <a:spcPts val="1600"/>
+            <a:lvl5pPr marL="1714500" lvl="4" indent="-228600">
+              <a:spcBef>
+                <a:spcPts val="1200"/>
               </a:spcBef>
               <a:spcAft>
                 <a:spcPts val="0"/>
               </a:spcAft>
               <a:buSzPts val="1200"/>
               <a:buChar char="○"/>
-              <a:defRPr sz="1200"/>
+              <a:defRPr sz="900"/>
             </a:lvl5pPr>
-            <a:lvl6pPr indent="-304800" lvl="5" marL="2743200">
-              <a:spcBef>
-                <a:spcPts val="1600"/>
+            <a:lvl6pPr marL="2057400" lvl="5" indent="-228600">
+              <a:spcBef>
+                <a:spcPts val="1200"/>
               </a:spcBef>
               <a:spcAft>
                 <a:spcPts val="0"/>
               </a:spcAft>
               <a:buSzPts val="1200"/>
               <a:buChar char="■"/>
-              <a:defRPr sz="1200"/>
+              <a:defRPr sz="900"/>
             </a:lvl6pPr>
-            <a:lvl7pPr indent="-304800" lvl="6" marL="3200400">
-              <a:spcBef>
-                <a:spcPts val="1600"/>
+            <a:lvl7pPr marL="2400300" lvl="6" indent="-228600">
+              <a:spcBef>
+                <a:spcPts val="1200"/>
               </a:spcBef>
               <a:spcAft>
                 <a:spcPts val="0"/>
               </a:spcAft>
               <a:buSzPts val="1200"/>
               <a:buChar char="●"/>
-              <a:defRPr sz="1200"/>
+              <a:defRPr sz="900"/>
             </a:lvl7pPr>
-            <a:lvl8pPr indent="-304800" lvl="7" marL="3657600">
-              <a:spcBef>
-                <a:spcPts val="1600"/>
+            <a:lvl8pPr marL="2743200" lvl="7" indent="-228600">
+              <a:spcBef>
+                <a:spcPts val="1200"/>
               </a:spcBef>
               <a:spcAft>
                 <a:spcPts val="0"/>
               </a:spcAft>
               <a:buSzPts val="1200"/>
               <a:buChar char="○"/>
-              <a:defRPr sz="1200"/>
+              <a:defRPr sz="900"/>
             </a:lvl8pPr>
-            <a:lvl9pPr indent="-304800" lvl="8" marL="4114800">
-              <a:spcBef>
-                <a:spcPts val="1600"/>
-              </a:spcBef>
-              <a:spcAft>
-                <a:spcPts val="1600"/>
+            <a:lvl9pPr marL="3086100" lvl="8" indent="-228600">
+              <a:spcBef>
+                <a:spcPts val="1200"/>
+              </a:spcBef>
+              <a:spcAft>
+                <a:spcPts val="1200"/>
               </a:spcAft>
               <a:buSzPts val="1200"/>
               <a:buChar char="■"/>
-              <a:defRPr sz="1200"/>
+              <a:defRPr sz="900"/>
             </a:lvl9pPr>
           </a:lstStyle>
-          <a:p/>
+          <a:p>
+            <a:endParaRPr/>
+          </a:p>
         </p:txBody>
       </p:sp>
       <p:sp>
         <p:nvSpPr>
           <p:cNvPr id="25" name="Google Shape;25;p5"/>
-          <p:cNvSpPr txBox="1"/>
+          <p:cNvSpPr txBox="1">
+            <a:spLocks noGrp="1"/>
+          </p:cNvSpPr>
           <p:nvPr>
-            <p:ph idx="2" type="body"/>
+            <p:ph type="body" idx="2"/>
           </p:nvPr>
         </p:nvSpPr>
         <p:spPr>
           <a:xfrm>
-            <a:off x="4832400" y="1152475"/>
-            <a:ext cx="3999900" cy="3416400"/>
+            <a:off x="3624300" y="1152475"/>
+            <a:ext cx="2999925" cy="3416400"/>
           </a:xfrm>
           <a:prstGeom prst="rect">
             <a:avLst/>
           </a:prstGeom>
         </p:spPr>
         <p:txBody>
-          <a:bodyPr anchorCtr="0" anchor="t" bIns="91425" lIns="91425" spcFirstLastPara="1" rIns="91425" wrap="square" tIns="91425">
+          <a:bodyPr spcFirstLastPara="1" wrap="square" lIns="91425" tIns="91425" rIns="91425" bIns="91425" anchor="t" anchorCtr="0">
             <a:noAutofit/>
           </a:bodyPr>
           <a:lstStyle>
-            <a:lvl1pPr indent="-317500" lvl="0" marL="457200">
+            <a:lvl1pPr marL="342900" lvl="0" indent="-238125">
               <a:spcBef>
                 <a:spcPts val="0"/>
               </a:spcBef>
@@ -3262,119 +3304,123 @@
               </a:spcAft>
               <a:buSzPts val="1400"/>
               <a:buChar char="●"/>
-              <a:defRPr sz="1400"/>
+              <a:defRPr sz="1050"/>
             </a:lvl1pPr>
-            <a:lvl2pPr indent="-304800" lvl="1" marL="914400">
-              <a:spcBef>
-                <a:spcPts val="1600"/>
+            <a:lvl2pPr marL="685800" lvl="1" indent="-228600">
+              <a:spcBef>
+                <a:spcPts val="1200"/>
               </a:spcBef>
               <a:spcAft>
                 <a:spcPts val="0"/>
               </a:spcAft>
               <a:buSzPts val="1200"/>
               <a:buChar char="○"/>
-              <a:defRPr sz="1200"/>
+              <a:defRPr sz="900"/>
             </a:lvl2pPr>
-            <a:lvl3pPr indent="-304800" lvl="2" marL="1371600">
-              <a:spcBef>
-                <a:spcPts val="1600"/>
+            <a:lvl3pPr marL="1028700" lvl="2" indent="-228600">
+              <a:spcBef>
+                <a:spcPts val="1200"/>
               </a:spcBef>
               <a:spcAft>
                 <a:spcPts val="0"/>
               </a:spcAft>
               <a:buSzPts val="1200"/>
               <a:buChar char="■"/>
-              <a:defRPr sz="1200"/>
+              <a:defRPr sz="900"/>
             </a:lvl3pPr>
-            <a:lvl4pPr indent="-304800" lvl="3" marL="1828800">
-              <a:spcBef>
-                <a:spcPts val="1600"/>
+            <a:lvl4pPr marL="1371600" lvl="3" indent="-228600">
+              <a:spcBef>
+                <a:spcPts val="1200"/>
               </a:spcBef>
               <a:spcAft>
                 <a:spcPts val="0"/>
               </a:spcAft>
               <a:buSzPts val="1200"/>
               <a:buChar char="●"/>
-              <a:defRPr sz="1200"/>
+              <a:defRPr sz="900"/>
             </a:lvl4pPr>
-            <a:lvl5pPr indent="-304800" lvl="4" marL="2286000">
-              <a:spcBef>
-                <a:spcPts val="1600"/>
+            <a:lvl5pPr marL="1714500" lvl="4" indent="-228600">
+              <a:spcBef>
+                <a:spcPts val="1200"/>
               </a:spcBef>
               <a:spcAft>
                 <a:spcPts val="0"/>
               </a:spcAft>
               <a:buSzPts val="1200"/>
               <a:buChar char="○"/>
-              <a:defRPr sz="1200"/>
+              <a:defRPr sz="900"/>
             </a:lvl5pPr>
-            <a:lvl6pPr indent="-304800" lvl="5" marL="2743200">
-              <a:spcBef>
-                <a:spcPts val="1600"/>
+            <a:lvl6pPr marL="2057400" lvl="5" indent="-228600">
+              <a:spcBef>
+                <a:spcPts val="1200"/>
               </a:spcBef>
               <a:spcAft>
                 <a:spcPts val="0"/>
               </a:spcAft>
               <a:buSzPts val="1200"/>
               <a:buChar char="■"/>
-              <a:defRPr sz="1200"/>
+              <a:defRPr sz="900"/>
             </a:lvl6pPr>
-            <a:lvl7pPr indent="-304800" lvl="6" marL="3200400">
-              <a:spcBef>
-                <a:spcPts val="1600"/>
+            <a:lvl7pPr marL="2400300" lvl="6" indent="-228600">
+              <a:spcBef>
+                <a:spcPts val="1200"/>
               </a:spcBef>
               <a:spcAft>
                 <a:spcPts val="0"/>
               </a:spcAft>
               <a:buSzPts val="1200"/>
               <a:buChar char="●"/>
-              <a:defRPr sz="1200"/>
+              <a:defRPr sz="900"/>
             </a:lvl7pPr>
-            <a:lvl8pPr indent="-304800" lvl="7" marL="3657600">
-              <a:spcBef>
-                <a:spcPts val="1600"/>
+            <a:lvl8pPr marL="2743200" lvl="7" indent="-228600">
+              <a:spcBef>
+                <a:spcPts val="1200"/>
               </a:spcBef>
               <a:spcAft>
                 <a:spcPts val="0"/>
               </a:spcAft>
               <a:buSzPts val="1200"/>
               <a:buChar char="○"/>
-              <a:defRPr sz="1200"/>
+              <a:defRPr sz="900"/>
             </a:lvl8pPr>
-            <a:lvl9pPr indent="-304800" lvl="8" marL="4114800">
-              <a:spcBef>
-                <a:spcPts val="1600"/>
-              </a:spcBef>
-              <a:spcAft>
-                <a:spcPts val="1600"/>
+            <a:lvl9pPr marL="3086100" lvl="8" indent="-228600">
+              <a:spcBef>
+                <a:spcPts val="1200"/>
+              </a:spcBef>
+              <a:spcAft>
+                <a:spcPts val="1200"/>
               </a:spcAft>
               <a:buSzPts val="1200"/>
               <a:buChar char="■"/>
-              <a:defRPr sz="1200"/>
+              <a:defRPr sz="900"/>
             </a:lvl9pPr>
           </a:lstStyle>
-          <a:p/>
+          <a:p>
+            <a:endParaRPr/>
+          </a:p>
         </p:txBody>
       </p:sp>
       <p:sp>
         <p:nvSpPr>
           <p:cNvPr id="26" name="Google Shape;26;p5"/>
-          <p:cNvSpPr txBox="1"/>
+          <p:cNvSpPr txBox="1">
+            <a:spLocks noGrp="1"/>
+          </p:cNvSpPr>
           <p:nvPr>
-            <p:ph idx="12" type="sldNum"/>
+            <p:ph type="sldNum" idx="12"/>
           </p:nvPr>
         </p:nvSpPr>
         <p:spPr>
           <a:xfrm>
-            <a:off x="8497999" y="4688759"/>
-            <a:ext cx="548700" cy="393600"/>
+            <a:off x="6373499" y="4688759"/>
+            <a:ext cx="411525" cy="393600"/>
           </a:xfrm>
           <a:prstGeom prst="rect">
             <a:avLst/>
           </a:prstGeom>
         </p:spPr>
         <p:txBody>
-          <a:bodyPr anchorCtr="0" anchor="ctr" bIns="91425" lIns="91425" spcFirstLastPara="1" rIns="91425" wrap="square" tIns="91425">
+          <a:bodyPr spcFirstLastPara="1" wrap="square" lIns="91425" tIns="91425" rIns="91425" bIns="91425" anchor="ctr" anchorCtr="0">
             <a:noAutofit/>
           </a:bodyPr>
           <a:lstStyle>
@@ -3416,20 +3462,12 @@
             </a:lvl9pPr>
           </a:lstStyle>
           <a:p>
-            <a:pPr indent="0" lvl="0" marL="0" rtl="0" algn="r">
-              <a:spcBef>
-                <a:spcPts val="0"/>
-              </a:spcBef>
-              <a:spcAft>
-                <a:spcPts val="0"/>
-              </a:spcAft>
-              <a:buNone/>
-            </a:pPr>
             <a:fld id="{00000000-1234-1234-1234-123412341234}" type="slidenum">
-              <a:rPr lang="en"/>
+              <a:rPr lang="en" smtClean="0"/>
+              <a:pPr/>
               <a:t>‹#›</a:t>
             </a:fld>
-            <a:endParaRPr/>
+            <a:endParaRPr lang="en"/>
           </a:p>
         </p:txBody>
       </p:sp>
@@ -3442,11 +3480,11 @@
 </file>
 
 <file path=ppt/slideLayouts/slideLayout5.xml><?xml version="1.0" encoding="utf-8"?>
-<p:sldLayout xmlns:a="http://schemas.openxmlformats.org/drawingml/2006/main" xmlns:r="http://schemas.openxmlformats.org/officeDocument/2006/relationships" xmlns:mc="http://schemas.openxmlformats.org/markup-compatibility/2006" xmlns:mv="urn:schemas-microsoft-com:mac:vml" xmlns:p="http://schemas.openxmlformats.org/presentationml/2006/main" xmlns:c="http://schemas.openxmlformats.org/drawingml/2006/chart" xmlns:dgm="http://schemas.openxmlformats.org/drawingml/2006/diagram" xmlns:o="urn:schemas-microsoft-com:office:office" xmlns:v="urn:schemas-microsoft-com:vml" xmlns:pvml="urn:schemas-microsoft-com:office:powerpoint" xmlns:com="http://schemas.openxmlformats.org/drawingml/2006/compatibility" xmlns:p14="http://schemas.microsoft.com/office/powerpoint/2010/main" xmlns:p15="http://schemas.microsoft.com/office/powerpoint/2012/main" xmlns:ahyp="http://schemas.microsoft.com/office/drawing/2018/hyperlinkcolor" matchingName="Title only" type="titleOnly">
+<p:sldLayout xmlns:a="http://schemas.openxmlformats.org/drawingml/2006/main" xmlns:r="http://schemas.openxmlformats.org/officeDocument/2006/relationships" xmlns:p="http://schemas.openxmlformats.org/presentationml/2006/main" matchingName="Title only" type="titleOnly">
   <p:cSld name="TITLE_ONLY">
     <p:spTree>
       <p:nvGrpSpPr>
-        <p:cNvPr id="27" name="Shape 27"/>
+        <p:cNvPr id="1" name="Shape 27"/>
         <p:cNvGrpSpPr/>
         <p:nvPr/>
       </p:nvGrpSpPr>
@@ -3461,22 +3499,24 @@
       <p:sp>
         <p:nvSpPr>
           <p:cNvPr id="28" name="Google Shape;28;p6"/>
-          <p:cNvSpPr txBox="1"/>
+          <p:cNvSpPr txBox="1">
+            <a:spLocks noGrp="1"/>
+          </p:cNvSpPr>
           <p:nvPr>
             <p:ph type="title"/>
           </p:nvPr>
         </p:nvSpPr>
         <p:spPr>
           <a:xfrm>
-            <a:off x="311700" y="445025"/>
-            <a:ext cx="8520600" cy="623400"/>
+            <a:off x="233775" y="445025"/>
+            <a:ext cx="6390450" cy="623400"/>
           </a:xfrm>
           <a:prstGeom prst="rect">
             <a:avLst/>
           </a:prstGeom>
         </p:spPr>
         <p:txBody>
-          <a:bodyPr anchorCtr="0" anchor="t" bIns="91425" lIns="91425" spcFirstLastPara="1" rIns="91425" wrap="square" tIns="91425">
+          <a:bodyPr spcFirstLastPara="1" wrap="square" lIns="91425" tIns="91425" rIns="91425" bIns="91425" anchor="t" anchorCtr="0">
             <a:noAutofit/>
           </a:bodyPr>
           <a:lstStyle>
@@ -3580,28 +3620,32 @@
               <a:defRPr/>
             </a:lvl9pPr>
           </a:lstStyle>
-          <a:p/>
+          <a:p>
+            <a:endParaRPr/>
+          </a:p>
         </p:txBody>
       </p:sp>
       <p:sp>
         <p:nvSpPr>
           <p:cNvPr id="29" name="Google Shape;29;p6"/>
-          <p:cNvSpPr txBox="1"/>
+          <p:cNvSpPr txBox="1">
+            <a:spLocks noGrp="1"/>
+          </p:cNvSpPr>
           <p:nvPr>
-            <p:ph idx="12" type="sldNum"/>
+            <p:ph type="sldNum" idx="12"/>
           </p:nvPr>
         </p:nvSpPr>
         <p:spPr>
           <a:xfrm>
-            <a:off x="8497999" y="4688759"/>
-            <a:ext cx="548700" cy="393600"/>
+            <a:off x="6373499" y="4688759"/>
+            <a:ext cx="411525" cy="393600"/>
           </a:xfrm>
           <a:prstGeom prst="rect">
             <a:avLst/>
           </a:prstGeom>
         </p:spPr>
         <p:txBody>
-          <a:bodyPr anchorCtr="0" anchor="ctr" bIns="91425" lIns="91425" spcFirstLastPara="1" rIns="91425" wrap="square" tIns="91425">
+          <a:bodyPr spcFirstLastPara="1" wrap="square" lIns="91425" tIns="91425" rIns="91425" bIns="91425" anchor="ctr" anchorCtr="0">
             <a:noAutofit/>
           </a:bodyPr>
           <a:lstStyle>
@@ -3643,20 +3687,12 @@
             </a:lvl9pPr>
           </a:lstStyle>
           <a:p>
-            <a:pPr indent="0" lvl="0" marL="0" rtl="0" algn="r">
-              <a:spcBef>
-                <a:spcPts val="0"/>
-              </a:spcBef>
-              <a:spcAft>
-                <a:spcPts val="0"/>
-              </a:spcAft>
-              <a:buNone/>
-            </a:pPr>
             <a:fld id="{00000000-1234-1234-1234-123412341234}" type="slidenum">
-              <a:rPr lang="en"/>
+              <a:rPr lang="en" smtClean="0"/>
+              <a:pPr/>
               <a:t>‹#›</a:t>
             </a:fld>
-            <a:endParaRPr/>
+            <a:endParaRPr lang="en"/>
           </a:p>
         </p:txBody>
       </p:sp>
@@ -3669,11 +3705,11 @@
 </file>
 
 <file path=ppt/slideLayouts/slideLayout6.xml><?xml version="1.0" encoding="utf-8"?>
-<p:sldLayout xmlns:a="http://schemas.openxmlformats.org/drawingml/2006/main" xmlns:r="http://schemas.openxmlformats.org/officeDocument/2006/relationships" xmlns:mc="http://schemas.openxmlformats.org/markup-compatibility/2006" xmlns:mv="urn:schemas-microsoft-com:mac:vml" xmlns:p="http://schemas.openxmlformats.org/presentationml/2006/main" xmlns:c="http://schemas.openxmlformats.org/drawingml/2006/chart" xmlns:dgm="http://schemas.openxmlformats.org/drawingml/2006/diagram" xmlns:o="urn:schemas-microsoft-com:office:office" xmlns:v="urn:schemas-microsoft-com:vml" xmlns:pvml="urn:schemas-microsoft-com:office:powerpoint" xmlns:com="http://schemas.openxmlformats.org/drawingml/2006/compatibility" xmlns:p14="http://schemas.microsoft.com/office/powerpoint/2010/main" xmlns:p15="http://schemas.microsoft.com/office/powerpoint/2012/main" xmlns:ahyp="http://schemas.microsoft.com/office/drawing/2018/hyperlinkcolor" matchingName="One column text">
+<p:sldLayout xmlns:a="http://schemas.openxmlformats.org/drawingml/2006/main" xmlns:r="http://schemas.openxmlformats.org/officeDocument/2006/relationships" xmlns:p="http://schemas.openxmlformats.org/presentationml/2006/main" matchingName="One column text">
   <p:cSld name="ONE_COLUMN_TEXT">
     <p:spTree>
       <p:nvGrpSpPr>
-        <p:cNvPr id="30" name="Shape 30"/>
+        <p:cNvPr id="1" name="Shape 30"/>
         <p:cNvGrpSpPr/>
         <p:nvPr/>
       </p:nvGrpSpPr>
@@ -3688,22 +3724,24 @@
       <p:sp>
         <p:nvSpPr>
           <p:cNvPr id="31" name="Google Shape;31;p7"/>
-          <p:cNvSpPr txBox="1"/>
+          <p:cNvSpPr txBox="1">
+            <a:spLocks noGrp="1"/>
+          </p:cNvSpPr>
           <p:nvPr>
             <p:ph type="title"/>
           </p:nvPr>
         </p:nvSpPr>
         <p:spPr>
           <a:xfrm>
-            <a:off x="311700" y="555600"/>
-            <a:ext cx="2808000" cy="755700"/>
+            <a:off x="233775" y="555600"/>
+            <a:ext cx="2106000" cy="755700"/>
           </a:xfrm>
           <a:prstGeom prst="rect">
             <a:avLst/>
           </a:prstGeom>
         </p:spPr>
         <p:txBody>
-          <a:bodyPr anchorCtr="0" anchor="b" bIns="91425" lIns="91425" spcFirstLastPara="1" rIns="91425" wrap="square" tIns="91425">
+          <a:bodyPr spcFirstLastPara="1" wrap="square" lIns="91425" tIns="91425" rIns="91425" bIns="91425" anchor="b" anchorCtr="0">
             <a:noAutofit/>
           </a:bodyPr>
           <a:lstStyle>
@@ -3716,7 +3754,7 @@
               </a:spcAft>
               <a:buSzPts val="2400"/>
               <a:buNone/>
-              <a:defRPr sz="2400"/>
+              <a:defRPr sz="1800"/>
             </a:lvl1pPr>
             <a:lvl2pPr lvl="1">
               <a:spcBef>
@@ -3727,7 +3765,7 @@
               </a:spcAft>
               <a:buSzPts val="2400"/>
               <a:buNone/>
-              <a:defRPr sz="2400"/>
+              <a:defRPr sz="1800"/>
             </a:lvl2pPr>
             <a:lvl3pPr lvl="2">
               <a:spcBef>
@@ -3738,7 +3776,7 @@
               </a:spcAft>
               <a:buSzPts val="2400"/>
               <a:buNone/>
-              <a:defRPr sz="2400"/>
+              <a:defRPr sz="1800"/>
             </a:lvl3pPr>
             <a:lvl4pPr lvl="3">
               <a:spcBef>
@@ -3749,7 +3787,7 @@
               </a:spcAft>
               <a:buSzPts val="2400"/>
               <a:buNone/>
-              <a:defRPr sz="2400"/>
+              <a:defRPr sz="1800"/>
             </a:lvl4pPr>
             <a:lvl5pPr lvl="4">
               <a:spcBef>
@@ -3760,7 +3798,7 @@
               </a:spcAft>
               <a:buSzPts val="2400"/>
               <a:buNone/>
-              <a:defRPr sz="2400"/>
+              <a:defRPr sz="1800"/>
             </a:lvl5pPr>
             <a:lvl6pPr lvl="5">
               <a:spcBef>
@@ -3771,7 +3809,7 @@
               </a:spcAft>
               <a:buSzPts val="2400"/>
               <a:buNone/>
-              <a:defRPr sz="2400"/>
+              <a:defRPr sz="1800"/>
             </a:lvl6pPr>
             <a:lvl7pPr lvl="6">
               <a:spcBef>
@@ -3782,7 +3820,7 @@
               </a:spcAft>
               <a:buSzPts val="2400"/>
               <a:buNone/>
-              <a:defRPr sz="2400"/>
+              <a:defRPr sz="1800"/>
             </a:lvl7pPr>
             <a:lvl8pPr lvl="7">
               <a:spcBef>
@@ -3793,7 +3831,7 @@
               </a:spcAft>
               <a:buSzPts val="2400"/>
               <a:buNone/>
-              <a:defRPr sz="2400"/>
+              <a:defRPr sz="1800"/>
             </a:lvl8pPr>
             <a:lvl9pPr lvl="8">
               <a:spcBef>
@@ -3804,35 +3842,39 @@
               </a:spcAft>
               <a:buSzPts val="2400"/>
               <a:buNone/>
-              <a:defRPr sz="2400"/>
+              <a:defRPr sz="1800"/>
             </a:lvl9pPr>
           </a:lstStyle>
-          <a:p/>
+          <a:p>
+            <a:endParaRPr/>
+          </a:p>
         </p:txBody>
       </p:sp>
       <p:sp>
         <p:nvSpPr>
           <p:cNvPr id="32" name="Google Shape;32;p7"/>
-          <p:cNvSpPr txBox="1"/>
+          <p:cNvSpPr txBox="1">
+            <a:spLocks noGrp="1"/>
+          </p:cNvSpPr>
           <p:nvPr>
-            <p:ph idx="1" type="body"/>
+            <p:ph type="body" idx="1"/>
           </p:nvPr>
         </p:nvSpPr>
         <p:spPr>
           <a:xfrm>
-            <a:off x="311700" y="1389600"/>
-            <a:ext cx="2808000" cy="3179400"/>
+            <a:off x="233775" y="1389600"/>
+            <a:ext cx="2106000" cy="3179400"/>
           </a:xfrm>
           <a:prstGeom prst="rect">
             <a:avLst/>
           </a:prstGeom>
         </p:spPr>
         <p:txBody>
-          <a:bodyPr anchorCtr="0" anchor="t" bIns="91425" lIns="91425" spcFirstLastPara="1" rIns="91425" wrap="square" tIns="91425">
+          <a:bodyPr spcFirstLastPara="1" wrap="square" lIns="91425" tIns="91425" rIns="91425" bIns="91425" anchor="t" anchorCtr="0">
             <a:noAutofit/>
           </a:bodyPr>
           <a:lstStyle>
-            <a:lvl1pPr indent="-304800" lvl="0" marL="457200">
+            <a:lvl1pPr marL="342900" lvl="0" indent="-228600">
               <a:spcBef>
                 <a:spcPts val="0"/>
               </a:spcBef>
@@ -3841,119 +3883,123 @@
               </a:spcAft>
               <a:buSzPts val="1200"/>
               <a:buChar char="●"/>
-              <a:defRPr sz="1200"/>
+              <a:defRPr sz="900"/>
             </a:lvl1pPr>
-            <a:lvl2pPr indent="-304800" lvl="1" marL="914400">
-              <a:spcBef>
-                <a:spcPts val="1600"/>
+            <a:lvl2pPr marL="685800" lvl="1" indent="-228600">
+              <a:spcBef>
+                <a:spcPts val="1200"/>
               </a:spcBef>
               <a:spcAft>
                 <a:spcPts val="0"/>
               </a:spcAft>
               <a:buSzPts val="1200"/>
               <a:buChar char="○"/>
-              <a:defRPr sz="1200"/>
+              <a:defRPr sz="900"/>
             </a:lvl2pPr>
-            <a:lvl3pPr indent="-304800" lvl="2" marL="1371600">
-              <a:spcBef>
-                <a:spcPts val="1600"/>
+            <a:lvl3pPr marL="1028700" lvl="2" indent="-228600">
+              <a:spcBef>
+                <a:spcPts val="1200"/>
               </a:spcBef>
               <a:spcAft>
                 <a:spcPts val="0"/>
               </a:spcAft>
               <a:buSzPts val="1200"/>
               <a:buChar char="■"/>
-              <a:defRPr sz="1200"/>
+              <a:defRPr sz="900"/>
             </a:lvl3pPr>
-            <a:lvl4pPr indent="-304800" lvl="3" marL="1828800">
-              <a:spcBef>
-                <a:spcPts val="1600"/>
+            <a:lvl4pPr marL="1371600" lvl="3" indent="-228600">
+              <a:spcBef>
+                <a:spcPts val="1200"/>
               </a:spcBef>
               <a:spcAft>
                 <a:spcPts val="0"/>
               </a:spcAft>
               <a:buSzPts val="1200"/>
               <a:buChar char="●"/>
-              <a:defRPr sz="1200"/>
+              <a:defRPr sz="900"/>
             </a:lvl4pPr>
-            <a:lvl5pPr indent="-304800" lvl="4" marL="2286000">
-              <a:spcBef>
-                <a:spcPts val="1600"/>
+            <a:lvl5pPr marL="1714500" lvl="4" indent="-228600">
+              <a:spcBef>
+                <a:spcPts val="1200"/>
               </a:spcBef>
               <a:spcAft>
                 <a:spcPts val="0"/>
               </a:spcAft>
               <a:buSzPts val="1200"/>
               <a:buChar char="○"/>
-              <a:defRPr sz="1200"/>
+              <a:defRPr sz="900"/>
             </a:lvl5pPr>
-            <a:lvl6pPr indent="-304800" lvl="5" marL="2743200">
-              <a:spcBef>
-                <a:spcPts val="1600"/>
+            <a:lvl6pPr marL="2057400" lvl="5" indent="-228600">
+              <a:spcBef>
+                <a:spcPts val="1200"/>
               </a:spcBef>
               <a:spcAft>
                 <a:spcPts val="0"/>
               </a:spcAft>
               <a:buSzPts val="1200"/>
               <a:buChar char="■"/>
-              <a:defRPr sz="1200"/>
+              <a:defRPr sz="900"/>
             </a:lvl6pPr>
-            <a:lvl7pPr indent="-304800" lvl="6" marL="3200400">
-              <a:spcBef>
-                <a:spcPts val="1600"/>
+            <a:lvl7pPr marL="2400300" lvl="6" indent="-228600">
+              <a:spcBef>
+                <a:spcPts val="1200"/>
               </a:spcBef>
               <a:spcAft>
                 <a:spcPts val="0"/>
               </a:spcAft>
               <a:buSzPts val="1200"/>
               <a:buChar char="●"/>
-              <a:defRPr sz="1200"/>
+              <a:defRPr sz="900"/>
             </a:lvl7pPr>
-            <a:lvl8pPr indent="-304800" lvl="7" marL="3657600">
-              <a:spcBef>
-                <a:spcPts val="1600"/>
+            <a:lvl8pPr marL="2743200" lvl="7" indent="-228600">
+              <a:spcBef>
+                <a:spcPts val="1200"/>
               </a:spcBef>
               <a:spcAft>
                 <a:spcPts val="0"/>
               </a:spcAft>
               <a:buSzPts val="1200"/>
               <a:buChar char="○"/>
-              <a:defRPr sz="1200"/>
+              <a:defRPr sz="900"/>
             </a:lvl8pPr>
-            <a:lvl9pPr indent="-304800" lvl="8" marL="4114800">
-              <a:spcBef>
-                <a:spcPts val="1600"/>
-              </a:spcBef>
-              <a:spcAft>
-                <a:spcPts val="1600"/>
+            <a:lvl9pPr marL="3086100" lvl="8" indent="-228600">
+              <a:spcBef>
+                <a:spcPts val="1200"/>
+              </a:spcBef>
+              <a:spcAft>
+                <a:spcPts val="1200"/>
               </a:spcAft>
               <a:buSzPts val="1200"/>
               <a:buChar char="■"/>
-              <a:defRPr sz="1200"/>
+              <a:defRPr sz="900"/>
             </a:lvl9pPr>
           </a:lstStyle>
-          <a:p/>
+          <a:p>
+            <a:endParaRPr/>
+          </a:p>
         </p:txBody>
       </p:sp>
       <p:sp>
         <p:nvSpPr>
           <p:cNvPr id="33" name="Google Shape;33;p7"/>
-          <p:cNvSpPr txBox="1"/>
+          <p:cNvSpPr txBox="1">
+            <a:spLocks noGrp="1"/>
+          </p:cNvSpPr>
           <p:nvPr>
-            <p:ph idx="12" type="sldNum"/>
+            <p:ph type="sldNum" idx="12"/>
           </p:nvPr>
         </p:nvSpPr>
         <p:spPr>
           <a:xfrm>
-            <a:off x="8497999" y="4688759"/>
-            <a:ext cx="548700" cy="393600"/>
+            <a:off x="6373499" y="4688759"/>
+            <a:ext cx="411525" cy="393600"/>
           </a:xfrm>
           <a:prstGeom prst="rect">
             <a:avLst/>
           </a:prstGeom>
         </p:spPr>
         <p:txBody>
-          <a:bodyPr anchorCtr="0" anchor="ctr" bIns="91425" lIns="91425" spcFirstLastPara="1" rIns="91425" wrap="square" tIns="91425">
+          <a:bodyPr spcFirstLastPara="1" wrap="square" lIns="91425" tIns="91425" rIns="91425" bIns="91425" anchor="ctr" anchorCtr="0">
             <a:noAutofit/>
           </a:bodyPr>
           <a:lstStyle>
@@ -3995,20 +4041,12 @@
             </a:lvl9pPr>
           </a:lstStyle>
           <a:p>
-            <a:pPr indent="0" lvl="0" marL="0" rtl="0" algn="r">
-              <a:spcBef>
-                <a:spcPts val="0"/>
-              </a:spcBef>
-              <a:spcAft>
-                <a:spcPts val="0"/>
-              </a:spcAft>
-              <a:buNone/>
-            </a:pPr>
             <a:fld id="{00000000-1234-1234-1234-123412341234}" type="slidenum">
-              <a:rPr lang="en"/>
+              <a:rPr lang="en" smtClean="0"/>
+              <a:pPr/>
               <a:t>‹#›</a:t>
             </a:fld>
-            <a:endParaRPr/>
+            <a:endParaRPr lang="en"/>
           </a:p>
         </p:txBody>
       </p:sp>
@@ -4021,18 +4059,19 @@
 </file>
 
 <file path=ppt/slideLayouts/slideLayout7.xml><?xml version="1.0" encoding="utf-8"?>
-<p:sldLayout xmlns:a="http://schemas.openxmlformats.org/drawingml/2006/main" xmlns:r="http://schemas.openxmlformats.org/officeDocument/2006/relationships" xmlns:mc="http://schemas.openxmlformats.org/markup-compatibility/2006" xmlns:mv="urn:schemas-microsoft-com:mac:vml" xmlns:p="http://schemas.openxmlformats.org/presentationml/2006/main" xmlns:c="http://schemas.openxmlformats.org/drawingml/2006/chart" xmlns:dgm="http://schemas.openxmlformats.org/drawingml/2006/diagram" xmlns:o="urn:schemas-microsoft-com:office:office" xmlns:v="urn:schemas-microsoft-com:vml" xmlns:pvml="urn:schemas-microsoft-com:office:powerpoint" xmlns:com="http://schemas.openxmlformats.org/drawingml/2006/compatibility" xmlns:p14="http://schemas.microsoft.com/office/powerpoint/2010/main" xmlns:p15="http://schemas.microsoft.com/office/powerpoint/2012/main" xmlns:ahyp="http://schemas.microsoft.com/office/drawing/2018/hyperlinkcolor" matchingName="Main point">
+<p:sldLayout xmlns:a="http://schemas.openxmlformats.org/drawingml/2006/main" xmlns:r="http://schemas.openxmlformats.org/officeDocument/2006/relationships" xmlns:p="http://schemas.openxmlformats.org/presentationml/2006/main" matchingName="Main point">
   <p:cSld name="MAIN_POINT">
     <p:bg>
       <p:bgPr>
         <a:solidFill>
           <a:schemeClr val="accent2"/>
         </a:solidFill>
+        <a:effectLst/>
       </p:bgPr>
     </p:bg>
     <p:spTree>
       <p:nvGrpSpPr>
-        <p:cNvPr id="34" name="Shape 34"/>
+        <p:cNvPr id="1" name="Shape 34"/>
         <p:cNvGrpSpPr/>
         <p:nvPr/>
       </p:nvGrpSpPr>
@@ -4047,22 +4086,24 @@
       <p:sp>
         <p:nvSpPr>
           <p:cNvPr id="35" name="Google Shape;35;p8"/>
-          <p:cNvSpPr txBox="1"/>
+          <p:cNvSpPr txBox="1">
+            <a:spLocks noGrp="1"/>
+          </p:cNvSpPr>
           <p:nvPr>
             <p:ph type="title"/>
           </p:nvPr>
         </p:nvSpPr>
         <p:spPr>
           <a:xfrm>
-            <a:off x="490250" y="526350"/>
-            <a:ext cx="5604000" cy="4090800"/>
+            <a:off x="367688" y="526350"/>
+            <a:ext cx="4203000" cy="4090800"/>
           </a:xfrm>
           <a:prstGeom prst="rect">
             <a:avLst/>
           </a:prstGeom>
         </p:spPr>
         <p:txBody>
-          <a:bodyPr anchorCtr="0" anchor="ctr" bIns="91425" lIns="91425" spcFirstLastPara="1" rIns="91425" wrap="square" tIns="91425">
+          <a:bodyPr spcFirstLastPara="1" wrap="square" lIns="91425" tIns="91425" rIns="91425" bIns="91425" anchor="ctr" anchorCtr="0">
             <a:noAutofit/>
           </a:bodyPr>
           <a:lstStyle>
@@ -4078,7 +4119,7 @@
               </a:buClr>
               <a:buSzPts val="4800"/>
               <a:buNone/>
-              <a:defRPr sz="4800">
+              <a:defRPr sz="3600">
                 <a:solidFill>
                   <a:schemeClr val="lt1"/>
                 </a:solidFill>
@@ -4096,7 +4137,7 @@
               </a:buClr>
               <a:buSzPts val="4800"/>
               <a:buNone/>
-              <a:defRPr sz="4800">
+              <a:defRPr sz="3600">
                 <a:solidFill>
                   <a:schemeClr val="lt1"/>
                 </a:solidFill>
@@ -4114,7 +4155,7 @@
               </a:buClr>
               <a:buSzPts val="4800"/>
               <a:buNone/>
-              <a:defRPr sz="4800">
+              <a:defRPr sz="3600">
                 <a:solidFill>
                   <a:schemeClr val="lt1"/>
                 </a:solidFill>
@@ -4132,7 +4173,7 @@
               </a:buClr>
               <a:buSzPts val="4800"/>
               <a:buNone/>
-              <a:defRPr sz="4800">
+              <a:defRPr sz="3600">
                 <a:solidFill>
                   <a:schemeClr val="lt1"/>
                 </a:solidFill>
@@ -4150,7 +4191,7 @@
               </a:buClr>
               <a:buSzPts val="4800"/>
               <a:buNone/>
-              <a:defRPr sz="4800">
+              <a:defRPr sz="3600">
                 <a:solidFill>
                   <a:schemeClr val="lt1"/>
                 </a:solidFill>
@@ -4168,7 +4209,7 @@
               </a:buClr>
               <a:buSzPts val="4800"/>
               <a:buNone/>
-              <a:defRPr sz="4800">
+              <a:defRPr sz="3600">
                 <a:solidFill>
                   <a:schemeClr val="lt1"/>
                 </a:solidFill>
@@ -4186,7 +4227,7 @@
               </a:buClr>
               <a:buSzPts val="4800"/>
               <a:buNone/>
-              <a:defRPr sz="4800">
+              <a:defRPr sz="3600">
                 <a:solidFill>
                   <a:schemeClr val="lt1"/>
                 </a:solidFill>
@@ -4204,7 +4245,7 @@
               </a:buClr>
               <a:buSzPts val="4800"/>
               <a:buNone/>
-              <a:defRPr sz="4800">
+              <a:defRPr sz="3600">
                 <a:solidFill>
                   <a:schemeClr val="lt1"/>
                 </a:solidFill>
@@ -4222,35 +4263,39 @@
               </a:buClr>
               <a:buSzPts val="4800"/>
               <a:buNone/>
-              <a:defRPr sz="4800">
+              <a:defRPr sz="3600">
                 <a:solidFill>
                   <a:schemeClr val="lt1"/>
                 </a:solidFill>
               </a:defRPr>
             </a:lvl9pPr>
           </a:lstStyle>
-          <a:p/>
+          <a:p>
+            <a:endParaRPr/>
+          </a:p>
         </p:txBody>
       </p:sp>
       <p:sp>
         <p:nvSpPr>
           <p:cNvPr id="36" name="Google Shape;36;p8"/>
-          <p:cNvSpPr txBox="1"/>
+          <p:cNvSpPr txBox="1">
+            <a:spLocks noGrp="1"/>
+          </p:cNvSpPr>
           <p:nvPr>
-            <p:ph idx="12" type="sldNum"/>
+            <p:ph type="sldNum" idx="12"/>
           </p:nvPr>
         </p:nvSpPr>
         <p:spPr>
           <a:xfrm>
-            <a:off x="8497999" y="4688759"/>
-            <a:ext cx="548700" cy="393600"/>
+            <a:off x="6373499" y="4688759"/>
+            <a:ext cx="411525" cy="393600"/>
           </a:xfrm>
           <a:prstGeom prst="rect">
             <a:avLst/>
           </a:prstGeom>
         </p:spPr>
         <p:txBody>
-          <a:bodyPr anchorCtr="0" anchor="ctr" bIns="91425" lIns="91425" spcFirstLastPara="1" rIns="91425" wrap="square" tIns="91425">
+          <a:bodyPr spcFirstLastPara="1" wrap="square" lIns="91425" tIns="91425" rIns="91425" bIns="91425" anchor="ctr" anchorCtr="0">
             <a:noAutofit/>
           </a:bodyPr>
           <a:lstStyle>
@@ -4328,20 +4373,12 @@
             </a:lvl9pPr>
           </a:lstStyle>
           <a:p>
-            <a:pPr indent="0" lvl="0" marL="0" rtl="0" algn="r">
-              <a:spcBef>
-                <a:spcPts val="0"/>
-              </a:spcBef>
-              <a:spcAft>
-                <a:spcPts val="0"/>
-              </a:spcAft>
-              <a:buNone/>
-            </a:pPr>
             <a:fld id="{00000000-1234-1234-1234-123412341234}" type="slidenum">
-              <a:rPr lang="en"/>
+              <a:rPr lang="en" smtClean="0"/>
+              <a:pPr/>
               <a:t>‹#›</a:t>
             </a:fld>
-            <a:endParaRPr/>
+            <a:endParaRPr lang="en"/>
           </a:p>
         </p:txBody>
       </p:sp>
@@ -4354,11 +4391,11 @@
 </file>
 
 <file path=ppt/slideLayouts/slideLayout8.xml><?xml version="1.0" encoding="utf-8"?>
-<p:sldLayout xmlns:a="http://schemas.openxmlformats.org/drawingml/2006/main" xmlns:r="http://schemas.openxmlformats.org/officeDocument/2006/relationships" xmlns:mc="http://schemas.openxmlformats.org/markup-compatibility/2006" xmlns:mv="urn:schemas-microsoft-com:mac:vml" xmlns:p="http://schemas.openxmlformats.org/presentationml/2006/main" xmlns:c="http://schemas.openxmlformats.org/drawingml/2006/chart" xmlns:dgm="http://schemas.openxmlformats.org/drawingml/2006/diagram" xmlns:o="urn:schemas-microsoft-com:office:office" xmlns:v="urn:schemas-microsoft-com:vml" xmlns:pvml="urn:schemas-microsoft-com:office:powerpoint" xmlns:com="http://schemas.openxmlformats.org/drawingml/2006/compatibility" xmlns:p14="http://schemas.microsoft.com/office/powerpoint/2010/main" xmlns:p15="http://schemas.microsoft.com/office/powerpoint/2012/main" xmlns:ahyp="http://schemas.microsoft.com/office/drawing/2018/hyperlinkcolor" matchingName="Section title and description">
+<p:sldLayout xmlns:a="http://schemas.openxmlformats.org/drawingml/2006/main" xmlns:r="http://schemas.openxmlformats.org/officeDocument/2006/relationships" xmlns:p="http://schemas.openxmlformats.org/presentationml/2006/main" matchingName="Section title and description">
   <p:cSld name="SECTION_TITLE_AND_DESCRIPTION">
     <p:spTree>
       <p:nvGrpSpPr>
-        <p:cNvPr id="37" name="Shape 37"/>
+        <p:cNvPr id="1" name="Shape 37"/>
         <p:cNvGrpSpPr/>
         <p:nvPr/>
       </p:nvGrpSpPr>
@@ -4378,8 +4415,8 @@
         </p:nvSpPr>
         <p:spPr>
           <a:xfrm>
-            <a:off x="4636800" y="80700"/>
-            <a:ext cx="4426500" cy="4982100"/>
+            <a:off x="3477600" y="80700"/>
+            <a:ext cx="3319875" cy="4982100"/>
           </a:xfrm>
           <a:prstGeom prst="rect">
             <a:avLst/>
@@ -4392,12 +4429,12 @@
           </a:ln>
         </p:spPr>
         <p:txBody>
-          <a:bodyPr anchorCtr="0" anchor="ctr" bIns="91425" lIns="91425" spcFirstLastPara="1" rIns="91425" wrap="square" tIns="91425">
+          <a:bodyPr spcFirstLastPara="1" wrap="square" lIns="68569" tIns="68569" rIns="68569" bIns="68569" anchor="ctr" anchorCtr="0">
             <a:noAutofit/>
           </a:bodyPr>
           <a:lstStyle/>
           <a:p>
-            <a:pPr indent="0" lvl="0" marL="0" rtl="0" algn="l">
+            <a:pPr marL="0" lvl="0" indent="0" algn="l" rtl="0">
               <a:spcBef>
                 <a:spcPts val="0"/>
               </a:spcBef>
@@ -4406,10 +4443,7 @@
               </a:spcAft>
               <a:buNone/>
             </a:pPr>
-            <a:r>
-              <a:t/>
-            </a:r>
-            <a:endParaRPr/>
+            <a:endParaRPr sz="1050"/>
           </a:p>
         </p:txBody>
       </p:sp>
@@ -4421,43 +4455,45 @@
         </p:nvCxnSpPr>
         <p:spPr>
           <a:xfrm>
-            <a:off x="5029675" y="4495500"/>
-            <a:ext cx="468300" cy="0"/>
+            <a:off x="3772256" y="4495500"/>
+            <a:ext cx="351225" cy="0"/>
           </a:xfrm>
           <a:prstGeom prst="straightConnector1">
             <a:avLst/>
           </a:prstGeom>
           <a:noFill/>
-          <a:ln cap="flat" cmpd="sng" w="19050">
+          <a:ln w="19050" cap="flat" cmpd="sng">
             <a:solidFill>
               <a:schemeClr val="lt1"/>
             </a:solidFill>
             <a:prstDash val="solid"/>
             <a:round/>
-            <a:headEnd len="sm" w="sm" type="none"/>
-            <a:tailEnd len="sm" w="sm" type="none"/>
+            <a:headEnd type="none" w="sm" len="sm"/>
+            <a:tailEnd type="none" w="sm" len="sm"/>
           </a:ln>
         </p:spPr>
       </p:cxnSp>
       <p:sp>
         <p:nvSpPr>
           <p:cNvPr id="40" name="Google Shape;40;p9"/>
-          <p:cNvSpPr txBox="1"/>
+          <p:cNvSpPr txBox="1">
+            <a:spLocks noGrp="1"/>
+          </p:cNvSpPr>
           <p:nvPr>
             <p:ph type="title"/>
           </p:nvPr>
         </p:nvSpPr>
         <p:spPr>
           <a:xfrm>
-            <a:off x="265500" y="1181700"/>
-            <a:ext cx="4045200" cy="1533600"/>
+            <a:off x="199125" y="1181700"/>
+            <a:ext cx="3033900" cy="1533600"/>
           </a:xfrm>
           <a:prstGeom prst="rect">
             <a:avLst/>
           </a:prstGeom>
         </p:spPr>
         <p:txBody>
-          <a:bodyPr anchorCtr="0" anchor="b" bIns="91425" lIns="91425" spcFirstLastPara="1" rIns="91425" wrap="square" tIns="91425">
+          <a:bodyPr spcFirstLastPara="1" wrap="square" lIns="91425" tIns="91425" rIns="91425" bIns="91425" anchor="b" anchorCtr="0">
             <a:noAutofit/>
           </a:bodyPr>
           <a:lstStyle>
@@ -4470,7 +4506,7 @@
               </a:spcAft>
               <a:buSzPts val="3800"/>
               <a:buNone/>
-              <a:defRPr sz="3800"/>
+              <a:defRPr sz="2850"/>
             </a:lvl1pPr>
             <a:lvl2pPr lvl="1" algn="ctr">
               <a:spcBef>
@@ -4481,7 +4517,7 @@
               </a:spcAft>
               <a:buSzPts val="3800"/>
               <a:buNone/>
-              <a:defRPr sz="3800"/>
+              <a:defRPr sz="2850"/>
             </a:lvl2pPr>
             <a:lvl3pPr lvl="2" algn="ctr">
               <a:spcBef>
@@ -4492,7 +4528,7 @@
               </a:spcAft>
               <a:buSzPts val="3800"/>
               <a:buNone/>
-              <a:defRPr sz="3800"/>
+              <a:defRPr sz="2850"/>
             </a:lvl3pPr>
             <a:lvl4pPr lvl="3" algn="ctr">
               <a:spcBef>
@@ -4503,7 +4539,7 @@
               </a:spcAft>
               <a:buSzPts val="3800"/>
               <a:buNone/>
-              <a:defRPr sz="3800"/>
+              <a:defRPr sz="2850"/>
             </a:lvl4pPr>
             <a:lvl5pPr lvl="4" algn="ctr">
               <a:spcBef>
@@ -4514,7 +4550,7 @@
               </a:spcAft>
               <a:buSzPts val="3800"/>
               <a:buNone/>
-              <a:defRPr sz="3800"/>
+              <a:defRPr sz="2850"/>
             </a:lvl5pPr>
             <a:lvl6pPr lvl="5" algn="ctr">
               <a:spcBef>
@@ -4525,7 +4561,7 @@
               </a:spcAft>
               <a:buSzPts val="3800"/>
               <a:buNone/>
-              <a:defRPr sz="3800"/>
+              <a:defRPr sz="2850"/>
             </a:lvl6pPr>
             <a:lvl7pPr lvl="6" algn="ctr">
               <a:spcBef>
@@ -4536,7 +4572,7 @@
               </a:spcAft>
               <a:buSzPts val="3800"/>
               <a:buNone/>
-              <a:defRPr sz="3800"/>
+              <a:defRPr sz="2850"/>
             </a:lvl7pPr>
             <a:lvl8pPr lvl="7" algn="ctr">
               <a:spcBef>
@@ -4547,7 +4583,7 @@
               </a:spcAft>
               <a:buSzPts val="3800"/>
               <a:buNone/>
-              <a:defRPr sz="3800"/>
+              <a:defRPr sz="2850"/>
             </a:lvl8pPr>
             <a:lvl9pPr lvl="8" algn="ctr">
               <a:spcBef>
@@ -4558,31 +4594,35 @@
               </a:spcAft>
               <a:buSzPts val="3800"/>
               <a:buNone/>
-              <a:defRPr sz="3800"/>
+              <a:defRPr sz="2850"/>
             </a:lvl9pPr>
           </a:lstStyle>
-          <a:p/>
+          <a:p>
+            <a:endParaRPr/>
+          </a:p>
         </p:txBody>
       </p:sp>
       <p:sp>
         <p:nvSpPr>
           <p:cNvPr id="41" name="Google Shape;41;p9"/>
-          <p:cNvSpPr txBox="1"/>
+          <p:cNvSpPr txBox="1">
+            <a:spLocks noGrp="1"/>
+          </p:cNvSpPr>
           <p:nvPr>
-            <p:ph idx="1" type="subTitle"/>
+            <p:ph type="subTitle" idx="1"/>
           </p:nvPr>
         </p:nvSpPr>
         <p:spPr>
           <a:xfrm>
-            <a:off x="265500" y="2769001"/>
-            <a:ext cx="4045200" cy="1345500"/>
+            <a:off x="199125" y="2769001"/>
+            <a:ext cx="3033900" cy="1345500"/>
           </a:xfrm>
           <a:prstGeom prst="rect">
             <a:avLst/>
           </a:prstGeom>
         </p:spPr>
         <p:txBody>
-          <a:bodyPr anchorCtr="0" anchor="t" bIns="91425" lIns="91425" spcFirstLastPara="1" rIns="91425" wrap="square" tIns="91425">
+          <a:bodyPr spcFirstLastPara="1" wrap="square" lIns="91425" tIns="91425" rIns="91425" bIns="91425" anchor="t" anchorCtr="0">
             <a:noAutofit/>
           </a:bodyPr>
           <a:lstStyle>
@@ -4598,7 +4638,7 @@
               </a:spcAft>
               <a:buSzPts val="2100"/>
               <a:buNone/>
-              <a:defRPr sz="2100"/>
+              <a:defRPr sz="1575"/>
             </a:lvl1pPr>
             <a:lvl2pPr lvl="1" algn="ctr">
               <a:lnSpc>
@@ -4612,7 +4652,7 @@
               </a:spcAft>
               <a:buSzPts val="2100"/>
               <a:buNone/>
-              <a:defRPr sz="2100"/>
+              <a:defRPr sz="1575"/>
             </a:lvl2pPr>
             <a:lvl3pPr lvl="2" algn="ctr">
               <a:lnSpc>
@@ -4626,7 +4666,7 @@
               </a:spcAft>
               <a:buSzPts val="2100"/>
               <a:buNone/>
-              <a:defRPr sz="2100"/>
+              <a:defRPr sz="1575"/>
             </a:lvl3pPr>
             <a:lvl4pPr lvl="3" algn="ctr">
               <a:lnSpc>
@@ -4640,7 +4680,7 @@
               </a:spcAft>
               <a:buSzPts val="2100"/>
               <a:buNone/>
-              <a:defRPr sz="2100"/>
+              <a:defRPr sz="1575"/>
             </a:lvl4pPr>
             <a:lvl5pPr lvl="4" algn="ctr">
               <a:lnSpc>
@@ -4654,7 +4694,7 @@
               </a:spcAft>
               <a:buSzPts val="2100"/>
               <a:buNone/>
-              <a:defRPr sz="2100"/>
+              <a:defRPr sz="1575"/>
             </a:lvl5pPr>
             <a:lvl6pPr lvl="5" algn="ctr">
               <a:lnSpc>
@@ -4668,7 +4708,7 @@
               </a:spcAft>
               <a:buSzPts val="2100"/>
               <a:buNone/>
-              <a:defRPr sz="2100"/>
+              <a:defRPr sz="1575"/>
             </a:lvl6pPr>
             <a:lvl7pPr lvl="6" algn="ctr">
               <a:lnSpc>
@@ -4682,7 +4722,7 @@
               </a:spcAft>
               <a:buSzPts val="2100"/>
               <a:buNone/>
-              <a:defRPr sz="2100"/>
+              <a:defRPr sz="1575"/>
             </a:lvl7pPr>
             <a:lvl8pPr lvl="7" algn="ctr">
               <a:lnSpc>
@@ -4696,7 +4736,7 @@
               </a:spcAft>
               <a:buSzPts val="2100"/>
               <a:buNone/>
-              <a:defRPr sz="2100"/>
+              <a:defRPr sz="1575"/>
             </a:lvl8pPr>
             <a:lvl9pPr lvl="8" algn="ctr">
               <a:lnSpc>
@@ -4710,35 +4750,39 @@
               </a:spcAft>
               <a:buSzPts val="2100"/>
               <a:buNone/>
-              <a:defRPr sz="2100"/>
+              <a:defRPr sz="1575"/>
             </a:lvl9pPr>
           </a:lstStyle>
-          <a:p/>
+          <a:p>
+            <a:endParaRPr/>
+          </a:p>
         </p:txBody>
       </p:sp>
       <p:sp>
         <p:nvSpPr>
           <p:cNvPr id="42" name="Google Shape;42;p9"/>
-          <p:cNvSpPr txBox="1"/>
+          <p:cNvSpPr txBox="1">
+            <a:spLocks noGrp="1"/>
+          </p:cNvSpPr>
           <p:nvPr>
-            <p:ph idx="2" type="body"/>
+            <p:ph type="body" idx="2"/>
           </p:nvPr>
         </p:nvSpPr>
         <p:spPr>
           <a:xfrm>
-            <a:off x="4939500" y="724200"/>
-            <a:ext cx="3837000" cy="3695100"/>
+            <a:off x="3704625" y="724200"/>
+            <a:ext cx="2877750" cy="3695100"/>
           </a:xfrm>
           <a:prstGeom prst="rect">
             <a:avLst/>
           </a:prstGeom>
         </p:spPr>
         <p:txBody>
-          <a:bodyPr anchorCtr="0" anchor="ctr" bIns="91425" lIns="91425" spcFirstLastPara="1" rIns="91425" wrap="square" tIns="91425">
+          <a:bodyPr spcFirstLastPara="1" wrap="square" lIns="91425" tIns="91425" rIns="91425" bIns="91425" anchor="ctr" anchorCtr="0">
             <a:noAutofit/>
           </a:bodyPr>
           <a:lstStyle>
-            <a:lvl1pPr indent="-342900" lvl="0" marL="457200">
+            <a:lvl1pPr marL="342900" lvl="0" indent="-257175">
               <a:spcBef>
                 <a:spcPts val="0"/>
               </a:spcBef>
@@ -4756,9 +4800,9 @@
                 </a:solidFill>
               </a:defRPr>
             </a:lvl1pPr>
-            <a:lvl2pPr indent="-317500" lvl="1" marL="914400">
-              <a:spcBef>
-                <a:spcPts val="1600"/>
+            <a:lvl2pPr marL="685800" lvl="1" indent="-238125">
+              <a:spcBef>
+                <a:spcPts val="1200"/>
               </a:spcBef>
               <a:spcAft>
                 <a:spcPts val="0"/>
@@ -4774,9 +4818,9 @@
                 </a:solidFill>
               </a:defRPr>
             </a:lvl2pPr>
-            <a:lvl3pPr indent="-317500" lvl="2" marL="1371600">
-              <a:spcBef>
-                <a:spcPts val="1600"/>
+            <a:lvl3pPr marL="1028700" lvl="2" indent="-238125">
+              <a:spcBef>
+                <a:spcPts val="1200"/>
               </a:spcBef>
               <a:spcAft>
                 <a:spcPts val="0"/>
@@ -4792,9 +4836,9 @@
                 </a:solidFill>
               </a:defRPr>
             </a:lvl3pPr>
-            <a:lvl4pPr indent="-317500" lvl="3" marL="1828800">
-              <a:spcBef>
-                <a:spcPts val="1600"/>
+            <a:lvl4pPr marL="1371600" lvl="3" indent="-238125">
+              <a:spcBef>
+                <a:spcPts val="1200"/>
               </a:spcBef>
               <a:spcAft>
                 <a:spcPts val="0"/>
@@ -4810,9 +4854,9 @@
                 </a:solidFill>
               </a:defRPr>
             </a:lvl4pPr>
-            <a:lvl5pPr indent="-317500" lvl="4" marL="2286000">
-              <a:spcBef>
-                <a:spcPts val="1600"/>
+            <a:lvl5pPr marL="1714500" lvl="4" indent="-238125">
+              <a:spcBef>
+                <a:spcPts val="1200"/>
               </a:spcBef>
               <a:spcAft>
                 <a:spcPts val="0"/>
@@ -4828,9 +4872,9 @@
                 </a:solidFill>
               </a:defRPr>
             </a:lvl5pPr>
-            <a:lvl6pPr indent="-317500" lvl="5" marL="2743200">
-              <a:spcBef>
-                <a:spcPts val="1600"/>
+            <a:lvl6pPr marL="2057400" lvl="5" indent="-238125">
+              <a:spcBef>
+                <a:spcPts val="1200"/>
               </a:spcBef>
               <a:spcAft>
                 <a:spcPts val="0"/>
@@ -4846,9 +4890,9 @@
                 </a:solidFill>
               </a:defRPr>
             </a:lvl6pPr>
-            <a:lvl7pPr indent="-317500" lvl="6" marL="3200400">
-              <a:spcBef>
-                <a:spcPts val="1600"/>
+            <a:lvl7pPr marL="2400300" lvl="6" indent="-238125">
+              <a:spcBef>
+                <a:spcPts val="1200"/>
               </a:spcBef>
               <a:spcAft>
                 <a:spcPts val="0"/>
@@ -4864,9 +4908,9 @@
                 </a:solidFill>
               </a:defRPr>
             </a:lvl7pPr>
-            <a:lvl8pPr indent="-317500" lvl="7" marL="3657600">
-              <a:spcBef>
-                <a:spcPts val="1600"/>
+            <a:lvl8pPr marL="2743200" lvl="7" indent="-238125">
+              <a:spcBef>
+                <a:spcPts val="1200"/>
               </a:spcBef>
               <a:spcAft>
                 <a:spcPts val="0"/>
@@ -4882,12 +4926,12 @@
                 </a:solidFill>
               </a:defRPr>
             </a:lvl8pPr>
-            <a:lvl9pPr indent="-317500" lvl="8" marL="4114800">
-              <a:spcBef>
-                <a:spcPts val="1600"/>
-              </a:spcBef>
-              <a:spcAft>
-                <a:spcPts val="1600"/>
+            <a:lvl9pPr marL="3086100" lvl="8" indent="-238125">
+              <a:spcBef>
+                <a:spcPts val="1200"/>
+              </a:spcBef>
+              <a:spcAft>
+                <a:spcPts val="1200"/>
               </a:spcAft>
               <a:buClr>
                 <a:schemeClr val="lt1"/>
@@ -4901,28 +4945,32 @@
               </a:defRPr>
             </a:lvl9pPr>
           </a:lstStyle>
-          <a:p/>
+          <a:p>
+            <a:endParaRPr/>
+          </a:p>
         </p:txBody>
       </p:sp>
       <p:sp>
         <p:nvSpPr>
           <p:cNvPr id="43" name="Google Shape;43;p9"/>
-          <p:cNvSpPr txBox="1"/>
+          <p:cNvSpPr txBox="1">
+            <a:spLocks noGrp="1"/>
+          </p:cNvSpPr>
           <p:nvPr>
-            <p:ph idx="12" type="sldNum"/>
+            <p:ph type="sldNum" idx="12"/>
           </p:nvPr>
         </p:nvSpPr>
         <p:spPr>
           <a:xfrm>
-            <a:off x="8497999" y="4688759"/>
-            <a:ext cx="548700" cy="393600"/>
+            <a:off x="6373499" y="4688759"/>
+            <a:ext cx="411525" cy="393600"/>
           </a:xfrm>
           <a:prstGeom prst="rect">
             <a:avLst/>
           </a:prstGeom>
         </p:spPr>
         <p:txBody>
-          <a:bodyPr anchorCtr="0" anchor="ctr" bIns="91425" lIns="91425" spcFirstLastPara="1" rIns="91425" wrap="square" tIns="91425">
+          <a:bodyPr spcFirstLastPara="1" wrap="square" lIns="91425" tIns="91425" rIns="91425" bIns="91425" anchor="ctr" anchorCtr="0">
             <a:noAutofit/>
           </a:bodyPr>
           <a:lstStyle>
@@ -5000,20 +5048,12 @@
             </a:lvl9pPr>
           </a:lstStyle>
           <a:p>
-            <a:pPr indent="0" lvl="0" marL="0" rtl="0" algn="r">
-              <a:spcBef>
-                <a:spcPts val="0"/>
-              </a:spcBef>
-              <a:spcAft>
-                <a:spcPts val="0"/>
-              </a:spcAft>
-              <a:buNone/>
-            </a:pPr>
             <a:fld id="{00000000-1234-1234-1234-123412341234}" type="slidenum">
-              <a:rPr lang="en"/>
+              <a:rPr lang="en" smtClean="0"/>
+              <a:pPr/>
               <a:t>‹#›</a:t>
             </a:fld>
-            <a:endParaRPr/>
+            <a:endParaRPr lang="en"/>
           </a:p>
         </p:txBody>
       </p:sp>
@@ -5026,11 +5066,11 @@
 </file>
 
 <file path=ppt/slideLayouts/slideLayout9.xml><?xml version="1.0" encoding="utf-8"?>
-<p:sldLayout xmlns:a="http://schemas.openxmlformats.org/drawingml/2006/main" xmlns:r="http://schemas.openxmlformats.org/officeDocument/2006/relationships" xmlns:mc="http://schemas.openxmlformats.org/markup-compatibility/2006" xmlns:mv="urn:schemas-microsoft-com:mac:vml" xmlns:p="http://schemas.openxmlformats.org/presentationml/2006/main" xmlns:c="http://schemas.openxmlformats.org/drawingml/2006/chart" xmlns:dgm="http://schemas.openxmlformats.org/drawingml/2006/diagram" xmlns:o="urn:schemas-microsoft-com:office:office" xmlns:v="urn:schemas-microsoft-com:vml" xmlns:pvml="urn:schemas-microsoft-com:office:powerpoint" xmlns:com="http://schemas.openxmlformats.org/drawingml/2006/compatibility" xmlns:p14="http://schemas.microsoft.com/office/powerpoint/2010/main" xmlns:p15="http://schemas.microsoft.com/office/powerpoint/2012/main" xmlns:ahyp="http://schemas.microsoft.com/office/drawing/2018/hyperlinkcolor" matchingName="Caption">
+<p:sldLayout xmlns:a="http://schemas.openxmlformats.org/drawingml/2006/main" xmlns:r="http://schemas.openxmlformats.org/officeDocument/2006/relationships" xmlns:p="http://schemas.openxmlformats.org/presentationml/2006/main" matchingName="Caption">
   <p:cSld name="CAPTION_ONLY">
     <p:spTree>
       <p:nvGrpSpPr>
-        <p:cNvPr id="44" name="Shape 44"/>
+        <p:cNvPr id="1" name="Shape 44"/>
         <p:cNvGrpSpPr/>
         <p:nvPr/>
       </p:nvGrpSpPr>
@@ -5045,26 +5085,28 @@
       <p:sp>
         <p:nvSpPr>
           <p:cNvPr id="45" name="Google Shape;45;p10"/>
-          <p:cNvSpPr txBox="1"/>
+          <p:cNvSpPr txBox="1">
+            <a:spLocks noGrp="1"/>
+          </p:cNvSpPr>
           <p:nvPr>
-            <p:ph idx="1" type="body"/>
+            <p:ph type="body" idx="1"/>
           </p:nvPr>
         </p:nvSpPr>
         <p:spPr>
           <a:xfrm>
-            <a:off x="311700" y="4230575"/>
-            <a:ext cx="5998800" cy="605100"/>
+            <a:off x="233775" y="4230575"/>
+            <a:ext cx="4499100" cy="605100"/>
           </a:xfrm>
           <a:prstGeom prst="rect">
             <a:avLst/>
           </a:prstGeom>
         </p:spPr>
         <p:txBody>
-          <a:bodyPr anchorCtr="0" anchor="ctr" bIns="91425" lIns="91425" spcFirstLastPara="1" rIns="91425" wrap="square" tIns="91425">
+          <a:bodyPr spcFirstLastPara="1" wrap="square" lIns="91425" tIns="91425" rIns="91425" bIns="91425" anchor="ctr" anchorCtr="0">
             <a:noAutofit/>
           </a:bodyPr>
           <a:lstStyle>
-            <a:lvl1pPr indent="-228600" lvl="0" marL="457200">
+            <a:lvl1pPr marL="342900" lvl="0" indent="-171450">
               <a:lnSpc>
                 <a:spcPct val="100000"/>
               </a:lnSpc>
@@ -5076,31 +5118,35 @@
               </a:spcAft>
               <a:buSzPts val="2100"/>
               <a:buNone/>
-              <a:defRPr sz="2100"/>
+              <a:defRPr sz="1575"/>
             </a:lvl1pPr>
           </a:lstStyle>
-          <a:p/>
+          <a:p>
+            <a:endParaRPr/>
+          </a:p>
         </p:txBody>
       </p:sp>
       <p:sp>
         <p:nvSpPr>
           <p:cNvPr id="46" name="Google Shape;46;p10"/>
-          <p:cNvSpPr txBox="1"/>
+          <p:cNvSpPr txBox="1">
+            <a:spLocks noGrp="1"/>
+          </p:cNvSpPr>
           <p:nvPr>
-            <p:ph idx="12" type="sldNum"/>
+            <p:ph type="sldNum" idx="12"/>
           </p:nvPr>
         </p:nvSpPr>
         <p:spPr>
           <a:xfrm>
-            <a:off x="8497999" y="4688759"/>
-            <a:ext cx="548700" cy="393600"/>
+            <a:off x="6373499" y="4688759"/>
+            <a:ext cx="411525" cy="393600"/>
           </a:xfrm>
           <a:prstGeom prst="rect">
             <a:avLst/>
           </a:prstGeom>
         </p:spPr>
         <p:txBody>
-          <a:bodyPr anchorCtr="0" anchor="ctr" bIns="91425" lIns="91425" spcFirstLastPara="1" rIns="91425" wrap="square" tIns="91425">
+          <a:bodyPr spcFirstLastPara="1" wrap="square" lIns="91425" tIns="91425" rIns="91425" bIns="91425" anchor="ctr" anchorCtr="0">
             <a:noAutofit/>
           </a:bodyPr>
           <a:lstStyle>
@@ -5142,20 +5188,12 @@
             </a:lvl9pPr>
           </a:lstStyle>
           <a:p>
-            <a:pPr indent="0" lvl="0" marL="0" rtl="0" algn="r">
-              <a:spcBef>
-                <a:spcPts val="0"/>
-              </a:spcBef>
-              <a:spcAft>
-                <a:spcPts val="0"/>
-              </a:spcAft>
-              <a:buNone/>
-            </a:pPr>
             <a:fld id="{00000000-1234-1234-1234-123412341234}" type="slidenum">
-              <a:rPr lang="en"/>
+              <a:rPr lang="en" smtClean="0"/>
+              <a:pPr/>
               <a:t>‹#›</a:t>
             </a:fld>
-            <a:endParaRPr/>
+            <a:endParaRPr lang="en"/>
           </a:p>
         </p:txBody>
       </p:sp>
@@ -5168,18 +5206,19 @@
 </file>
 
 <file path=ppt/slideMasters/slideMaster1.xml><?xml version="1.0" encoding="utf-8"?>
-<p:sldMaster xmlns:a="http://schemas.openxmlformats.org/drawingml/2006/main" xmlns:r="http://schemas.openxmlformats.org/officeDocument/2006/relationships" xmlns:mc="http://schemas.openxmlformats.org/markup-compatibility/2006" xmlns:mv="urn:schemas-microsoft-com:mac:vml" xmlns:p="http://schemas.openxmlformats.org/presentationml/2006/main" xmlns:c="http://schemas.openxmlformats.org/drawingml/2006/chart" xmlns:dgm="http://schemas.openxmlformats.org/drawingml/2006/diagram" xmlns:o="urn:schemas-microsoft-com:office:office" xmlns:v="urn:schemas-microsoft-com:vml" xmlns:pvml="urn:schemas-microsoft-com:office:powerpoint" xmlns:com="http://schemas.openxmlformats.org/drawingml/2006/compatibility" xmlns:p14="http://schemas.microsoft.com/office/powerpoint/2010/main" xmlns:p15="http://schemas.microsoft.com/office/powerpoint/2012/main" xmlns:ahyp="http://schemas.microsoft.com/office/drawing/2018/hyperlinkcolor">
+<p:sldMaster xmlns:a="http://schemas.openxmlformats.org/drawingml/2006/main" xmlns:r="http://schemas.openxmlformats.org/officeDocument/2006/relationships" xmlns:p="http://schemas.openxmlformats.org/presentationml/2006/main">
   <p:cSld name="plum">
     <p:bg>
       <p:bgPr>
         <a:solidFill>
           <a:schemeClr val="lt1"/>
         </a:solidFill>
+        <a:effectLst/>
       </p:bgPr>
     </p:bg>
     <p:spTree>
       <p:nvGrpSpPr>
-        <p:cNvPr id="5" name="Shape 5"/>
+        <p:cNvPr id="1" name="Shape 5"/>
         <p:cNvGrpSpPr/>
         <p:nvPr/>
       </p:nvGrpSpPr>
@@ -5194,15 +5233,17 @@
       <p:sp>
         <p:nvSpPr>
           <p:cNvPr id="6" name="Google Shape;6;p1"/>
-          <p:cNvSpPr txBox="1"/>
+          <p:cNvSpPr txBox="1">
+            <a:spLocks noGrp="1"/>
+          </p:cNvSpPr>
           <p:nvPr>
             <p:ph type="title"/>
           </p:nvPr>
         </p:nvSpPr>
         <p:spPr>
           <a:xfrm>
-            <a:off x="311700" y="445025"/>
-            <a:ext cx="8520600" cy="623400"/>
+            <a:off x="233775" y="445025"/>
+            <a:ext cx="6390450" cy="623400"/>
           </a:xfrm>
           <a:prstGeom prst="rect">
             <a:avLst/>
@@ -5213,7 +5254,7 @@
           </a:ln>
         </p:spPr>
         <p:txBody>
-          <a:bodyPr anchorCtr="0" anchor="t" bIns="91425" lIns="91425" spcFirstLastPara="1" rIns="91425" wrap="square" tIns="91425">
+          <a:bodyPr spcFirstLastPara="1" wrap="square" lIns="91425" tIns="91425" rIns="91425" bIns="91425" anchor="t" anchorCtr="0">
             <a:noAutofit/>
           </a:bodyPr>
           <a:lstStyle>
@@ -5230,7 +5271,7 @@
               <a:buSzPts val="3000"/>
               <a:buFont typeface="Raleway"/>
               <a:buNone/>
-              <a:defRPr b="1" sz="3000">
+              <a:defRPr sz="3000" b="1">
                 <a:solidFill>
                   <a:schemeClr val="dk2"/>
                 </a:solidFill>
@@ -5253,7 +5294,7 @@
               <a:buSzPts val="3000"/>
               <a:buFont typeface="Raleway"/>
               <a:buNone/>
-              <a:defRPr b="1" sz="3000">
+              <a:defRPr sz="3000" b="1">
                 <a:solidFill>
                   <a:schemeClr val="dk2"/>
                 </a:solidFill>
@@ -5276,7 +5317,7 @@
               <a:buSzPts val="3000"/>
               <a:buFont typeface="Raleway"/>
               <a:buNone/>
-              <a:defRPr b="1" sz="3000">
+              <a:defRPr sz="3000" b="1">
                 <a:solidFill>
                   <a:schemeClr val="dk2"/>
                 </a:solidFill>
@@ -5299,7 +5340,7 @@
               <a:buSzPts val="3000"/>
               <a:buFont typeface="Raleway"/>
               <a:buNone/>
-              <a:defRPr b="1" sz="3000">
+              <a:defRPr sz="3000" b="1">
                 <a:solidFill>
                   <a:schemeClr val="dk2"/>
                 </a:solidFill>
@@ -5322,7 +5363,7 @@
               <a:buSzPts val="3000"/>
               <a:buFont typeface="Raleway"/>
               <a:buNone/>
-              <a:defRPr b="1" sz="3000">
+              <a:defRPr sz="3000" b="1">
                 <a:solidFill>
                   <a:schemeClr val="dk2"/>
                 </a:solidFill>
@@ -5345,7 +5386,7 @@
               <a:buSzPts val="3000"/>
               <a:buFont typeface="Raleway"/>
               <a:buNone/>
-              <a:defRPr b="1" sz="3000">
+              <a:defRPr sz="3000" b="1">
                 <a:solidFill>
                   <a:schemeClr val="dk2"/>
                 </a:solidFill>
@@ -5368,7 +5409,7 @@
               <a:buSzPts val="3000"/>
               <a:buFont typeface="Raleway"/>
               <a:buNone/>
-              <a:defRPr b="1" sz="3000">
+              <a:defRPr sz="3000" b="1">
                 <a:solidFill>
                   <a:schemeClr val="dk2"/>
                 </a:solidFill>
@@ -5391,7 +5432,7 @@
               <a:buSzPts val="3000"/>
               <a:buFont typeface="Raleway"/>
               <a:buNone/>
-              <a:defRPr b="1" sz="3000">
+              <a:defRPr sz="3000" b="1">
                 <a:solidFill>
                   <a:schemeClr val="dk2"/>
                 </a:solidFill>
@@ -5414,7 +5455,7 @@
               <a:buSzPts val="3000"/>
               <a:buFont typeface="Raleway"/>
               <a:buNone/>
-              <a:defRPr b="1" sz="3000">
+              <a:defRPr sz="3000" b="1">
                 <a:solidFill>
                   <a:schemeClr val="dk2"/>
                 </a:solidFill>
@@ -5425,21 +5466,25 @@
               </a:defRPr>
             </a:lvl9pPr>
           </a:lstStyle>
-          <a:p/>
+          <a:p>
+            <a:endParaRPr/>
+          </a:p>
         </p:txBody>
       </p:sp>
       <p:sp>
         <p:nvSpPr>
           <p:cNvPr id="7" name="Google Shape;7;p1"/>
-          <p:cNvSpPr txBox="1"/>
+          <p:cNvSpPr txBox="1">
+            <a:spLocks noGrp="1"/>
+          </p:cNvSpPr>
           <p:nvPr>
-            <p:ph idx="1" type="body"/>
+            <p:ph type="body" idx="1"/>
           </p:nvPr>
         </p:nvSpPr>
         <p:spPr>
           <a:xfrm>
-            <a:off x="311700" y="1152475"/>
-            <a:ext cx="8520600" cy="3416400"/>
+            <a:off x="233775" y="1152475"/>
+            <a:ext cx="6390450" cy="3416400"/>
           </a:xfrm>
           <a:prstGeom prst="rect">
             <a:avLst/>
@@ -5450,11 +5495,11 @@
           </a:ln>
         </p:spPr>
         <p:txBody>
-          <a:bodyPr anchorCtr="0" anchor="t" bIns="91425" lIns="91425" spcFirstLastPara="1" rIns="91425" wrap="square" tIns="91425">
+          <a:bodyPr spcFirstLastPara="1" wrap="square" lIns="91425" tIns="91425" rIns="91425" bIns="91425" anchor="t" anchorCtr="0">
             <a:noAutofit/>
           </a:bodyPr>
           <a:lstStyle>
-            <a:lvl1pPr indent="-342900" lvl="0" marL="457200">
+            <a:lvl1pPr marL="457200" lvl="0" indent="-342900">
               <a:lnSpc>
                 <a:spcPct val="115000"/>
               </a:lnSpc>
@@ -5480,7 +5525,7 @@
                 <a:sym typeface="Source Sans Pro"/>
               </a:defRPr>
             </a:lvl1pPr>
-            <a:lvl2pPr indent="-317500" lvl="1" marL="914400">
+            <a:lvl2pPr marL="914400" lvl="1" indent="-317500">
               <a:lnSpc>
                 <a:spcPct val="115000"/>
               </a:lnSpc>
@@ -5506,7 +5551,7 @@
                 <a:sym typeface="Source Sans Pro"/>
               </a:defRPr>
             </a:lvl2pPr>
-            <a:lvl3pPr indent="-317500" lvl="2" marL="1371600">
+            <a:lvl3pPr marL="1371600" lvl="2" indent="-317500">
               <a:lnSpc>
                 <a:spcPct val="115000"/>
               </a:lnSpc>
@@ -5532,7 +5577,7 @@
                 <a:sym typeface="Source Sans Pro"/>
               </a:defRPr>
             </a:lvl3pPr>
-            <a:lvl4pPr indent="-317500" lvl="3" marL="1828800">
+            <a:lvl4pPr marL="1828800" lvl="3" indent="-317500">
               <a:lnSpc>
                 <a:spcPct val="115000"/>
               </a:lnSpc>
@@ -5558,7 +5603,7 @@
                 <a:sym typeface="Source Sans Pro"/>
               </a:defRPr>
             </a:lvl4pPr>
-            <a:lvl5pPr indent="-317500" lvl="4" marL="2286000">
+            <a:lvl5pPr marL="2286000" lvl="4" indent="-317500">
               <a:lnSpc>
                 <a:spcPct val="115000"/>
               </a:lnSpc>
@@ -5584,7 +5629,7 @@
                 <a:sym typeface="Source Sans Pro"/>
               </a:defRPr>
             </a:lvl5pPr>
-            <a:lvl6pPr indent="-317500" lvl="5" marL="2743200">
+            <a:lvl6pPr marL="2743200" lvl="5" indent="-317500">
               <a:lnSpc>
                 <a:spcPct val="115000"/>
               </a:lnSpc>
@@ -5610,7 +5655,7 @@
                 <a:sym typeface="Source Sans Pro"/>
               </a:defRPr>
             </a:lvl6pPr>
-            <a:lvl7pPr indent="-317500" lvl="6" marL="3200400">
+            <a:lvl7pPr marL="3200400" lvl="6" indent="-317500">
               <a:lnSpc>
                 <a:spcPct val="115000"/>
               </a:lnSpc>
@@ -5636,7 +5681,7 @@
                 <a:sym typeface="Source Sans Pro"/>
               </a:defRPr>
             </a:lvl7pPr>
-            <a:lvl8pPr indent="-317500" lvl="7" marL="3657600">
+            <a:lvl8pPr marL="3657600" lvl="7" indent="-317500">
               <a:lnSpc>
                 <a:spcPct val="115000"/>
               </a:lnSpc>
@@ -5662,7 +5707,7 @@
                 <a:sym typeface="Source Sans Pro"/>
               </a:defRPr>
             </a:lvl8pPr>
-            <a:lvl9pPr indent="-317500" lvl="8" marL="4114800">
+            <a:lvl9pPr marL="4114800" lvl="8" indent="-317500">
               <a:lnSpc>
                 <a:spcPct val="115000"/>
               </a:lnSpc>
@@ -5689,21 +5734,25 @@
               </a:defRPr>
             </a:lvl9pPr>
           </a:lstStyle>
-          <a:p/>
+          <a:p>
+            <a:endParaRPr/>
+          </a:p>
         </p:txBody>
       </p:sp>
       <p:sp>
         <p:nvSpPr>
           <p:cNvPr id="8" name="Google Shape;8;p1"/>
-          <p:cNvSpPr txBox="1"/>
+          <p:cNvSpPr txBox="1">
+            <a:spLocks noGrp="1"/>
+          </p:cNvSpPr>
           <p:nvPr>
-            <p:ph idx="12" type="sldNum"/>
+            <p:ph type="sldNum" idx="12"/>
           </p:nvPr>
         </p:nvSpPr>
         <p:spPr>
           <a:xfrm>
-            <a:off x="8497999" y="4688759"/>
-            <a:ext cx="548700" cy="393600"/>
+            <a:off x="6373499" y="4688759"/>
+            <a:ext cx="411525" cy="393600"/>
           </a:xfrm>
           <a:prstGeom prst="rect">
             <a:avLst/>
@@ -5714,13 +5763,13 @@
           </a:ln>
         </p:spPr>
         <p:txBody>
-          <a:bodyPr anchorCtr="0" anchor="ctr" bIns="91425" lIns="91425" spcFirstLastPara="1" rIns="91425" wrap="square" tIns="91425">
+          <a:bodyPr spcFirstLastPara="1" wrap="square" lIns="91425" tIns="91425" rIns="91425" bIns="91425" anchor="ctr" anchorCtr="0">
             <a:noAutofit/>
           </a:bodyPr>
           <a:lstStyle>
             <a:lvl1pPr lvl="0" algn="r">
               <a:buNone/>
-              <a:defRPr sz="1000">
+              <a:defRPr sz="750">
                 <a:solidFill>
                   <a:schemeClr val="lt2"/>
                 </a:solidFill>
@@ -5732,7 +5781,7 @@
             </a:lvl1pPr>
             <a:lvl2pPr lvl="1" algn="r">
               <a:buNone/>
-              <a:defRPr sz="1000">
+              <a:defRPr sz="750">
                 <a:solidFill>
                   <a:schemeClr val="lt2"/>
                 </a:solidFill>
@@ -5744,7 +5793,7 @@
             </a:lvl2pPr>
             <a:lvl3pPr lvl="2" algn="r">
               <a:buNone/>
-              <a:defRPr sz="1000">
+              <a:defRPr sz="750">
                 <a:solidFill>
                   <a:schemeClr val="lt2"/>
                 </a:solidFill>
@@ -5756,7 +5805,7 @@
             </a:lvl3pPr>
             <a:lvl4pPr lvl="3" algn="r">
               <a:buNone/>
-              <a:defRPr sz="1000">
+              <a:defRPr sz="750">
                 <a:solidFill>
                   <a:schemeClr val="lt2"/>
                 </a:solidFill>
@@ -5768,7 +5817,7 @@
             </a:lvl4pPr>
             <a:lvl5pPr lvl="4" algn="r">
               <a:buNone/>
-              <a:defRPr sz="1000">
+              <a:defRPr sz="750">
                 <a:solidFill>
                   <a:schemeClr val="lt2"/>
                 </a:solidFill>
@@ -5780,7 +5829,7 @@
             </a:lvl5pPr>
             <a:lvl6pPr lvl="5" algn="r">
               <a:buNone/>
-              <a:defRPr sz="1000">
+              <a:defRPr sz="750">
                 <a:solidFill>
                   <a:schemeClr val="lt2"/>
                 </a:solidFill>
@@ -5792,7 +5841,7 @@
             </a:lvl6pPr>
             <a:lvl7pPr lvl="6" algn="r">
               <a:buNone/>
-              <a:defRPr sz="1000">
+              <a:defRPr sz="750">
                 <a:solidFill>
                   <a:schemeClr val="lt2"/>
                 </a:solidFill>
@@ -5804,7 +5853,7 @@
             </a:lvl7pPr>
             <a:lvl8pPr lvl="7" algn="r">
               <a:buNone/>
-              <a:defRPr sz="1000">
+              <a:defRPr sz="750">
                 <a:solidFill>
                   <a:schemeClr val="lt2"/>
                 </a:solidFill>
@@ -5816,7 +5865,7 @@
             </a:lvl8pPr>
             <a:lvl9pPr lvl="8" algn="r">
               <a:buNone/>
-              <a:defRPr sz="1000">
+              <a:defRPr sz="750">
                 <a:solidFill>
                   <a:schemeClr val="lt2"/>
                 </a:solidFill>
@@ -5828,26 +5877,18 @@
             </a:lvl9pPr>
           </a:lstStyle>
           <a:p>
-            <a:pPr indent="0" lvl="0" marL="0" rtl="0" algn="r">
-              <a:spcBef>
-                <a:spcPts val="0"/>
-              </a:spcBef>
-              <a:spcAft>
-                <a:spcPts val="0"/>
-              </a:spcAft>
-              <a:buNone/>
-            </a:pPr>
             <a:fld id="{00000000-1234-1234-1234-123412341234}" type="slidenum">
-              <a:rPr lang="en"/>
+              <a:rPr lang="en" smtClean="0"/>
+              <a:pPr/>
               <a:t>‹#›</a:t>
             </a:fld>
-            <a:endParaRPr/>
+            <a:endParaRPr lang="en"/>
           </a:p>
         </p:txBody>
       </p:sp>
     </p:spTree>
   </p:cSld>
-  <p:clrMap accent1="accent1" accent2="accent2" accent3="accent3" accent4="accent4" accent5="accent5" accent6="accent6" bg1="lt1" bg2="dk2" tx1="dk1" tx2="lt2" folHlink="folHlink" hlink="hlink"/>
+  <p:clrMap bg1="lt1" tx1="dk1" bg2="dk2" tx2="lt2" accent1="accent1" accent2="accent2" accent3="accent3" accent4="accent4" accent5="accent5" accent6="accent6" hlink="hlink" folHlink="folHlink"/>
   <p:sldLayoutIdLst>
     <p:sldLayoutId id="2147483648" r:id="rId1"/>
     <p:sldLayoutId id="2147483649" r:id="rId2"/>
@@ -5861,10 +5902,10 @@
     <p:sldLayoutId id="2147483657" r:id="rId10"/>
     <p:sldLayoutId id="2147483658" r:id="rId11"/>
   </p:sldLayoutIdLst>
-  <p:hf dt="0" ftr="0" hdr="0" sldNum="0"/>
+  <p:hf sldNum="0" hdr="0" ftr="0" dt="0"/>
   <p:txStyles>
     <p:titleStyle>
-      <a:defPPr lvl="0" marR="0" rtl="0" algn="l">
+      <a:defPPr marR="0" lvl="0" algn="l" rtl="0">
         <a:lnSpc>
           <a:spcPct val="100000"/>
         </a:lnSpc>
@@ -5875,7 +5916,7 @@
           <a:spcPts val="0"/>
         </a:spcAft>
       </a:defPPr>
-      <a:lvl1pPr lvl="0" marR="0" rtl="0" algn="l">
+      <a:lvl1pPr marR="0" lvl="0" algn="l" rtl="0">
         <a:lnSpc>
           <a:spcPct val="100000"/>
         </a:lnSpc>
@@ -5889,7 +5930,7 @@
           <a:srgbClr val="000000"/>
         </a:buClr>
         <a:buFont typeface="Arial"/>
-        <a:defRPr b="0" i="0" sz="1400" u="none" cap="none" strike="noStrike">
+        <a:defRPr sz="1050" b="0" i="0" u="none" strike="noStrike" cap="none">
           <a:solidFill>
             <a:srgbClr val="000000"/>
           </a:solidFill>
@@ -5899,7 +5940,7 @@
           <a:sym typeface="Arial"/>
         </a:defRPr>
       </a:lvl1pPr>
-      <a:lvl2pPr lvl="1" marR="0" rtl="0" algn="l">
+      <a:lvl2pPr marR="0" lvl="1" algn="l" rtl="0">
         <a:lnSpc>
           <a:spcPct val="100000"/>
         </a:lnSpc>
@@ -5913,7 +5954,7 @@
           <a:srgbClr val="000000"/>
         </a:buClr>
         <a:buFont typeface="Arial"/>
-        <a:defRPr b="0" i="0" sz="1400" u="none" cap="none" strike="noStrike">
+        <a:defRPr sz="1050" b="0" i="0" u="none" strike="noStrike" cap="none">
           <a:solidFill>
             <a:srgbClr val="000000"/>
           </a:solidFill>
@@ -5923,7 +5964,7 @@
           <a:sym typeface="Arial"/>
         </a:defRPr>
       </a:lvl2pPr>
-      <a:lvl3pPr lvl="2" marR="0" rtl="0" algn="l">
+      <a:lvl3pPr marR="0" lvl="2" algn="l" rtl="0">
         <a:lnSpc>
           <a:spcPct val="100000"/>
         </a:lnSpc>
@@ -5937,7 +5978,7 @@
           <a:srgbClr val="000000"/>
         </a:buClr>
         <a:buFont typeface="Arial"/>
-        <a:defRPr b="0" i="0" sz="1400" u="none" cap="none" strike="noStrike">
+        <a:defRPr sz="1050" b="0" i="0" u="none" strike="noStrike" cap="none">
           <a:solidFill>
             <a:srgbClr val="000000"/>
           </a:solidFill>
@@ -5947,7 +5988,7 @@
           <a:sym typeface="Arial"/>
         </a:defRPr>
       </a:lvl3pPr>
-      <a:lvl4pPr lvl="3" marR="0" rtl="0" algn="l">
+      <a:lvl4pPr marR="0" lvl="3" algn="l" rtl="0">
         <a:lnSpc>
           <a:spcPct val="100000"/>
         </a:lnSpc>
@@ -5961,7 +6002,7 @@
           <a:srgbClr val="000000"/>
         </a:buClr>
         <a:buFont typeface="Arial"/>
-        <a:defRPr b="0" i="0" sz="1400" u="none" cap="none" strike="noStrike">
+        <a:defRPr sz="1050" b="0" i="0" u="none" strike="noStrike" cap="none">
           <a:solidFill>
             <a:srgbClr val="000000"/>
           </a:solidFill>
@@ -5971,7 +6012,7 @@
           <a:sym typeface="Arial"/>
         </a:defRPr>
       </a:lvl4pPr>
-      <a:lvl5pPr lvl="4" marR="0" rtl="0" algn="l">
+      <a:lvl5pPr marR="0" lvl="4" algn="l" rtl="0">
         <a:lnSpc>
           <a:spcPct val="100000"/>
         </a:lnSpc>
@@ -5985,7 +6026,7 @@
           <a:srgbClr val="000000"/>
         </a:buClr>
         <a:buFont typeface="Arial"/>
-        <a:defRPr b="0" i="0" sz="1400" u="none" cap="none" strike="noStrike">
+        <a:defRPr sz="1050" b="0" i="0" u="none" strike="noStrike" cap="none">
           <a:solidFill>
             <a:srgbClr val="000000"/>
           </a:solidFill>
@@ -5995,7 +6036,7 @@
           <a:sym typeface="Arial"/>
         </a:defRPr>
       </a:lvl5pPr>
-      <a:lvl6pPr lvl="5" marR="0" rtl="0" algn="l">
+      <a:lvl6pPr marR="0" lvl="5" algn="l" rtl="0">
         <a:lnSpc>
           <a:spcPct val="100000"/>
         </a:lnSpc>
@@ -6009,7 +6050,7 @@
           <a:srgbClr val="000000"/>
         </a:buClr>
         <a:buFont typeface="Arial"/>
-        <a:defRPr b="0" i="0" sz="1400" u="none" cap="none" strike="noStrike">
+        <a:defRPr sz="1050" b="0" i="0" u="none" strike="noStrike" cap="none">
           <a:solidFill>
             <a:srgbClr val="000000"/>
           </a:solidFill>
@@ -6019,7 +6060,7 @@
           <a:sym typeface="Arial"/>
         </a:defRPr>
       </a:lvl6pPr>
-      <a:lvl7pPr lvl="6" marR="0" rtl="0" algn="l">
+      <a:lvl7pPr marR="0" lvl="6" algn="l" rtl="0">
         <a:lnSpc>
           <a:spcPct val="100000"/>
         </a:lnSpc>
@@ -6033,7 +6074,7 @@
           <a:srgbClr val="000000"/>
         </a:buClr>
         <a:buFont typeface="Arial"/>
-        <a:defRPr b="0" i="0" sz="1400" u="none" cap="none" strike="noStrike">
+        <a:defRPr sz="1050" b="0" i="0" u="none" strike="noStrike" cap="none">
           <a:solidFill>
             <a:srgbClr val="000000"/>
           </a:solidFill>
@@ -6043,7 +6084,7 @@
           <a:sym typeface="Arial"/>
         </a:defRPr>
       </a:lvl7pPr>
-      <a:lvl8pPr lvl="7" marR="0" rtl="0" algn="l">
+      <a:lvl8pPr marR="0" lvl="7" algn="l" rtl="0">
         <a:lnSpc>
           <a:spcPct val="100000"/>
         </a:lnSpc>
@@ -6057,7 +6098,7 @@
           <a:srgbClr val="000000"/>
         </a:buClr>
         <a:buFont typeface="Arial"/>
-        <a:defRPr b="0" i="0" sz="1400" u="none" cap="none" strike="noStrike">
+        <a:defRPr sz="1050" b="0" i="0" u="none" strike="noStrike" cap="none">
           <a:solidFill>
             <a:srgbClr val="000000"/>
           </a:solidFill>
@@ -6067,7 +6108,7 @@
           <a:sym typeface="Arial"/>
         </a:defRPr>
       </a:lvl8pPr>
-      <a:lvl9pPr lvl="8" marR="0" rtl="0" algn="l">
+      <a:lvl9pPr marR="0" lvl="8" algn="l" rtl="0">
         <a:lnSpc>
           <a:spcPct val="100000"/>
         </a:lnSpc>
@@ -6081,7 +6122,7 @@
           <a:srgbClr val="000000"/>
         </a:buClr>
         <a:buFont typeface="Arial"/>
-        <a:defRPr b="0" i="0" sz="1400" u="none" cap="none" strike="noStrike">
+        <a:defRPr sz="1050" b="0" i="0" u="none" strike="noStrike" cap="none">
           <a:solidFill>
             <a:srgbClr val="000000"/>
           </a:solidFill>
@@ -6093,7 +6134,7 @@
       </a:lvl9pPr>
     </p:titleStyle>
     <p:bodyStyle>
-      <a:defPPr lvl="0" marR="0" rtl="0" algn="l">
+      <a:defPPr marR="0" lvl="0" algn="l" rtl="0">
         <a:lnSpc>
           <a:spcPct val="100000"/>
         </a:lnSpc>
@@ -6104,7 +6145,7 @@
           <a:spcPts val="0"/>
         </a:spcAft>
       </a:defPPr>
-      <a:lvl1pPr lvl="0" marR="0" rtl="0" algn="l">
+      <a:lvl1pPr marR="0" lvl="0" algn="l" rtl="0">
         <a:lnSpc>
           <a:spcPct val="100000"/>
         </a:lnSpc>
@@ -6118,7 +6159,7 @@
           <a:srgbClr val="000000"/>
         </a:buClr>
         <a:buFont typeface="Arial"/>
-        <a:defRPr b="0" i="0" sz="1400" u="none" cap="none" strike="noStrike">
+        <a:defRPr sz="1050" b="0" i="0" u="none" strike="noStrike" cap="none">
           <a:solidFill>
             <a:srgbClr val="000000"/>
           </a:solidFill>
@@ -6128,7 +6169,7 @@
           <a:sym typeface="Arial"/>
         </a:defRPr>
       </a:lvl1pPr>
-      <a:lvl2pPr lvl="1" marR="0" rtl="0" algn="l">
+      <a:lvl2pPr marR="0" lvl="1" algn="l" rtl="0">
         <a:lnSpc>
           <a:spcPct val="100000"/>
         </a:lnSpc>
@@ -6142,7 +6183,7 @@
           <a:srgbClr val="000000"/>
         </a:buClr>
         <a:buFont typeface="Arial"/>
-        <a:defRPr b="0" i="0" sz="1400" u="none" cap="none" strike="noStrike">
+        <a:defRPr sz="1050" b="0" i="0" u="none" strike="noStrike" cap="none">
           <a:solidFill>
             <a:srgbClr val="000000"/>
           </a:solidFill>
@@ -6152,7 +6193,7 @@
           <a:sym typeface="Arial"/>
         </a:defRPr>
       </a:lvl2pPr>
-      <a:lvl3pPr lvl="2" marR="0" rtl="0" algn="l">
+      <a:lvl3pPr marR="0" lvl="2" algn="l" rtl="0">
         <a:lnSpc>
           <a:spcPct val="100000"/>
         </a:lnSpc>
@@ -6166,7 +6207,7 @@
           <a:srgbClr val="000000"/>
         </a:buClr>
         <a:buFont typeface="Arial"/>
-        <a:defRPr b="0" i="0" sz="1400" u="none" cap="none" strike="noStrike">
+        <a:defRPr sz="1050" b="0" i="0" u="none" strike="noStrike" cap="none">
           <a:solidFill>
             <a:srgbClr val="000000"/>
           </a:solidFill>
@@ -6176,7 +6217,7 @@
           <a:sym typeface="Arial"/>
         </a:defRPr>
       </a:lvl3pPr>
-      <a:lvl4pPr lvl="3" marR="0" rtl="0" algn="l">
+      <a:lvl4pPr marR="0" lvl="3" algn="l" rtl="0">
         <a:lnSpc>
           <a:spcPct val="100000"/>
         </a:lnSpc>
@@ -6190,7 +6231,7 @@
           <a:srgbClr val="000000"/>
         </a:buClr>
         <a:buFont typeface="Arial"/>
-        <a:defRPr b="0" i="0" sz="1400" u="none" cap="none" strike="noStrike">
+        <a:defRPr sz="1050" b="0" i="0" u="none" strike="noStrike" cap="none">
           <a:solidFill>
             <a:srgbClr val="000000"/>
           </a:solidFill>
@@ -6200,7 +6241,7 @@
           <a:sym typeface="Arial"/>
         </a:defRPr>
       </a:lvl4pPr>
-      <a:lvl5pPr lvl="4" marR="0" rtl="0" algn="l">
+      <a:lvl5pPr marR="0" lvl="4" algn="l" rtl="0">
         <a:lnSpc>
           <a:spcPct val="100000"/>
         </a:lnSpc>
@@ -6214,7 +6255,7 @@
           <a:srgbClr val="000000"/>
         </a:buClr>
         <a:buFont typeface="Arial"/>
-        <a:defRPr b="0" i="0" sz="1400" u="none" cap="none" strike="noStrike">
+        <a:defRPr sz="1050" b="0" i="0" u="none" strike="noStrike" cap="none">
           <a:solidFill>
             <a:srgbClr val="000000"/>
           </a:solidFill>
@@ -6224,7 +6265,7 @@
           <a:sym typeface="Arial"/>
         </a:defRPr>
       </a:lvl5pPr>
-      <a:lvl6pPr lvl="5" marR="0" rtl="0" algn="l">
+      <a:lvl6pPr marR="0" lvl="5" algn="l" rtl="0">
         <a:lnSpc>
           <a:spcPct val="100000"/>
         </a:lnSpc>
@@ -6238,7 +6279,7 @@
           <a:srgbClr val="000000"/>
         </a:buClr>
         <a:buFont typeface="Arial"/>
-        <a:defRPr b="0" i="0" sz="1400" u="none" cap="none" strike="noStrike">
+        <a:defRPr sz="1050" b="0" i="0" u="none" strike="noStrike" cap="none">
           <a:solidFill>
             <a:srgbClr val="000000"/>
           </a:solidFill>
@@ -6248,7 +6289,7 @@
           <a:sym typeface="Arial"/>
         </a:defRPr>
       </a:lvl6pPr>
-      <a:lvl7pPr lvl="6" marR="0" rtl="0" algn="l">
+      <a:lvl7pPr marR="0" lvl="6" algn="l" rtl="0">
         <a:lnSpc>
           <a:spcPct val="100000"/>
         </a:lnSpc>
@@ -6262,7 +6303,7 @@
           <a:srgbClr val="000000"/>
         </a:buClr>
         <a:buFont typeface="Arial"/>
-        <a:defRPr b="0" i="0" sz="1400" u="none" cap="none" strike="noStrike">
+        <a:defRPr sz="1050" b="0" i="0" u="none" strike="noStrike" cap="none">
           <a:solidFill>
             <a:srgbClr val="000000"/>
           </a:solidFill>
@@ -6272,7 +6313,7 @@
           <a:sym typeface="Arial"/>
         </a:defRPr>
       </a:lvl7pPr>
-      <a:lvl8pPr lvl="7" marR="0" rtl="0" algn="l">
+      <a:lvl8pPr marR="0" lvl="7" algn="l" rtl="0">
         <a:lnSpc>
           <a:spcPct val="100000"/>
         </a:lnSpc>
@@ -6286,7 +6327,7 @@
           <a:srgbClr val="000000"/>
         </a:buClr>
         <a:buFont typeface="Arial"/>
-        <a:defRPr b="0" i="0" sz="1400" u="none" cap="none" strike="noStrike">
+        <a:defRPr sz="1050" b="0" i="0" u="none" strike="noStrike" cap="none">
           <a:solidFill>
             <a:srgbClr val="000000"/>
           </a:solidFill>
@@ -6296,7 +6337,7 @@
           <a:sym typeface="Arial"/>
         </a:defRPr>
       </a:lvl8pPr>
-      <a:lvl9pPr lvl="8" marR="0" rtl="0" algn="l">
+      <a:lvl9pPr marR="0" lvl="8" algn="l" rtl="0">
         <a:lnSpc>
           <a:spcPct val="100000"/>
         </a:lnSpc>
@@ -6310,7 +6351,7 @@
           <a:srgbClr val="000000"/>
         </a:buClr>
         <a:buFont typeface="Arial"/>
-        <a:defRPr b="0" i="0" sz="1400" u="none" cap="none" strike="noStrike">
+        <a:defRPr sz="1050" b="0" i="0" u="none" strike="noStrike" cap="none">
           <a:solidFill>
             <a:srgbClr val="000000"/>
           </a:solidFill>
@@ -6322,7 +6363,7 @@
       </a:lvl9pPr>
     </p:bodyStyle>
     <p:otherStyle>
-      <a:defPPr lvl="0" marR="0" rtl="0" algn="l">
+      <a:defPPr marR="0" lvl="0" algn="l" rtl="0">
         <a:lnSpc>
           <a:spcPct val="100000"/>
         </a:lnSpc>
@@ -6333,7 +6374,7 @@
           <a:spcPts val="0"/>
         </a:spcAft>
       </a:defPPr>
-      <a:lvl1pPr lvl="0" marR="0" rtl="0" algn="l">
+      <a:lvl1pPr marR="0" lvl="0" algn="l" rtl="0">
         <a:lnSpc>
           <a:spcPct val="100000"/>
         </a:lnSpc>
@@ -6347,7 +6388,7 @@
           <a:srgbClr val="000000"/>
         </a:buClr>
         <a:buFont typeface="Arial"/>
-        <a:defRPr b="0" i="0" sz="1400" u="none" cap="none" strike="noStrike">
+        <a:defRPr sz="1050" b="0" i="0" u="none" strike="noStrike" cap="none">
           <a:solidFill>
             <a:srgbClr val="000000"/>
           </a:solidFill>
@@ -6357,7 +6398,7 @@
           <a:sym typeface="Arial"/>
         </a:defRPr>
       </a:lvl1pPr>
-      <a:lvl2pPr lvl="1" marR="0" rtl="0" algn="l">
+      <a:lvl2pPr marR="0" lvl="1" algn="l" rtl="0">
         <a:lnSpc>
           <a:spcPct val="100000"/>
         </a:lnSpc>
@@ -6371,7 +6412,7 @@
           <a:srgbClr val="000000"/>
         </a:buClr>
         <a:buFont typeface="Arial"/>
-        <a:defRPr b="0" i="0" sz="1400" u="none" cap="none" strike="noStrike">
+        <a:defRPr sz="1050" b="0" i="0" u="none" strike="noStrike" cap="none">
           <a:solidFill>
             <a:srgbClr val="000000"/>
           </a:solidFill>
@@ -6381,7 +6422,7 @@
           <a:sym typeface="Arial"/>
         </a:defRPr>
       </a:lvl2pPr>
-      <a:lvl3pPr lvl="2" marR="0" rtl="0" algn="l">
+      <a:lvl3pPr marR="0" lvl="2" algn="l" rtl="0">
         <a:lnSpc>
           <a:spcPct val="100000"/>
         </a:lnSpc>
@@ -6395,7 +6436,7 @@
           <a:srgbClr val="000000"/>
         </a:buClr>
         <a:buFont typeface="Arial"/>
-        <a:defRPr b="0" i="0" sz="1400" u="none" cap="none" strike="noStrike">
+        <a:defRPr sz="1050" b="0" i="0" u="none" strike="noStrike" cap="none">
           <a:solidFill>
             <a:srgbClr val="000000"/>
           </a:solidFill>
@@ -6405,7 +6446,7 @@
           <a:sym typeface="Arial"/>
         </a:defRPr>
       </a:lvl3pPr>
-      <a:lvl4pPr lvl="3" marR="0" rtl="0" algn="l">
+      <a:lvl4pPr marR="0" lvl="3" algn="l" rtl="0">
         <a:lnSpc>
           <a:spcPct val="100000"/>
         </a:lnSpc>
@@ -6419,7 +6460,7 @@
           <a:srgbClr val="000000"/>
         </a:buClr>
         <a:buFont typeface="Arial"/>
-        <a:defRPr b="0" i="0" sz="1400" u="none" cap="none" strike="noStrike">
+        <a:defRPr sz="1050" b="0" i="0" u="none" strike="noStrike" cap="none">
           <a:solidFill>
             <a:srgbClr val="000000"/>
           </a:solidFill>
@@ -6429,7 +6470,7 @@
           <a:sym typeface="Arial"/>
         </a:defRPr>
       </a:lvl4pPr>
-      <a:lvl5pPr lvl="4" marR="0" rtl="0" algn="l">
+      <a:lvl5pPr marR="0" lvl="4" algn="l" rtl="0">
         <a:lnSpc>
           <a:spcPct val="100000"/>
         </a:lnSpc>
@@ -6443,7 +6484,7 @@
           <a:srgbClr val="000000"/>
         </a:buClr>
         <a:buFont typeface="Arial"/>
-        <a:defRPr b="0" i="0" sz="1400" u="none" cap="none" strike="noStrike">
+        <a:defRPr sz="1050" b="0" i="0" u="none" strike="noStrike" cap="none">
           <a:solidFill>
             <a:srgbClr val="000000"/>
           </a:solidFill>
@@ -6453,7 +6494,7 @@
           <a:sym typeface="Arial"/>
         </a:defRPr>
       </a:lvl5pPr>
-      <a:lvl6pPr lvl="5" marR="0" rtl="0" algn="l">
+      <a:lvl6pPr marR="0" lvl="5" algn="l" rtl="0">
         <a:lnSpc>
           <a:spcPct val="100000"/>
         </a:lnSpc>
@@ -6467,7 +6508,7 @@
           <a:srgbClr val="000000"/>
         </a:buClr>
         <a:buFont typeface="Arial"/>
-        <a:defRPr b="0" i="0" sz="1400" u="none" cap="none" strike="noStrike">
+        <a:defRPr sz="1050" b="0" i="0" u="none" strike="noStrike" cap="none">
           <a:solidFill>
             <a:srgbClr val="000000"/>
           </a:solidFill>
@@ -6477,7 +6518,7 @@
           <a:sym typeface="Arial"/>
         </a:defRPr>
       </a:lvl6pPr>
-      <a:lvl7pPr lvl="6" marR="0" rtl="0" algn="l">
+      <a:lvl7pPr marR="0" lvl="6" algn="l" rtl="0">
         <a:lnSpc>
           <a:spcPct val="100000"/>
         </a:lnSpc>
@@ -6491,7 +6532,7 @@
           <a:srgbClr val="000000"/>
         </a:buClr>
         <a:buFont typeface="Arial"/>
-        <a:defRPr b="0" i="0" sz="1400" u="none" cap="none" strike="noStrike">
+        <a:defRPr sz="1050" b="0" i="0" u="none" strike="noStrike" cap="none">
           <a:solidFill>
             <a:srgbClr val="000000"/>
           </a:solidFill>
@@ -6501,7 +6542,7 @@
           <a:sym typeface="Arial"/>
         </a:defRPr>
       </a:lvl7pPr>
-      <a:lvl8pPr lvl="7" marR="0" rtl="0" algn="l">
+      <a:lvl8pPr marR="0" lvl="7" algn="l" rtl="0">
         <a:lnSpc>
           <a:spcPct val="100000"/>
         </a:lnSpc>
@@ -6515,7 +6556,7 @@
           <a:srgbClr val="000000"/>
         </a:buClr>
         <a:buFont typeface="Arial"/>
-        <a:defRPr b="0" i="0" sz="1400" u="none" cap="none" strike="noStrike">
+        <a:defRPr sz="1050" b="0" i="0" u="none" strike="noStrike" cap="none">
           <a:solidFill>
             <a:srgbClr val="000000"/>
           </a:solidFill>
@@ -6525,7 +6566,7 @@
           <a:sym typeface="Arial"/>
         </a:defRPr>
       </a:lvl8pPr>
-      <a:lvl9pPr lvl="8" marR="0" rtl="0" algn="l">
+      <a:lvl9pPr marR="0" lvl="8" algn="l" rtl="0">
         <a:lnSpc>
           <a:spcPct val="100000"/>
         </a:lnSpc>
@@ -6539,7 +6580,7 @@
           <a:srgbClr val="000000"/>
         </a:buClr>
         <a:buFont typeface="Arial"/>
-        <a:defRPr b="0" i="0" sz="1400" u="none" cap="none" strike="noStrike">
+        <a:defRPr sz="1050" b="0" i="0" u="none" strike="noStrike" cap="none">
           <a:solidFill>
             <a:srgbClr val="000000"/>
           </a:solidFill>
@@ -6555,11 +6596,11 @@
 </file>
 
 <file path=ppt/slides/slide1.xml><?xml version="1.0" encoding="utf-8"?>
-<p:sld xmlns:a="http://schemas.openxmlformats.org/drawingml/2006/main" xmlns:r="http://schemas.openxmlformats.org/officeDocument/2006/relationships" xmlns:mc="http://schemas.openxmlformats.org/markup-compatibility/2006" xmlns:mv="urn:schemas-microsoft-com:mac:vml" xmlns:p="http://schemas.openxmlformats.org/presentationml/2006/main" xmlns:c="http://schemas.openxmlformats.org/drawingml/2006/chart" xmlns:dgm="http://schemas.openxmlformats.org/drawingml/2006/diagram" xmlns:o="urn:schemas-microsoft-com:office:office" xmlns:v="urn:schemas-microsoft-com:vml" xmlns:pvml="urn:schemas-microsoft-com:office:powerpoint" xmlns:com="http://schemas.openxmlformats.org/drawingml/2006/compatibility" xmlns:p14="http://schemas.microsoft.com/office/powerpoint/2010/main" xmlns:p15="http://schemas.microsoft.com/office/powerpoint/2012/main" xmlns:ahyp="http://schemas.microsoft.com/office/drawing/2018/hyperlinkcolor">
+<p:sld xmlns:a="http://schemas.openxmlformats.org/drawingml/2006/main" xmlns:r="http://schemas.openxmlformats.org/officeDocument/2006/relationships" xmlns:p="http://schemas.openxmlformats.org/presentationml/2006/main">
   <p:cSld>
     <p:spTree>
       <p:nvGrpSpPr>
-        <p:cNvPr id="57" name="Shape 57"/>
+        <p:cNvPr id="1" name="Shape 57"/>
         <p:cNvGrpSpPr/>
         <p:nvPr/>
       </p:nvGrpSpPr>
@@ -6574,46 +6615,31 @@
       <p:sp>
         <p:nvSpPr>
           <p:cNvPr id="58" name="Google Shape;58;p13"/>
-          <p:cNvSpPr txBox="1"/>
+          <p:cNvSpPr txBox="1">
+            <a:spLocks noGrp="1"/>
+          </p:cNvSpPr>
           <p:nvPr>
             <p:ph type="ctrTitle"/>
           </p:nvPr>
         </p:nvSpPr>
         <p:spPr>
           <a:xfrm>
-            <a:off x="485875" y="264475"/>
-            <a:ext cx="8183700" cy="1473600"/>
+            <a:off x="364406" y="841294"/>
+            <a:ext cx="6137775" cy="1105200"/>
           </a:xfrm>
           <a:prstGeom prst="rect">
             <a:avLst/>
           </a:prstGeom>
         </p:spPr>
         <p:txBody>
-          <a:bodyPr anchorCtr="0" anchor="b" bIns="91425" lIns="91425" spcFirstLastPara="1" rIns="91425" wrap="square" tIns="91425">
+          <a:bodyPr spcFirstLastPara="1" wrap="square" lIns="68569" tIns="68569" rIns="68569" bIns="68569" anchor="b" anchorCtr="0">
             <a:noAutofit/>
           </a:bodyPr>
           <a:lstStyle/>
           <a:p>
-            <a:pPr indent="0" lvl="0" marL="0" rtl="0" algn="l">
-              <a:spcBef>
-                <a:spcPts val="0"/>
-              </a:spcBef>
-              <a:spcAft>
-                <a:spcPts val="0"/>
-              </a:spcAft>
-              <a:buNone/>
-            </a:pPr>
             <a:r>
               <a:rPr lang="en"/>
-              <a:t>Prof. </a:t>
-            </a:r>
-            <a:r>
-              <a:rPr lang="en"/>
-              <a:t>Me. </a:t>
-            </a:r>
-            <a:r>
-              <a:rPr lang="en"/>
-              <a:t>João Paulo Biazotto</a:t>
+              <a:t>Prof. Me. João Paulo Biazotto</a:t>
             </a:r>
             <a:endParaRPr/>
           </a:p>
@@ -6622,38 +6648,29 @@
       <p:sp>
         <p:nvSpPr>
           <p:cNvPr id="59" name="Google Shape;59;p13"/>
-          <p:cNvSpPr txBox="1"/>
+          <p:cNvSpPr txBox="1">
+            <a:spLocks noGrp="1"/>
+          </p:cNvSpPr>
           <p:nvPr>
-            <p:ph idx="1" type="subTitle"/>
+            <p:ph type="subTitle" idx="1"/>
           </p:nvPr>
         </p:nvSpPr>
         <p:spPr>
           <a:xfrm>
-            <a:off x="485875" y="1738075"/>
-            <a:ext cx="8183700" cy="861000"/>
+            <a:off x="364406" y="1946494"/>
+            <a:ext cx="6137775" cy="645750"/>
           </a:xfrm>
           <a:prstGeom prst="rect">
             <a:avLst/>
           </a:prstGeom>
         </p:spPr>
         <p:txBody>
-          <a:bodyPr anchorCtr="0" anchor="t" bIns="91425" lIns="91425" spcFirstLastPara="1" rIns="91425" wrap="square" tIns="91425">
+          <a:bodyPr spcFirstLastPara="1" wrap="square" lIns="68569" tIns="68569" rIns="68569" bIns="68569" anchor="t" anchorCtr="0">
             <a:noAutofit/>
           </a:bodyPr>
           <a:lstStyle/>
           <a:p>
-            <a:pPr indent="0" lvl="0" marL="0" rtl="0" algn="l">
-              <a:spcBef>
-                <a:spcPts val="0"/>
-              </a:spcBef>
-              <a:spcAft>
-                <a:spcPts val="0"/>
-              </a:spcAft>
-              <a:buNone/>
-            </a:pPr>
-            <a:r>
-              <a:t/>
-            </a:r>
+            <a:pPr marL="0" indent="0"/>
             <a:endParaRPr/>
           </a:p>
         </p:txBody>
@@ -6667,11 +6684,11 @@
 </file>
 
 <file path=ppt/slides/slide2.xml><?xml version="1.0" encoding="utf-8"?>
-<p:sld xmlns:a="http://schemas.openxmlformats.org/drawingml/2006/main" xmlns:r="http://schemas.openxmlformats.org/officeDocument/2006/relationships" xmlns:mc="http://schemas.openxmlformats.org/markup-compatibility/2006" xmlns:mv="urn:schemas-microsoft-com:mac:vml" xmlns:p="http://schemas.openxmlformats.org/presentationml/2006/main" xmlns:c="http://schemas.openxmlformats.org/drawingml/2006/chart" xmlns:dgm="http://schemas.openxmlformats.org/drawingml/2006/diagram" xmlns:o="urn:schemas-microsoft-com:office:office" xmlns:v="urn:schemas-microsoft-com:vml" xmlns:pvml="urn:schemas-microsoft-com:office:powerpoint" xmlns:com="http://schemas.openxmlformats.org/drawingml/2006/compatibility" xmlns:p14="http://schemas.microsoft.com/office/powerpoint/2010/main" xmlns:p15="http://schemas.microsoft.com/office/powerpoint/2012/main" xmlns:ahyp="http://schemas.microsoft.com/office/drawing/2018/hyperlinkcolor">
+<p:sld xmlns:a="http://schemas.openxmlformats.org/drawingml/2006/main" xmlns:r="http://schemas.openxmlformats.org/officeDocument/2006/relationships" xmlns:p="http://schemas.openxmlformats.org/presentationml/2006/main">
   <p:cSld>
     <p:spTree>
       <p:nvGrpSpPr>
-        <p:cNvPr id="63" name="Shape 63"/>
+        <p:cNvPr id="1" name="Shape 63"/>
         <p:cNvGrpSpPr/>
         <p:nvPr/>
       </p:nvGrpSpPr>
@@ -6686,40 +6703,33 @@
       <p:sp>
         <p:nvSpPr>
           <p:cNvPr id="64" name="Google Shape;64;p14"/>
-          <p:cNvSpPr txBox="1"/>
+          <p:cNvSpPr txBox="1">
+            <a:spLocks noGrp="1"/>
+          </p:cNvSpPr>
           <p:nvPr>
             <p:ph type="title"/>
           </p:nvPr>
         </p:nvSpPr>
         <p:spPr>
           <a:xfrm>
-            <a:off x="311700" y="445025"/>
-            <a:ext cx="8520600" cy="623400"/>
+            <a:off x="164399" y="425416"/>
+            <a:ext cx="6390450" cy="467550"/>
           </a:xfrm>
           <a:prstGeom prst="rect">
             <a:avLst/>
           </a:prstGeom>
         </p:spPr>
         <p:txBody>
-          <a:bodyPr anchorCtr="0" anchor="t" bIns="91425" lIns="91425" spcFirstLastPara="1" rIns="91425" wrap="square" tIns="91425">
+          <a:bodyPr spcFirstLastPara="1" wrap="square" lIns="68569" tIns="68569" rIns="68569" bIns="68569" anchor="t" anchorCtr="0">
             <a:noAutofit/>
           </a:bodyPr>
           <a:lstStyle/>
           <a:p>
-            <a:pPr indent="0" lvl="0" marL="0" rtl="0" algn="l">
-              <a:spcBef>
-                <a:spcPts val="0"/>
-              </a:spcBef>
-              <a:spcAft>
-                <a:spcPts val="0"/>
-              </a:spcAft>
-              <a:buNone/>
-            </a:pPr>
             <a:r>
-              <a:rPr lang="en"/>
+              <a:rPr lang="en" dirty="0"/>
               <a:t>Formação</a:t>
             </a:r>
-            <a:endParaRPr/>
+            <a:endParaRPr dirty="0"/>
           </a:p>
         </p:txBody>
       </p:sp>
@@ -6731,21 +6741,21 @@
         </p:nvCxnSpPr>
         <p:spPr>
           <a:xfrm>
-            <a:off x="121100" y="2785475"/>
-            <a:ext cx="8635200" cy="4500"/>
+            <a:off x="90825" y="2732044"/>
+            <a:ext cx="6476400" cy="3375"/>
           </a:xfrm>
           <a:prstGeom prst="straightConnector1">
             <a:avLst/>
           </a:prstGeom>
           <a:noFill/>
-          <a:ln cap="flat" cmpd="sng" w="19050">
+          <a:ln w="19050" cap="flat" cmpd="sng">
             <a:solidFill>
               <a:schemeClr val="dk1"/>
             </a:solidFill>
             <a:prstDash val="dot"/>
             <a:round/>
-            <a:headEnd len="sm" w="sm" type="none"/>
-            <a:tailEnd len="sm" w="sm" type="none"/>
+            <a:headEnd type="none" w="sm" len="sm"/>
+            <a:tailEnd type="none" w="sm" len="sm"/>
           </a:ln>
         </p:spPr>
       </p:cxnSp>
@@ -6757,8 +6767,8 @@
         </p:nvGrpSpPr>
         <p:grpSpPr>
           <a:xfrm>
-            <a:off x="121100" y="1581271"/>
-            <a:ext cx="196200" cy="1306800"/>
+            <a:off x="90825" y="1828891"/>
+            <a:ext cx="147150" cy="980100"/>
             <a:chOff x="121100" y="1581271"/>
             <a:chExt cx="196200" cy="1306800"/>
           </a:xfrm>
@@ -6785,24 +6795,12 @@
             </a:ln>
           </p:spPr>
           <p:txBody>
-            <a:bodyPr anchorCtr="0" anchor="ctr" bIns="91425" lIns="91425" spcFirstLastPara="1" rIns="91425" wrap="square" tIns="91425">
+            <a:bodyPr spcFirstLastPara="1" wrap="square" lIns="68569" tIns="68569" rIns="68569" bIns="68569" anchor="ctr" anchorCtr="0">
               <a:noAutofit/>
             </a:bodyPr>
             <a:lstStyle/>
             <a:p>
-              <a:pPr indent="0" lvl="0" marL="0" rtl="0" algn="l">
-                <a:spcBef>
-                  <a:spcPts val="0"/>
-                </a:spcBef>
-                <a:spcAft>
-                  <a:spcPts val="0"/>
-                </a:spcAft>
-                <a:buNone/>
-              </a:pPr>
-              <a:r>
-                <a:t/>
-              </a:r>
-              <a:endParaRPr/>
+              <a:endParaRPr sz="1050"/>
             </a:p>
           </p:txBody>
         </p:sp>
@@ -6823,14 +6821,14 @@
               <a:avLst/>
             </a:prstGeom>
             <a:noFill/>
-            <a:ln cap="flat" cmpd="sng" w="19050">
+            <a:ln w="19050" cap="flat" cmpd="sng">
               <a:solidFill>
                 <a:schemeClr val="accent5"/>
               </a:solidFill>
               <a:prstDash val="solid"/>
               <a:round/>
-              <a:headEnd len="sm" w="sm" type="none"/>
-              <a:tailEnd len="med" w="med" type="oval"/>
+              <a:headEnd type="none" w="sm" len="sm"/>
+              <a:tailEnd type="oval" w="med" len="med"/>
             </a:ln>
           </p:spPr>
         </p:cxnSp>
@@ -6838,104 +6836,85 @@
       <p:sp>
         <p:nvSpPr>
           <p:cNvPr id="69" name="Google Shape;69;p14"/>
-          <p:cNvSpPr txBox="1"/>
+          <p:cNvSpPr txBox="1">
+            <a:spLocks noGrp="1"/>
+          </p:cNvSpPr>
           <p:nvPr>
-            <p:ph idx="4294967295" type="body"/>
+            <p:ph type="body" idx="4294967295"/>
           </p:nvPr>
         </p:nvSpPr>
         <p:spPr>
           <a:xfrm>
-            <a:off x="317300" y="1299975"/>
-            <a:ext cx="2824500" cy="971700"/>
+            <a:off x="237975" y="1617919"/>
+            <a:ext cx="2118375" cy="728775"/>
           </a:xfrm>
           <a:prstGeom prst="rect">
             <a:avLst/>
           </a:prstGeom>
         </p:spPr>
         <p:txBody>
-          <a:bodyPr anchorCtr="0" anchor="t" bIns="91425" lIns="91425" spcFirstLastPara="1" rIns="91425" wrap="square" tIns="91425">
+          <a:bodyPr spcFirstLastPara="1" wrap="square" lIns="68569" tIns="68569" rIns="68569" bIns="68569" anchor="t" anchorCtr="0">
             <a:noAutofit/>
           </a:bodyPr>
           <a:lstStyle/>
           <a:p>
-            <a:pPr indent="0" lvl="0" marL="0" rtl="0" algn="l">
-              <a:spcBef>
-                <a:spcPts val="0"/>
-              </a:spcBef>
-              <a:spcAft>
-                <a:spcPts val="0"/>
-              </a:spcAft>
+            <a:pPr marL="0" indent="0">
               <a:buNone/>
             </a:pPr>
             <a:r>
-              <a:rPr b="1" lang="en" sz="1600">
+              <a:rPr lang="en" sz="1200" b="1">
                 <a:solidFill>
                   <a:schemeClr val="dk2"/>
                 </a:solidFill>
               </a:rPr>
               <a:t>Bacharel em </a:t>
             </a:r>
-            <a:endParaRPr b="1" sz="1600">
+            <a:endParaRPr sz="1200" b="1">
               <a:solidFill>
                 <a:schemeClr val="dk2"/>
               </a:solidFill>
             </a:endParaRPr>
           </a:p>
           <a:p>
-            <a:pPr indent="0" lvl="0" marL="0" rtl="0" algn="l">
-              <a:spcBef>
-                <a:spcPts val="0"/>
-              </a:spcBef>
-              <a:spcAft>
-                <a:spcPts val="0"/>
-              </a:spcAft>
+            <a:pPr marL="0" indent="0">
               <a:buNone/>
             </a:pPr>
             <a:r>
-              <a:rPr b="1" lang="en" sz="1600">
+              <a:rPr lang="en" sz="1200" b="1">
                 <a:solidFill>
                   <a:schemeClr val="dk2"/>
                 </a:solidFill>
               </a:rPr>
               <a:t>Sistemas de Informação</a:t>
             </a:r>
-            <a:endParaRPr b="1" sz="1600">
+            <a:endParaRPr sz="1200" b="1">
               <a:solidFill>
                 <a:schemeClr val="dk2"/>
               </a:solidFill>
             </a:endParaRPr>
           </a:p>
           <a:p>
-            <a:pPr indent="0" lvl="0" marL="0" rtl="0" algn="l">
-              <a:spcBef>
-                <a:spcPts val="0"/>
-              </a:spcBef>
-              <a:spcAft>
-                <a:spcPts val="0"/>
-              </a:spcAft>
+            <a:pPr marL="0" indent="0">
               <a:buNone/>
             </a:pPr>
             <a:r>
-              <a:rPr lang="en" sz="1400"/>
+              <a:rPr lang="en" sz="1050"/>
               <a:t>Universidade Paranaense - UNIPAR</a:t>
             </a:r>
-            <a:endParaRPr sz="1400"/>
+            <a:endParaRPr sz="1050"/>
           </a:p>
           <a:p>
-            <a:pPr indent="0" lvl="0" marL="0" rtl="0" algn="l">
-              <a:spcBef>
-                <a:spcPts val="0"/>
-              </a:spcBef>
-              <a:spcAft>
-                <a:spcPts val="1600"/>
+            <a:pPr marL="0" indent="0">
+              <a:spcAft>
+                <a:spcPts val="1200"/>
               </a:spcAft>
               <a:buNone/>
             </a:pPr>
             <a:r>
-              <a:rPr lang="en" sz="1400"/>
+              <a:rPr lang="en" sz="1050"/>
               <a:t>Fev. 2014 - Dez. 2017</a:t>
             </a:r>
-            <a:endParaRPr sz="1400"/>
+            <a:endParaRPr sz="1050"/>
           </a:p>
         </p:txBody>
       </p:sp>
@@ -6947,8 +6926,8 @@
         </p:nvGrpSpPr>
         <p:grpSpPr>
           <a:xfrm>
-            <a:off x="1612775" y="2692171"/>
-            <a:ext cx="196200" cy="1404905"/>
+            <a:off x="1209581" y="2662066"/>
+            <a:ext cx="147150" cy="1053679"/>
             <a:chOff x="1612775" y="2692171"/>
             <a:chExt cx="196200" cy="1404905"/>
           </a:xfrm>
@@ -6968,14 +6947,14 @@
               <a:avLst/>
             </a:prstGeom>
             <a:noFill/>
-            <a:ln cap="flat" cmpd="sng" w="19050">
+            <a:ln w="19050" cap="flat" cmpd="sng">
               <a:solidFill>
                 <a:schemeClr val="accent5"/>
               </a:solidFill>
               <a:prstDash val="solid"/>
               <a:round/>
-              <a:headEnd len="sm" w="sm" type="none"/>
-              <a:tailEnd len="med" w="med" type="oval"/>
+              <a:headEnd type="none" w="sm" len="sm"/>
+              <a:tailEnd type="oval" w="med" len="med"/>
             </a:ln>
           </p:spPr>
         </p:cxnSp>
@@ -7001,24 +6980,12 @@
             </a:ln>
           </p:spPr>
           <p:txBody>
-            <a:bodyPr anchorCtr="0" anchor="ctr" bIns="91425" lIns="91425" spcFirstLastPara="1" rIns="91425" wrap="square" tIns="91425">
+            <a:bodyPr spcFirstLastPara="1" wrap="square" lIns="68569" tIns="68569" rIns="68569" bIns="68569" anchor="ctr" anchorCtr="0">
               <a:noAutofit/>
             </a:bodyPr>
             <a:lstStyle/>
             <a:p>
-              <a:pPr indent="0" lvl="0" marL="0" rtl="0" algn="l">
-                <a:spcBef>
-                  <a:spcPts val="0"/>
-                </a:spcBef>
-                <a:spcAft>
-                  <a:spcPts val="0"/>
-                </a:spcAft>
-                <a:buNone/>
-              </a:pPr>
-              <a:r>
-                <a:t/>
-              </a:r>
-              <a:endParaRPr/>
+              <a:endParaRPr sz="1050"/>
             </a:p>
           </p:txBody>
         </p:sp>
@@ -7026,528 +6993,425 @@
       <p:sp>
         <p:nvSpPr>
           <p:cNvPr id="73" name="Google Shape;73;p14"/>
-          <p:cNvSpPr txBox="1"/>
+          <p:cNvSpPr txBox="1">
+            <a:spLocks noGrp="1"/>
+          </p:cNvSpPr>
           <p:nvPr>
-            <p:ph idx="4294967295" type="body"/>
+            <p:ph type="body" idx="4294967295"/>
           </p:nvPr>
         </p:nvSpPr>
         <p:spPr>
           <a:xfrm>
-            <a:off x="1793025" y="3854675"/>
-            <a:ext cx="2543100" cy="971700"/>
+            <a:off x="1344769" y="3533944"/>
+            <a:ext cx="1907325" cy="728775"/>
           </a:xfrm>
           <a:prstGeom prst="rect">
             <a:avLst/>
           </a:prstGeom>
         </p:spPr>
         <p:txBody>
-          <a:bodyPr anchorCtr="0" anchor="t" bIns="91425" lIns="91425" spcFirstLastPara="1" rIns="91425" wrap="square" tIns="91425">
+          <a:bodyPr spcFirstLastPara="1" wrap="square" lIns="68569" tIns="68569" rIns="68569" bIns="68569" anchor="t" anchorCtr="0">
             <a:noAutofit/>
           </a:bodyPr>
           <a:lstStyle/>
           <a:p>
-            <a:pPr indent="0" lvl="0" marL="0" rtl="0" algn="l">
-              <a:spcBef>
-                <a:spcPts val="0"/>
-              </a:spcBef>
-              <a:spcAft>
-                <a:spcPts val="0"/>
-              </a:spcAft>
+            <a:pPr marL="0" indent="0">
               <a:buNone/>
             </a:pPr>
             <a:r>
-              <a:rPr b="1" lang="en" sz="1600">
+              <a:rPr lang="en" sz="1200" b="1">
                 <a:solidFill>
                   <a:schemeClr val="dk2"/>
                 </a:solidFill>
               </a:rPr>
               <a:t>Mestre em </a:t>
             </a:r>
-            <a:endParaRPr b="1" sz="1600">
+            <a:endParaRPr sz="1200" b="1">
               <a:solidFill>
                 <a:schemeClr val="dk2"/>
               </a:solidFill>
             </a:endParaRPr>
           </a:p>
           <a:p>
-            <a:pPr indent="0" lvl="0" marL="0" rtl="0" algn="l">
-              <a:spcBef>
-                <a:spcPts val="0"/>
-              </a:spcBef>
-              <a:spcAft>
-                <a:spcPts val="0"/>
-              </a:spcAft>
+            <a:pPr marL="0" indent="0">
               <a:buNone/>
             </a:pPr>
             <a:r>
-              <a:rPr b="1" lang="en" sz="1600">
+              <a:rPr lang="en" sz="1200" b="1">
                 <a:solidFill>
                   <a:schemeClr val="dk2"/>
                 </a:solidFill>
               </a:rPr>
               <a:t>Ciências de Computação</a:t>
             </a:r>
-            <a:endParaRPr b="1" sz="1600">
+            <a:endParaRPr sz="1200" b="1">
               <a:solidFill>
                 <a:schemeClr val="dk2"/>
               </a:solidFill>
             </a:endParaRPr>
           </a:p>
           <a:p>
-            <a:pPr indent="0" lvl="0" marL="0" rtl="0" algn="l">
-              <a:spcBef>
-                <a:spcPts val="0"/>
-              </a:spcBef>
-              <a:spcAft>
-                <a:spcPts val="0"/>
-              </a:spcAft>
+            <a:pPr marL="0" indent="0">
               <a:buNone/>
             </a:pPr>
             <a:r>
-              <a:rPr lang="en" sz="1400"/>
+              <a:rPr lang="en" sz="1050"/>
               <a:t>Universidade De São Paulo</a:t>
             </a:r>
-            <a:endParaRPr sz="1400"/>
+            <a:endParaRPr sz="1050"/>
           </a:p>
           <a:p>
-            <a:pPr indent="0" lvl="0" marL="0" rtl="0" algn="l">
-              <a:spcBef>
-                <a:spcPts val="0"/>
-              </a:spcBef>
-              <a:spcAft>
-                <a:spcPts val="1600"/>
+            <a:pPr marL="0" indent="0">
+              <a:spcAft>
+                <a:spcPts val="1200"/>
               </a:spcAft>
               <a:buNone/>
             </a:pPr>
             <a:r>
-              <a:rPr lang="en" sz="1400"/>
+              <a:rPr lang="en" sz="1050"/>
               <a:t>Mar. 2018 - Ago. 2020</a:t>
             </a:r>
-            <a:endParaRPr sz="1400"/>
+            <a:endParaRPr sz="1050"/>
           </a:p>
         </p:txBody>
       </p:sp>
       <p:sp>
         <p:nvSpPr>
           <p:cNvPr id="74" name="Google Shape;74;p14"/>
-          <p:cNvSpPr txBox="1"/>
+          <p:cNvSpPr txBox="1">
+            <a:spLocks noGrp="1"/>
+          </p:cNvSpPr>
           <p:nvPr>
-            <p:ph idx="4294967295" type="body"/>
+            <p:ph type="body" idx="4294967295"/>
           </p:nvPr>
         </p:nvSpPr>
         <p:spPr>
           <a:xfrm>
-            <a:off x="3397250" y="1299975"/>
-            <a:ext cx="2274000" cy="971700"/>
+            <a:off x="2547938" y="1617919"/>
+            <a:ext cx="1705500" cy="728775"/>
           </a:xfrm>
           <a:prstGeom prst="rect">
             <a:avLst/>
           </a:prstGeom>
         </p:spPr>
         <p:txBody>
-          <a:bodyPr anchorCtr="0" anchor="t" bIns="91425" lIns="91425" spcFirstLastPara="1" rIns="91425" wrap="square" tIns="91425">
+          <a:bodyPr spcFirstLastPara="1" wrap="square" lIns="68569" tIns="68569" rIns="68569" bIns="68569" anchor="t" anchorCtr="0">
             <a:noAutofit/>
           </a:bodyPr>
           <a:lstStyle/>
           <a:p>
-            <a:pPr indent="0" lvl="0" marL="0" rtl="0" algn="l">
-              <a:spcBef>
-                <a:spcPts val="0"/>
-              </a:spcBef>
-              <a:spcAft>
-                <a:spcPts val="0"/>
-              </a:spcAft>
+            <a:pPr marL="0" indent="0">
               <a:buNone/>
             </a:pPr>
             <a:r>
-              <a:rPr b="1" lang="en" sz="1600">
+              <a:rPr lang="en" sz="1200" b="1">
                 <a:solidFill>
                   <a:schemeClr val="dk2"/>
                 </a:solidFill>
               </a:rPr>
-              <a:t>PhD </a:t>
+              <a:t>PhD em Ciências </a:t>
             </a:r>
-            <a:r>
-              <a:rPr b="1" lang="en" sz="1600">
-                <a:solidFill>
-                  <a:schemeClr val="dk2"/>
-                </a:solidFill>
-              </a:rPr>
-              <a:t>em Ciências </a:t>
-            </a:r>
-            <a:endParaRPr b="1" sz="1600">
+            <a:endParaRPr sz="1200" b="1">
               <a:solidFill>
                 <a:schemeClr val="dk2"/>
               </a:solidFill>
             </a:endParaRPr>
           </a:p>
           <a:p>
-            <a:pPr indent="0" lvl="0" marL="0" rtl="0" algn="l">
-              <a:spcBef>
-                <a:spcPts val="0"/>
-              </a:spcBef>
-              <a:spcAft>
-                <a:spcPts val="0"/>
-              </a:spcAft>
+            <a:pPr marL="0" indent="0">
               <a:buNone/>
             </a:pPr>
             <a:r>
-              <a:rPr b="1" lang="en" sz="1600">
+              <a:rPr lang="en" sz="1200" b="1">
                 <a:solidFill>
                   <a:schemeClr val="dk2"/>
                 </a:solidFill>
               </a:rPr>
               <a:t>de Computação</a:t>
             </a:r>
-            <a:endParaRPr b="1" sz="1600">
+            <a:endParaRPr sz="1200" b="1">
               <a:solidFill>
                 <a:schemeClr val="dk2"/>
               </a:solidFill>
             </a:endParaRPr>
           </a:p>
           <a:p>
-            <a:pPr indent="0" lvl="0" marL="0" rtl="0" algn="l">
-              <a:spcBef>
-                <a:spcPts val="0"/>
-              </a:spcBef>
-              <a:spcAft>
-                <a:spcPts val="0"/>
-              </a:spcAft>
+            <a:pPr marL="0" indent="0">
               <a:buNone/>
             </a:pPr>
             <a:r>
-              <a:rPr lang="en" sz="1400"/>
+              <a:rPr lang="en" sz="1050"/>
               <a:t>Universidade De São Paulo</a:t>
             </a:r>
-            <a:endParaRPr sz="1400"/>
+            <a:endParaRPr sz="1050"/>
           </a:p>
           <a:p>
-            <a:pPr indent="0" lvl="0" marL="0" rtl="0" algn="l">
-              <a:spcBef>
-                <a:spcPts val="0"/>
-              </a:spcBef>
-              <a:spcAft>
-                <a:spcPts val="1600"/>
+            <a:pPr marL="0" indent="0">
+              <a:spcAft>
+                <a:spcPts val="1200"/>
               </a:spcAft>
               <a:buNone/>
             </a:pPr>
             <a:r>
-              <a:rPr lang="en" sz="1400"/>
+              <a:rPr lang="en" sz="1050"/>
               <a:t>Jan. 2021 - presente</a:t>
             </a:r>
-            <a:endParaRPr sz="1400"/>
+            <a:endParaRPr sz="1050"/>
           </a:p>
         </p:txBody>
       </p:sp>
       <p:sp>
         <p:nvSpPr>
           <p:cNvPr id="75" name="Google Shape;75;p14"/>
-          <p:cNvSpPr txBox="1"/>
+          <p:cNvSpPr txBox="1">
+            <a:spLocks noGrp="1"/>
+          </p:cNvSpPr>
           <p:nvPr>
-            <p:ph idx="4294967295" type="body"/>
+            <p:ph type="body" idx="4294967295"/>
           </p:nvPr>
         </p:nvSpPr>
         <p:spPr>
           <a:xfrm>
-            <a:off x="4508500" y="3854675"/>
-            <a:ext cx="2274000" cy="971700"/>
+            <a:off x="3381375" y="3533944"/>
+            <a:ext cx="1705500" cy="728775"/>
           </a:xfrm>
           <a:prstGeom prst="rect">
             <a:avLst/>
           </a:prstGeom>
         </p:spPr>
         <p:txBody>
-          <a:bodyPr anchorCtr="0" anchor="t" bIns="91425" lIns="91425" spcFirstLastPara="1" rIns="91425" wrap="square" tIns="91425">
+          <a:bodyPr spcFirstLastPara="1" wrap="square" lIns="68569" tIns="68569" rIns="68569" bIns="68569" anchor="t" anchorCtr="0">
             <a:noAutofit/>
           </a:bodyPr>
           <a:lstStyle/>
           <a:p>
-            <a:pPr indent="0" lvl="0" marL="0" rtl="0" algn="l">
-              <a:spcBef>
-                <a:spcPts val="0"/>
-              </a:spcBef>
-              <a:spcAft>
-                <a:spcPts val="0"/>
-              </a:spcAft>
+            <a:pPr marL="0" indent="0">
               <a:buNone/>
             </a:pPr>
             <a:r>
-              <a:rPr b="1" lang="en" sz="1600">
+              <a:rPr lang="en" sz="1200" b="1">
                 <a:solidFill>
                   <a:schemeClr val="dk2"/>
                 </a:solidFill>
               </a:rPr>
               <a:t>MBA em</a:t>
             </a:r>
-            <a:endParaRPr b="1" sz="1600">
+            <a:endParaRPr sz="1200" b="1">
               <a:solidFill>
                 <a:schemeClr val="dk2"/>
               </a:solidFill>
             </a:endParaRPr>
           </a:p>
           <a:p>
-            <a:pPr indent="0" lvl="0" marL="0" rtl="0" algn="l">
-              <a:spcBef>
-                <a:spcPts val="0"/>
-              </a:spcBef>
-              <a:spcAft>
-                <a:spcPts val="0"/>
-              </a:spcAft>
+            <a:pPr marL="0" indent="0">
               <a:buNone/>
             </a:pPr>
             <a:r>
-              <a:rPr b="1" lang="en" sz="1600">
+              <a:rPr lang="en" sz="1200" b="1">
                 <a:solidFill>
                   <a:schemeClr val="dk2"/>
                 </a:solidFill>
               </a:rPr>
               <a:t> Gestão de Negócios</a:t>
             </a:r>
-            <a:endParaRPr b="1" sz="1600">
+            <a:endParaRPr sz="1200" b="1">
               <a:solidFill>
                 <a:schemeClr val="dk2"/>
               </a:solidFill>
             </a:endParaRPr>
           </a:p>
           <a:p>
-            <a:pPr indent="0" lvl="0" marL="0" rtl="0" algn="l">
-              <a:spcBef>
-                <a:spcPts val="0"/>
-              </a:spcBef>
-              <a:spcAft>
-                <a:spcPts val="0"/>
-              </a:spcAft>
+            <a:pPr marL="0" indent="0">
               <a:buNone/>
             </a:pPr>
             <a:r>
-              <a:rPr lang="en" sz="1400"/>
+              <a:rPr lang="en" sz="1050"/>
               <a:t>Universidade de São Paulo</a:t>
             </a:r>
-            <a:endParaRPr sz="1400"/>
+            <a:endParaRPr sz="1050"/>
           </a:p>
           <a:p>
-            <a:pPr indent="0" lvl="0" marL="0" rtl="0" algn="l">
-              <a:spcBef>
-                <a:spcPts val="0"/>
-              </a:spcBef>
-              <a:spcAft>
-                <a:spcPts val="1600"/>
+            <a:pPr marL="0" indent="0">
+              <a:spcAft>
+                <a:spcPts val="1200"/>
               </a:spcAft>
               <a:buNone/>
             </a:pPr>
             <a:r>
-              <a:rPr lang="en" sz="1400"/>
+              <a:rPr lang="en" sz="1050"/>
               <a:t>Out.2019 - Ago 2021</a:t>
             </a:r>
-            <a:endParaRPr sz="1400"/>
+            <a:endParaRPr sz="1050"/>
           </a:p>
         </p:txBody>
       </p:sp>
       <p:sp>
         <p:nvSpPr>
           <p:cNvPr id="76" name="Google Shape;76;p14"/>
-          <p:cNvSpPr txBox="1"/>
+          <p:cNvSpPr txBox="1">
+            <a:spLocks noGrp="1"/>
+          </p:cNvSpPr>
           <p:nvPr>
-            <p:ph idx="4294967295" type="body"/>
+            <p:ph type="body" idx="4294967295"/>
           </p:nvPr>
         </p:nvSpPr>
         <p:spPr>
           <a:xfrm>
-            <a:off x="5812950" y="1299975"/>
-            <a:ext cx="2274000" cy="971700"/>
+            <a:off x="4359713" y="1617919"/>
+            <a:ext cx="1705500" cy="728775"/>
           </a:xfrm>
           <a:prstGeom prst="rect">
             <a:avLst/>
           </a:prstGeom>
         </p:spPr>
         <p:txBody>
-          <a:bodyPr anchorCtr="0" anchor="t" bIns="91425" lIns="91425" spcFirstLastPara="1" rIns="91425" wrap="square" tIns="91425">
+          <a:bodyPr spcFirstLastPara="1" wrap="square" lIns="68569" tIns="68569" rIns="68569" bIns="68569" anchor="t" anchorCtr="0">
             <a:noAutofit/>
           </a:bodyPr>
           <a:lstStyle/>
           <a:p>
-            <a:pPr indent="0" lvl="0" marL="0" rtl="0" algn="l">
-              <a:spcBef>
-                <a:spcPts val="0"/>
-              </a:spcBef>
-              <a:spcAft>
-                <a:spcPts val="0"/>
-              </a:spcAft>
+            <a:pPr marL="0" indent="0">
               <a:buNone/>
             </a:pPr>
             <a:r>
-              <a:rPr b="1" lang="en" sz="1600">
+              <a:rPr lang="en" sz="1200" b="1">
                 <a:solidFill>
                   <a:schemeClr val="dk2"/>
                 </a:solidFill>
               </a:rPr>
               <a:t>PhD em Ciências </a:t>
             </a:r>
-            <a:endParaRPr b="1" sz="1600">
+            <a:endParaRPr sz="1200" b="1">
               <a:solidFill>
                 <a:schemeClr val="dk2"/>
               </a:solidFill>
             </a:endParaRPr>
           </a:p>
           <a:p>
-            <a:pPr indent="0" lvl="0" marL="0" rtl="0" algn="l">
-              <a:spcBef>
-                <a:spcPts val="0"/>
-              </a:spcBef>
-              <a:spcAft>
-                <a:spcPts val="0"/>
-              </a:spcAft>
+            <a:pPr marL="0" indent="0">
               <a:buNone/>
             </a:pPr>
             <a:r>
-              <a:rPr b="1" lang="en" sz="1600">
+              <a:rPr lang="en" sz="1200" b="1">
                 <a:solidFill>
                   <a:schemeClr val="dk2"/>
                 </a:solidFill>
               </a:rPr>
               <a:t>de Computação</a:t>
             </a:r>
-            <a:endParaRPr b="1" sz="1600">
+            <a:endParaRPr sz="1200" b="1">
               <a:solidFill>
                 <a:schemeClr val="dk2"/>
               </a:solidFill>
             </a:endParaRPr>
           </a:p>
           <a:p>
-            <a:pPr indent="0" lvl="0" marL="0" rtl="0" algn="l">
-              <a:spcBef>
-                <a:spcPts val="0"/>
-              </a:spcBef>
-              <a:spcAft>
-                <a:spcPts val="0"/>
-              </a:spcAft>
+            <a:pPr marL="0" indent="0">
               <a:buNone/>
             </a:pPr>
             <a:r>
-              <a:rPr lang="en" sz="1400"/>
+              <a:rPr lang="en" sz="1050"/>
               <a:t>Universidade De Groningen</a:t>
             </a:r>
-            <a:endParaRPr sz="1400"/>
+            <a:endParaRPr sz="1050"/>
           </a:p>
           <a:p>
-            <a:pPr indent="0" lvl="0" marL="0" rtl="0" algn="l">
-              <a:spcBef>
-                <a:spcPts val="0"/>
-              </a:spcBef>
-              <a:spcAft>
-                <a:spcPts val="1600"/>
+            <a:pPr marL="0" indent="0">
+              <a:spcAft>
+                <a:spcPts val="1200"/>
               </a:spcAft>
               <a:buNone/>
             </a:pPr>
             <a:r>
-              <a:rPr lang="en" sz="1400"/>
+              <a:rPr lang="en" sz="1050"/>
               <a:t>Mai. 2022 - presente</a:t>
             </a:r>
-            <a:endParaRPr sz="1400"/>
+            <a:endParaRPr sz="1050"/>
           </a:p>
         </p:txBody>
       </p:sp>
       <p:sp>
         <p:nvSpPr>
           <p:cNvPr id="77" name="Google Shape;77;p14"/>
-          <p:cNvSpPr txBox="1"/>
+          <p:cNvSpPr txBox="1">
+            <a:spLocks noGrp="1"/>
+          </p:cNvSpPr>
           <p:nvPr>
-            <p:ph idx="4294967295" type="body"/>
+            <p:ph type="body" idx="4294967295"/>
           </p:nvPr>
         </p:nvSpPr>
         <p:spPr>
           <a:xfrm>
-            <a:off x="7073800" y="3854675"/>
-            <a:ext cx="2274000" cy="971700"/>
+            <a:off x="5305350" y="3533944"/>
+            <a:ext cx="1705500" cy="728775"/>
           </a:xfrm>
           <a:prstGeom prst="rect">
             <a:avLst/>
           </a:prstGeom>
         </p:spPr>
         <p:txBody>
-          <a:bodyPr anchorCtr="0" anchor="t" bIns="91425" lIns="91425" spcFirstLastPara="1" rIns="91425" wrap="square" tIns="91425">
+          <a:bodyPr spcFirstLastPara="1" wrap="square" lIns="68569" tIns="68569" rIns="68569" bIns="68569" anchor="t" anchorCtr="0">
             <a:noAutofit/>
           </a:bodyPr>
           <a:lstStyle/>
           <a:p>
-            <a:pPr indent="0" lvl="0" marL="0" rtl="0" algn="l">
-              <a:spcBef>
-                <a:spcPts val="0"/>
-              </a:spcBef>
-              <a:spcAft>
-                <a:spcPts val="0"/>
-              </a:spcAft>
+            <a:pPr marL="0" indent="0">
               <a:buNone/>
             </a:pPr>
             <a:r>
-              <a:rPr b="1" lang="en" sz="1600">
+              <a:rPr lang="en" sz="1200" b="1">
                 <a:solidFill>
                   <a:schemeClr val="dk2"/>
                 </a:solidFill>
               </a:rPr>
               <a:t>Especialização em </a:t>
             </a:r>
-            <a:endParaRPr b="1" sz="1600">
+            <a:endParaRPr sz="1200" b="1">
               <a:solidFill>
                 <a:schemeClr val="dk2"/>
               </a:solidFill>
             </a:endParaRPr>
           </a:p>
           <a:p>
-            <a:pPr indent="0" lvl="0" marL="0" rtl="0" algn="l">
-              <a:spcBef>
-                <a:spcPts val="0"/>
-              </a:spcBef>
-              <a:spcAft>
-                <a:spcPts val="0"/>
-              </a:spcAft>
+            <a:pPr marL="0" indent="0">
               <a:buNone/>
             </a:pPr>
             <a:r>
-              <a:rPr b="1" lang="en" sz="1600">
+              <a:rPr lang="en" sz="1200" b="1">
                 <a:solidFill>
                   <a:schemeClr val="dk2"/>
                 </a:solidFill>
               </a:rPr>
               <a:t>Ensino a Distância</a:t>
             </a:r>
-            <a:endParaRPr b="1" sz="1600">
+            <a:endParaRPr sz="1200" b="1">
               <a:solidFill>
                 <a:schemeClr val="dk2"/>
               </a:solidFill>
             </a:endParaRPr>
           </a:p>
           <a:p>
-            <a:pPr indent="0" lvl="0" marL="0" rtl="0" algn="l">
-              <a:spcBef>
-                <a:spcPts val="0"/>
-              </a:spcBef>
-              <a:spcAft>
-                <a:spcPts val="0"/>
-              </a:spcAft>
+            <a:pPr marL="0" indent="0">
               <a:buNone/>
             </a:pPr>
             <a:r>
-              <a:rPr lang="en" sz="1400"/>
+              <a:rPr lang="en" sz="1050"/>
               <a:t>Univ. Virtual de São Paulo</a:t>
             </a:r>
-            <a:endParaRPr sz="1400"/>
+            <a:endParaRPr sz="1050"/>
           </a:p>
           <a:p>
-            <a:pPr indent="0" lvl="0" marL="0" rtl="0" algn="l">
-              <a:spcBef>
-                <a:spcPts val="0"/>
-              </a:spcBef>
-              <a:spcAft>
-                <a:spcPts val="1600"/>
+            <a:pPr marL="0" indent="0">
+              <a:spcAft>
+                <a:spcPts val="1200"/>
               </a:spcAft>
               <a:buNone/>
             </a:pPr>
             <a:r>
-              <a:rPr lang="en" sz="1400"/>
+              <a:rPr lang="en" sz="1050"/>
               <a:t>Feb.2021 - Jun. 2023</a:t>
             </a:r>
-            <a:endParaRPr sz="1400"/>
+            <a:endParaRPr sz="1050"/>
           </a:p>
         </p:txBody>
       </p:sp>
@@ -7559,8 +7423,8 @@
         </p:nvGrpSpPr>
         <p:grpSpPr>
           <a:xfrm>
-            <a:off x="3201050" y="1581271"/>
-            <a:ext cx="196200" cy="1306800"/>
+            <a:off x="2400788" y="1828891"/>
+            <a:ext cx="147150" cy="980100"/>
             <a:chOff x="121100" y="1581271"/>
             <a:chExt cx="196200" cy="1306800"/>
           </a:xfrm>
@@ -7587,24 +7451,12 @@
             </a:ln>
           </p:spPr>
           <p:txBody>
-            <a:bodyPr anchorCtr="0" anchor="ctr" bIns="91425" lIns="91425" spcFirstLastPara="1" rIns="91425" wrap="square" tIns="91425">
+            <a:bodyPr spcFirstLastPara="1" wrap="square" lIns="68569" tIns="68569" rIns="68569" bIns="68569" anchor="ctr" anchorCtr="0">
               <a:noAutofit/>
             </a:bodyPr>
             <a:lstStyle/>
             <a:p>
-              <a:pPr indent="0" lvl="0" marL="0" rtl="0" algn="l">
-                <a:spcBef>
-                  <a:spcPts val="0"/>
-                </a:spcBef>
-                <a:spcAft>
-                  <a:spcPts val="0"/>
-                </a:spcAft>
-                <a:buNone/>
-              </a:pPr>
-              <a:r>
-                <a:t/>
-              </a:r>
-              <a:endParaRPr/>
+              <a:endParaRPr sz="1050"/>
             </a:p>
           </p:txBody>
         </p:sp>
@@ -7625,14 +7477,14 @@
               <a:avLst/>
             </a:prstGeom>
             <a:noFill/>
-            <a:ln cap="flat" cmpd="sng" w="19050">
+            <a:ln w="19050" cap="flat" cmpd="sng">
               <a:solidFill>
                 <a:schemeClr val="accent5"/>
               </a:solidFill>
               <a:prstDash val="solid"/>
               <a:round/>
-              <a:headEnd len="sm" w="sm" type="none"/>
-              <a:tailEnd len="med" w="med" type="oval"/>
+              <a:headEnd type="none" w="sm" len="sm"/>
+              <a:tailEnd type="oval" w="med" len="med"/>
             </a:ln>
           </p:spPr>
         </p:cxnSp>
@@ -7645,8 +7497,8 @@
         </p:nvGrpSpPr>
         <p:grpSpPr>
           <a:xfrm>
-            <a:off x="4312300" y="2692171"/>
-            <a:ext cx="196200" cy="1404905"/>
+            <a:off x="3234225" y="2662066"/>
+            <a:ext cx="147150" cy="1053679"/>
             <a:chOff x="1612775" y="2692171"/>
             <a:chExt cx="196200" cy="1404905"/>
           </a:xfrm>
@@ -7666,14 +7518,14 @@
               <a:avLst/>
             </a:prstGeom>
             <a:noFill/>
-            <a:ln cap="flat" cmpd="sng" w="19050">
+            <a:ln w="19050" cap="flat" cmpd="sng">
               <a:solidFill>
                 <a:schemeClr val="accent5"/>
               </a:solidFill>
               <a:prstDash val="solid"/>
               <a:round/>
-              <a:headEnd len="sm" w="sm" type="none"/>
-              <a:tailEnd len="med" w="med" type="oval"/>
+              <a:headEnd type="none" w="sm" len="sm"/>
+              <a:tailEnd type="oval" w="med" len="med"/>
             </a:ln>
           </p:spPr>
         </p:cxnSp>
@@ -7699,24 +7551,12 @@
             </a:ln>
           </p:spPr>
           <p:txBody>
-            <a:bodyPr anchorCtr="0" anchor="ctr" bIns="91425" lIns="91425" spcFirstLastPara="1" rIns="91425" wrap="square" tIns="91425">
+            <a:bodyPr spcFirstLastPara="1" wrap="square" lIns="68569" tIns="68569" rIns="68569" bIns="68569" anchor="ctr" anchorCtr="0">
               <a:noAutofit/>
             </a:bodyPr>
             <a:lstStyle/>
             <a:p>
-              <a:pPr indent="0" lvl="0" marL="0" rtl="0" algn="l">
-                <a:spcBef>
-                  <a:spcPts val="0"/>
-                </a:spcBef>
-                <a:spcAft>
-                  <a:spcPts val="0"/>
-                </a:spcAft>
-                <a:buNone/>
-              </a:pPr>
-              <a:r>
-                <a:t/>
-              </a:r>
-              <a:endParaRPr/>
+              <a:endParaRPr sz="1050"/>
             </a:p>
           </p:txBody>
         </p:sp>
@@ -7729,8 +7569,8 @@
         </p:nvGrpSpPr>
         <p:grpSpPr>
           <a:xfrm>
-            <a:off x="6877600" y="2692171"/>
-            <a:ext cx="196200" cy="1404905"/>
+            <a:off x="5158200" y="2662066"/>
+            <a:ext cx="147150" cy="1053679"/>
             <a:chOff x="1612775" y="2692171"/>
             <a:chExt cx="196200" cy="1404905"/>
           </a:xfrm>
@@ -7750,14 +7590,14 @@
               <a:avLst/>
             </a:prstGeom>
             <a:noFill/>
-            <a:ln cap="flat" cmpd="sng" w="19050">
+            <a:ln w="19050" cap="flat" cmpd="sng">
               <a:solidFill>
                 <a:schemeClr val="accent5"/>
               </a:solidFill>
               <a:prstDash val="solid"/>
               <a:round/>
-              <a:headEnd len="sm" w="sm" type="none"/>
-              <a:tailEnd len="med" w="med" type="oval"/>
+              <a:headEnd type="none" w="sm" len="sm"/>
+              <a:tailEnd type="oval" w="med" len="med"/>
             </a:ln>
           </p:spPr>
         </p:cxnSp>
@@ -7783,24 +7623,12 @@
             </a:ln>
           </p:spPr>
           <p:txBody>
-            <a:bodyPr anchorCtr="0" anchor="ctr" bIns="91425" lIns="91425" spcFirstLastPara="1" rIns="91425" wrap="square" tIns="91425">
+            <a:bodyPr spcFirstLastPara="1" wrap="square" lIns="68569" tIns="68569" rIns="68569" bIns="68569" anchor="ctr" anchorCtr="0">
               <a:noAutofit/>
             </a:bodyPr>
             <a:lstStyle/>
             <a:p>
-              <a:pPr indent="0" lvl="0" marL="0" rtl="0" algn="l">
-                <a:spcBef>
-                  <a:spcPts val="0"/>
-                </a:spcBef>
-                <a:spcAft>
-                  <a:spcPts val="0"/>
-                </a:spcAft>
-                <a:buNone/>
-              </a:pPr>
-              <a:r>
-                <a:t/>
-              </a:r>
-              <a:endParaRPr/>
+              <a:endParaRPr sz="1050"/>
             </a:p>
           </p:txBody>
         </p:sp>
@@ -7813,8 +7641,8 @@
         </p:nvGrpSpPr>
         <p:grpSpPr>
           <a:xfrm>
-            <a:off x="5616750" y="1581271"/>
-            <a:ext cx="196200" cy="1306800"/>
+            <a:off x="4212563" y="1828891"/>
+            <a:ext cx="147150" cy="980100"/>
             <a:chOff x="121100" y="1581271"/>
             <a:chExt cx="196200" cy="1306800"/>
           </a:xfrm>
@@ -7841,24 +7669,12 @@
             </a:ln>
           </p:spPr>
           <p:txBody>
-            <a:bodyPr anchorCtr="0" anchor="ctr" bIns="91425" lIns="91425" spcFirstLastPara="1" rIns="91425" wrap="square" tIns="91425">
+            <a:bodyPr spcFirstLastPara="1" wrap="square" lIns="68569" tIns="68569" rIns="68569" bIns="68569" anchor="ctr" anchorCtr="0">
               <a:noAutofit/>
             </a:bodyPr>
             <a:lstStyle/>
             <a:p>
-              <a:pPr indent="0" lvl="0" marL="0" rtl="0" algn="l">
-                <a:spcBef>
-                  <a:spcPts val="0"/>
-                </a:spcBef>
-                <a:spcAft>
-                  <a:spcPts val="0"/>
-                </a:spcAft>
-                <a:buNone/>
-              </a:pPr>
-              <a:r>
-                <a:t/>
-              </a:r>
-              <a:endParaRPr/>
+              <a:endParaRPr sz="1050"/>
             </a:p>
           </p:txBody>
         </p:sp>
@@ -7879,14 +7695,14 @@
               <a:avLst/>
             </a:prstGeom>
             <a:noFill/>
-            <a:ln cap="flat" cmpd="sng" w="19050">
+            <a:ln w="19050" cap="flat" cmpd="sng">
               <a:solidFill>
                 <a:schemeClr val="accent5"/>
               </a:solidFill>
               <a:prstDash val="solid"/>
               <a:round/>
-              <a:headEnd len="sm" w="sm" type="none"/>
-              <a:tailEnd len="med" w="med" type="oval"/>
+              <a:headEnd type="none" w="sm" len="sm"/>
+              <a:tailEnd type="oval" w="med" len="med"/>
             </a:ln>
           </p:spPr>
         </p:cxnSp>
@@ -7899,32 +7715,32 @@
   <p:timing>
     <p:tnLst>
       <p:par>
-        <p:cTn dur="indefinite" nodeType="tmRoot" restart="never">
+        <p:cTn id="1" dur="indefinite" restart="never" nodeType="tmRoot">
           <p:childTnLst>
             <p:seq concurrent="1" nextAc="seek">
-              <p:cTn dur="indefinite" id="2" nodeType="mainSeq">
+              <p:cTn id="2" dur="indefinite" nodeType="mainSeq">
                 <p:childTnLst>
                   <p:par>
-                    <p:cTn fill="hold">
+                    <p:cTn id="3" fill="hold">
                       <p:stCondLst>
                         <p:cond delay="indefinite"/>
                       </p:stCondLst>
                       <p:childTnLst>
                         <p:par>
-                          <p:cTn fill="hold">
+                          <p:cTn id="4" fill="hold">
                             <p:stCondLst>
                               <p:cond delay="0"/>
                             </p:stCondLst>
                             <p:childTnLst>
                               <p:par>
-                                <p:cTn fill="hold" nodeType="clickEffect" presetClass="entr" presetID="1" presetSubtype="0">
+                                <p:cTn id="5" presetID="1" presetClass="entr" presetSubtype="0" fill="hold" nodeType="clickEffect">
                                   <p:stCondLst>
                                     <p:cond delay="0"/>
                                   </p:stCondLst>
                                   <p:childTnLst>
                                     <p:set>
                                       <p:cBhvr>
-                                        <p:cTn dur="1" fill="hold">
+                                        <p:cTn id="6" dur="1" fill="hold">
                                           <p:stCondLst>
                                             <p:cond delay="0"/>
                                           </p:stCondLst>
@@ -7944,14 +7760,14 @@
                                 </p:cTn>
                               </p:par>
                               <p:par>
-                                <p:cTn fill="hold" nodeType="withEffect" presetClass="entr" presetID="1" presetSubtype="0">
+                                <p:cTn id="7" presetID="1" presetClass="entr" presetSubtype="0" fill="hold" nodeType="withEffect">
                                   <p:stCondLst>
                                     <p:cond delay="0"/>
                                   </p:stCondLst>
                                   <p:childTnLst>
                                     <p:set>
                                       <p:cBhvr>
-                                        <p:cTn dur="1" fill="hold">
+                                        <p:cTn id="8" dur="1" fill="hold">
                                           <p:stCondLst>
                                             <p:cond delay="0"/>
                                           </p:stCondLst>
@@ -7977,26 +7793,26 @@
                     </p:cTn>
                   </p:par>
                   <p:par>
-                    <p:cTn fill="hold">
+                    <p:cTn id="9" fill="hold">
                       <p:stCondLst>
                         <p:cond delay="indefinite"/>
                       </p:stCondLst>
                       <p:childTnLst>
                         <p:par>
-                          <p:cTn fill="hold">
+                          <p:cTn id="10" fill="hold">
                             <p:stCondLst>
                               <p:cond delay="0"/>
                             </p:stCondLst>
                             <p:childTnLst>
                               <p:par>
-                                <p:cTn fill="hold" nodeType="clickEffect" presetClass="entr" presetID="1" presetSubtype="0">
+                                <p:cTn id="11" presetID="1" presetClass="entr" presetSubtype="0" fill="hold" nodeType="clickEffect">
                                   <p:stCondLst>
                                     <p:cond delay="0"/>
                                   </p:stCondLst>
                                   <p:childTnLst>
                                     <p:set>
                                       <p:cBhvr>
-                                        <p:cTn dur="1" fill="hold">
+                                        <p:cTn id="12" dur="1" fill="hold">
                                           <p:stCondLst>
                                             <p:cond delay="0"/>
                                           </p:stCondLst>
@@ -8016,14 +7832,14 @@
                                 </p:cTn>
                               </p:par>
                               <p:par>
-                                <p:cTn fill="hold" nodeType="withEffect" presetClass="entr" presetID="1" presetSubtype="0">
+                                <p:cTn id="13" presetID="1" presetClass="entr" presetSubtype="0" fill="hold" nodeType="withEffect">
                                   <p:stCondLst>
                                     <p:cond delay="0"/>
                                   </p:stCondLst>
                                   <p:childTnLst>
                                     <p:set>
                                       <p:cBhvr>
-                                        <p:cTn dur="1" fill="hold">
+                                        <p:cTn id="14" dur="1" fill="hold">
                                           <p:stCondLst>
                                             <p:cond delay="0"/>
                                           </p:stCondLst>
@@ -8049,26 +7865,26 @@
                     </p:cTn>
                   </p:par>
                   <p:par>
-                    <p:cTn fill="hold">
+                    <p:cTn id="15" fill="hold">
                       <p:stCondLst>
                         <p:cond delay="indefinite"/>
                       </p:stCondLst>
                       <p:childTnLst>
                         <p:par>
-                          <p:cTn fill="hold">
+                          <p:cTn id="16" fill="hold">
                             <p:stCondLst>
                               <p:cond delay="0"/>
                             </p:stCondLst>
                             <p:childTnLst>
                               <p:par>
-                                <p:cTn fill="hold" nodeType="clickEffect" presetClass="entr" presetID="1" presetSubtype="0">
+                                <p:cTn id="17" presetID="1" presetClass="entr" presetSubtype="0" fill="hold" nodeType="clickEffect">
                                   <p:stCondLst>
                                     <p:cond delay="0"/>
                                   </p:stCondLst>
                                   <p:childTnLst>
                                     <p:set>
                                       <p:cBhvr>
-                                        <p:cTn dur="1" fill="hold">
+                                        <p:cTn id="18" dur="1" fill="hold">
                                           <p:stCondLst>
                                             <p:cond delay="0"/>
                                           </p:stCondLst>
@@ -8088,14 +7904,14 @@
                                 </p:cTn>
                               </p:par>
                               <p:par>
-                                <p:cTn fill="hold" nodeType="withEffect" presetClass="entr" presetID="1" presetSubtype="0">
+                                <p:cTn id="19" presetID="1" presetClass="entr" presetSubtype="0" fill="hold" nodeType="withEffect">
                                   <p:stCondLst>
                                     <p:cond delay="0"/>
                                   </p:stCondLst>
                                   <p:childTnLst>
                                     <p:set>
                                       <p:cBhvr>
-                                        <p:cTn dur="1" fill="hold">
+                                        <p:cTn id="20" dur="1" fill="hold">
                                           <p:stCondLst>
                                             <p:cond delay="0"/>
                                           </p:stCondLst>
@@ -8121,26 +7937,26 @@
                     </p:cTn>
                   </p:par>
                   <p:par>
-                    <p:cTn fill="hold">
+                    <p:cTn id="21" fill="hold">
                       <p:stCondLst>
                         <p:cond delay="indefinite"/>
                       </p:stCondLst>
                       <p:childTnLst>
                         <p:par>
-                          <p:cTn fill="hold">
+                          <p:cTn id="22" fill="hold">
                             <p:stCondLst>
                               <p:cond delay="0"/>
                             </p:stCondLst>
                             <p:childTnLst>
                               <p:par>
-                                <p:cTn fill="hold" nodeType="clickEffect" presetClass="entr" presetID="1" presetSubtype="0">
+                                <p:cTn id="23" presetID="1" presetClass="entr" presetSubtype="0" fill="hold" nodeType="clickEffect">
                                   <p:stCondLst>
                                     <p:cond delay="0"/>
                                   </p:stCondLst>
                                   <p:childTnLst>
                                     <p:set>
                                       <p:cBhvr>
-                                        <p:cTn dur="1" fill="hold">
+                                        <p:cTn id="24" dur="1" fill="hold">
                                           <p:stCondLst>
                                             <p:cond delay="0"/>
                                           </p:stCondLst>
@@ -8160,14 +7976,14 @@
                                 </p:cTn>
                               </p:par>
                               <p:par>
-                                <p:cTn fill="hold" nodeType="withEffect" presetClass="entr" presetID="1" presetSubtype="0">
+                                <p:cTn id="25" presetID="1" presetClass="entr" presetSubtype="0" fill="hold" nodeType="withEffect">
                                   <p:stCondLst>
                                     <p:cond delay="0"/>
                                   </p:stCondLst>
                                   <p:childTnLst>
                                     <p:set>
                                       <p:cBhvr>
-                                        <p:cTn dur="1" fill="hold">
+                                        <p:cTn id="26" dur="1" fill="hold">
                                           <p:stCondLst>
                                             <p:cond delay="0"/>
                                           </p:stCondLst>
@@ -8193,26 +8009,26 @@
                     </p:cTn>
                   </p:par>
                   <p:par>
-                    <p:cTn fill="hold">
+                    <p:cTn id="27" fill="hold">
                       <p:stCondLst>
                         <p:cond delay="indefinite"/>
                       </p:stCondLst>
                       <p:childTnLst>
                         <p:par>
-                          <p:cTn fill="hold">
+                          <p:cTn id="28" fill="hold">
                             <p:stCondLst>
                               <p:cond delay="0"/>
                             </p:stCondLst>
                             <p:childTnLst>
                               <p:par>
-                                <p:cTn fill="hold" nodeType="clickEffect" presetClass="entr" presetID="1" presetSubtype="0">
+                                <p:cTn id="29" presetID="1" presetClass="entr" presetSubtype="0" fill="hold" nodeType="clickEffect">
                                   <p:stCondLst>
                                     <p:cond delay="0"/>
                                   </p:stCondLst>
                                   <p:childTnLst>
                                     <p:set>
                                       <p:cBhvr>
-                                        <p:cTn dur="1" fill="hold">
+                                        <p:cTn id="30" dur="1" fill="hold">
                                           <p:stCondLst>
                                             <p:cond delay="0"/>
                                           </p:stCondLst>
@@ -8232,14 +8048,14 @@
                                 </p:cTn>
                               </p:par>
                               <p:par>
-                                <p:cTn fill="hold" nodeType="withEffect" presetClass="entr" presetID="1" presetSubtype="0">
+                                <p:cTn id="31" presetID="1" presetClass="entr" presetSubtype="0" fill="hold" nodeType="withEffect">
                                   <p:stCondLst>
                                     <p:cond delay="0"/>
                                   </p:stCondLst>
                                   <p:childTnLst>
                                     <p:set>
                                       <p:cBhvr>
-                                        <p:cTn dur="1" fill="hold">
+                                        <p:cTn id="32" dur="1" fill="hold">
                                           <p:stCondLst>
                                             <p:cond delay="0"/>
                                           </p:stCondLst>
@@ -8267,14 +8083,14 @@
                 </p:childTnLst>
               </p:cTn>
               <p:prevCondLst>
-                <p:cond evt="onPrev">
+                <p:cond evt="onPrev" delay="0">
                   <p:tgtEl>
                     <p:sldTgt/>
                   </p:tgtEl>
                 </p:cond>
               </p:prevCondLst>
               <p:nextCondLst>
-                <p:cond evt="onNext">
+                <p:cond evt="onNext" delay="0">
                   <p:tgtEl>
                     <p:sldTgt/>
                   </p:tgtEl>
@@ -8290,11 +8106,11 @@
 </file>
 
 <file path=ppt/slides/slide3.xml><?xml version="1.0" encoding="utf-8"?>
-<p:sld xmlns:a="http://schemas.openxmlformats.org/drawingml/2006/main" xmlns:r="http://schemas.openxmlformats.org/officeDocument/2006/relationships" xmlns:mc="http://schemas.openxmlformats.org/markup-compatibility/2006" xmlns:mv="urn:schemas-microsoft-com:mac:vml" xmlns:p="http://schemas.openxmlformats.org/presentationml/2006/main" xmlns:c="http://schemas.openxmlformats.org/drawingml/2006/chart" xmlns:dgm="http://schemas.openxmlformats.org/drawingml/2006/diagram" xmlns:o="urn:schemas-microsoft-com:office:office" xmlns:v="urn:schemas-microsoft-com:vml" xmlns:pvml="urn:schemas-microsoft-com:office:powerpoint" xmlns:com="http://schemas.openxmlformats.org/drawingml/2006/compatibility" xmlns:p14="http://schemas.microsoft.com/office/powerpoint/2010/main" xmlns:p15="http://schemas.microsoft.com/office/powerpoint/2012/main" xmlns:ahyp="http://schemas.microsoft.com/office/drawing/2018/hyperlinkcolor">
+<p:sld xmlns:a="http://schemas.openxmlformats.org/drawingml/2006/main" xmlns:r="http://schemas.openxmlformats.org/officeDocument/2006/relationships" xmlns:p="http://schemas.openxmlformats.org/presentationml/2006/main">
   <p:cSld>
     <p:spTree>
       <p:nvGrpSpPr>
-        <p:cNvPr id="93" name="Shape 93"/>
+        <p:cNvPr id="1" name="Shape 93"/>
         <p:cNvGrpSpPr/>
         <p:nvPr/>
       </p:nvGrpSpPr>
@@ -8309,35 +8125,28 @@
       <p:sp>
         <p:nvSpPr>
           <p:cNvPr id="94" name="Google Shape;94;p15"/>
-          <p:cNvSpPr txBox="1"/>
+          <p:cNvSpPr txBox="1">
+            <a:spLocks noGrp="1"/>
+          </p:cNvSpPr>
           <p:nvPr>
             <p:ph type="title"/>
           </p:nvPr>
         </p:nvSpPr>
         <p:spPr>
           <a:xfrm>
-            <a:off x="265500" y="1678650"/>
-            <a:ext cx="4045200" cy="1786200"/>
+            <a:off x="199125" y="1901925"/>
+            <a:ext cx="3033900" cy="1339650"/>
           </a:xfrm>
           <a:prstGeom prst="rect">
             <a:avLst/>
           </a:prstGeom>
         </p:spPr>
         <p:txBody>
-          <a:bodyPr anchorCtr="0" anchor="ctr" bIns="91425" lIns="91425" spcFirstLastPara="1" rIns="91425" wrap="square" tIns="91425">
+          <a:bodyPr spcFirstLastPara="1" wrap="square" lIns="68569" tIns="68569" rIns="68569" bIns="68569" anchor="ctr" anchorCtr="0">
             <a:noAutofit/>
           </a:bodyPr>
           <a:lstStyle/>
           <a:p>
-            <a:pPr indent="0" lvl="0" marL="0" rtl="0" algn="ctr">
-              <a:spcBef>
-                <a:spcPts val="0"/>
-              </a:spcBef>
-              <a:spcAft>
-                <a:spcPts val="0"/>
-              </a:spcAft>
-              <a:buNone/>
-            </a:pPr>
             <a:r>
               <a:rPr lang="en"/>
               <a:t>Skills &amp; experiência</a:t>
@@ -8349,109 +8158,76 @@
       <p:sp>
         <p:nvSpPr>
           <p:cNvPr id="95" name="Google Shape;95;p15"/>
-          <p:cNvSpPr txBox="1"/>
+          <p:cNvSpPr txBox="1">
+            <a:spLocks noGrp="1"/>
+          </p:cNvSpPr>
           <p:nvPr>
-            <p:ph idx="2" type="body"/>
+            <p:ph type="body" idx="2"/>
           </p:nvPr>
         </p:nvSpPr>
         <p:spPr>
           <a:xfrm>
-            <a:off x="4773050" y="724200"/>
-            <a:ext cx="4003500" cy="3695100"/>
+            <a:off x="3579788" y="1186088"/>
+            <a:ext cx="3002625" cy="2771325"/>
           </a:xfrm>
           <a:prstGeom prst="rect">
             <a:avLst/>
           </a:prstGeom>
         </p:spPr>
         <p:txBody>
-          <a:bodyPr anchorCtr="0" anchor="ctr" bIns="91425" lIns="91425" spcFirstLastPara="1" rIns="91425" wrap="square" tIns="91425">
+          <a:bodyPr spcFirstLastPara="1" wrap="square" lIns="68569" tIns="68569" rIns="68569" bIns="68569" anchor="ctr" anchorCtr="0">
             <a:noAutofit/>
           </a:bodyPr>
           <a:lstStyle/>
           <a:p>
-            <a:pPr indent="-361950" lvl="0" marL="457200" rtl="0" algn="l">
-              <a:spcBef>
-                <a:spcPts val="0"/>
-              </a:spcBef>
-              <a:spcAft>
-                <a:spcPts val="0"/>
-              </a:spcAft>
+            <a:pPr indent="-271463">
               <a:buSzPts val="2100"/>
-              <a:buChar char="●"/>
             </a:pPr>
             <a:r>
-              <a:rPr lang="en" sz="2100"/>
+              <a:rPr lang="en" sz="1575"/>
               <a:t>Arquitetura de Software</a:t>
             </a:r>
-            <a:endParaRPr sz="2100"/>
+            <a:endParaRPr sz="1575"/>
           </a:p>
           <a:p>
-            <a:pPr indent="-361950" lvl="0" marL="457200" rtl="0" algn="l">
-              <a:spcBef>
-                <a:spcPts val="0"/>
-              </a:spcBef>
-              <a:spcAft>
-                <a:spcPts val="0"/>
-              </a:spcAft>
+            <a:pPr indent="-271463">
               <a:buSzPts val="2100"/>
-              <a:buChar char="●"/>
             </a:pPr>
             <a:r>
-              <a:rPr lang="en" sz="2100"/>
+              <a:rPr lang="en" sz="1575"/>
               <a:t>Análise e Projeto de Software</a:t>
             </a:r>
-            <a:endParaRPr sz="2100"/>
+            <a:endParaRPr sz="1575"/>
           </a:p>
           <a:p>
-            <a:pPr indent="-361950" lvl="0" marL="457200" rtl="0" algn="l">
-              <a:spcBef>
-                <a:spcPts val="0"/>
-              </a:spcBef>
-              <a:spcAft>
-                <a:spcPts val="0"/>
-              </a:spcAft>
+            <a:pPr indent="-271463">
               <a:buSzPts val="2100"/>
-              <a:buChar char="●"/>
             </a:pPr>
             <a:r>
-              <a:rPr lang="en" sz="2100"/>
+              <a:rPr lang="en" sz="1575"/>
               <a:t>Python e Java</a:t>
             </a:r>
-            <a:endParaRPr sz="2100"/>
+            <a:endParaRPr sz="1575"/>
           </a:p>
           <a:p>
-            <a:pPr indent="-361950" lvl="0" marL="457200" rtl="0" algn="l">
-              <a:spcBef>
-                <a:spcPts val="0"/>
-              </a:spcBef>
-              <a:spcAft>
-                <a:spcPts val="0"/>
-              </a:spcAft>
+            <a:pPr indent="-271463">
               <a:buSzPts val="2100"/>
-              <a:buChar char="●"/>
             </a:pPr>
             <a:r>
-              <a:rPr lang="en" sz="2100"/>
+              <a:rPr lang="en" sz="1575"/>
               <a:t>Data Science</a:t>
             </a:r>
-            <a:endParaRPr sz="2100"/>
+            <a:endParaRPr sz="1575"/>
           </a:p>
           <a:p>
-            <a:pPr indent="-361950" lvl="0" marL="457200" rtl="0" algn="l">
-              <a:spcBef>
-                <a:spcPts val="0"/>
-              </a:spcBef>
-              <a:spcAft>
-                <a:spcPts val="0"/>
-              </a:spcAft>
+            <a:pPr indent="-271463">
               <a:buSzPts val="2100"/>
-              <a:buChar char="●"/>
             </a:pPr>
             <a:r>
-              <a:rPr lang="en" sz="2100"/>
+              <a:rPr lang="en" sz="1575"/>
               <a:t>Pesquisa Científica</a:t>
             </a:r>
-            <a:endParaRPr sz="2100"/>
+            <a:endParaRPr sz="1575"/>
           </a:p>
         </p:txBody>
       </p:sp>
@@ -8464,11 +8240,11 @@
 </file>
 
 <file path=ppt/slides/slide4.xml><?xml version="1.0" encoding="utf-8"?>
-<p:sld xmlns:a="http://schemas.openxmlformats.org/drawingml/2006/main" xmlns:r="http://schemas.openxmlformats.org/officeDocument/2006/relationships" xmlns:mc="http://schemas.openxmlformats.org/markup-compatibility/2006" xmlns:mv="urn:schemas-microsoft-com:mac:vml" xmlns:p="http://schemas.openxmlformats.org/presentationml/2006/main" xmlns:c="http://schemas.openxmlformats.org/drawingml/2006/chart" xmlns:dgm="http://schemas.openxmlformats.org/drawingml/2006/diagram" xmlns:o="urn:schemas-microsoft-com:office:office" xmlns:v="urn:schemas-microsoft-com:vml" xmlns:pvml="urn:schemas-microsoft-com:office:powerpoint" xmlns:com="http://schemas.openxmlformats.org/drawingml/2006/compatibility" xmlns:p14="http://schemas.microsoft.com/office/powerpoint/2010/main" xmlns:p15="http://schemas.microsoft.com/office/powerpoint/2012/main" xmlns:ahyp="http://schemas.microsoft.com/office/drawing/2018/hyperlinkcolor">
+<p:sld xmlns:a="http://schemas.openxmlformats.org/drawingml/2006/main" xmlns:r="http://schemas.openxmlformats.org/officeDocument/2006/relationships" xmlns:p="http://schemas.openxmlformats.org/presentationml/2006/main">
   <p:cSld>
     <p:spTree>
       <p:nvGrpSpPr>
-        <p:cNvPr id="99" name="Shape 99"/>
+        <p:cNvPr id="1" name="Shape 99"/>
         <p:cNvGrpSpPr/>
         <p:nvPr/>
       </p:nvGrpSpPr>
@@ -8483,35 +8259,28 @@
       <p:sp>
         <p:nvSpPr>
           <p:cNvPr id="100" name="Google Shape;100;p16"/>
-          <p:cNvSpPr txBox="1"/>
+          <p:cNvSpPr txBox="1">
+            <a:spLocks noGrp="1"/>
+          </p:cNvSpPr>
           <p:nvPr>
             <p:ph type="title"/>
           </p:nvPr>
         </p:nvSpPr>
         <p:spPr>
           <a:xfrm>
-            <a:off x="265500" y="1678650"/>
-            <a:ext cx="4045200" cy="1786200"/>
+            <a:off x="199125" y="1901925"/>
+            <a:ext cx="3033900" cy="1339650"/>
           </a:xfrm>
           <a:prstGeom prst="rect">
             <a:avLst/>
           </a:prstGeom>
         </p:spPr>
         <p:txBody>
-          <a:bodyPr anchorCtr="0" anchor="ctr" bIns="91425" lIns="91425" spcFirstLastPara="1" rIns="91425" wrap="square" tIns="91425">
+          <a:bodyPr spcFirstLastPara="1" wrap="square" lIns="68569" tIns="68569" rIns="68569" bIns="68569" anchor="ctr" anchorCtr="0">
             <a:noAutofit/>
           </a:bodyPr>
           <a:lstStyle/>
           <a:p>
-            <a:pPr indent="0" lvl="0" marL="0" rtl="0" algn="ctr">
-              <a:spcBef>
-                <a:spcPts val="0"/>
-              </a:spcBef>
-              <a:spcAft>
-                <a:spcPts val="0"/>
-              </a:spcAft>
-              <a:buNone/>
-            </a:pPr>
             <a:r>
               <a:rPr lang="en"/>
               <a:t>Disciplina</a:t>
@@ -8519,15 +8288,6 @@
             <a:endParaRPr/>
           </a:p>
           <a:p>
-            <a:pPr indent="0" lvl="0" marL="0" rtl="0" algn="ctr">
-              <a:spcBef>
-                <a:spcPts val="0"/>
-              </a:spcBef>
-              <a:spcAft>
-                <a:spcPts val="0"/>
-              </a:spcAft>
-              <a:buNone/>
-            </a:pPr>
             <a:r>
               <a:rPr lang="en"/>
               <a:t> Ministradas</a:t>
@@ -8539,177 +8299,116 @@
       <p:sp>
         <p:nvSpPr>
           <p:cNvPr id="101" name="Google Shape;101;p16"/>
-          <p:cNvSpPr txBox="1"/>
+          <p:cNvSpPr txBox="1">
+            <a:spLocks noGrp="1"/>
+          </p:cNvSpPr>
           <p:nvPr>
-            <p:ph idx="2" type="body"/>
+            <p:ph type="body" idx="2"/>
           </p:nvPr>
         </p:nvSpPr>
         <p:spPr>
           <a:xfrm>
-            <a:off x="4773050" y="192350"/>
-            <a:ext cx="4203300" cy="4573500"/>
+            <a:off x="3579788" y="787200"/>
+            <a:ext cx="3152475" cy="3430125"/>
           </a:xfrm>
           <a:prstGeom prst="rect">
             <a:avLst/>
           </a:prstGeom>
         </p:spPr>
         <p:txBody>
-          <a:bodyPr anchorCtr="0" anchor="ctr" bIns="91425" lIns="91425" spcFirstLastPara="1" rIns="91425" wrap="square" tIns="91425">
+          <a:bodyPr spcFirstLastPara="1" wrap="square" lIns="68569" tIns="68569" rIns="68569" bIns="68569" anchor="ctr" anchorCtr="0">
             <a:noAutofit/>
           </a:bodyPr>
           <a:lstStyle/>
           <a:p>
-            <a:pPr indent="-361950" lvl="0" marL="457200" rtl="0" algn="l">
-              <a:spcBef>
-                <a:spcPts val="0"/>
-              </a:spcBef>
-              <a:spcAft>
-                <a:spcPts val="0"/>
-              </a:spcAft>
+            <a:pPr indent="-271463">
               <a:buSzPts val="2100"/>
-              <a:buChar char="●"/>
             </a:pPr>
             <a:r>
-              <a:rPr lang="en" sz="2100"/>
+              <a:rPr lang="en" sz="1575"/>
               <a:t>Introdução a Computação</a:t>
             </a:r>
-            <a:endParaRPr sz="2100"/>
+            <a:endParaRPr sz="1575"/>
           </a:p>
           <a:p>
-            <a:pPr indent="-361950" lvl="0" marL="457200" rtl="0" algn="l">
-              <a:spcBef>
-                <a:spcPts val="0"/>
-              </a:spcBef>
-              <a:spcAft>
-                <a:spcPts val="0"/>
-              </a:spcAft>
+            <a:pPr indent="-271463">
               <a:buSzPts val="2100"/>
-              <a:buChar char="●"/>
             </a:pPr>
             <a:r>
-              <a:rPr lang="en" sz="2100"/>
+              <a:rPr lang="en" sz="1575"/>
               <a:t>Sistemas Operacionais</a:t>
             </a:r>
-            <a:endParaRPr sz="2100"/>
+            <a:endParaRPr sz="1575"/>
           </a:p>
           <a:p>
-            <a:pPr indent="-361950" lvl="0" marL="457200" rtl="0" algn="l">
-              <a:spcBef>
-                <a:spcPts val="0"/>
-              </a:spcBef>
-              <a:spcAft>
-                <a:spcPts val="0"/>
-              </a:spcAft>
+            <a:pPr indent="-271463">
               <a:buSzPts val="2100"/>
-              <a:buChar char="●"/>
             </a:pPr>
             <a:r>
-              <a:rPr b="1" lang="en" sz="2100"/>
+              <a:rPr lang="en" sz="1575" b="1"/>
               <a:t>Arquitetura de Software</a:t>
             </a:r>
-            <a:endParaRPr b="1" sz="2100"/>
+            <a:endParaRPr sz="1575" b="1"/>
           </a:p>
           <a:p>
-            <a:pPr indent="-361950" lvl="0" marL="457200" rtl="0" algn="l">
-              <a:spcBef>
-                <a:spcPts val="0"/>
-              </a:spcBef>
-              <a:spcAft>
-                <a:spcPts val="0"/>
-              </a:spcAft>
+            <a:pPr indent="-271463">
               <a:buSzPts val="2100"/>
-              <a:buChar char="●"/>
             </a:pPr>
             <a:r>
-              <a:rPr lang="en" sz="2100"/>
+              <a:rPr lang="en" sz="1575"/>
               <a:t>Análise e Projeto de Software</a:t>
             </a:r>
-            <a:endParaRPr sz="2100"/>
+            <a:endParaRPr sz="1575"/>
           </a:p>
           <a:p>
-            <a:pPr indent="-361950" lvl="0" marL="457200" rtl="0" algn="l">
-              <a:spcBef>
-                <a:spcPts val="0"/>
-              </a:spcBef>
-              <a:spcAft>
-                <a:spcPts val="0"/>
-              </a:spcAft>
+            <a:pPr indent="-271463">
               <a:buSzPts val="2100"/>
-              <a:buChar char="●"/>
             </a:pPr>
             <a:r>
-              <a:rPr lang="en" sz="2100"/>
+              <a:rPr lang="en" sz="1575"/>
               <a:t>POO</a:t>
             </a:r>
-            <a:endParaRPr sz="2100"/>
+            <a:endParaRPr sz="1575"/>
           </a:p>
           <a:p>
-            <a:pPr indent="-361950" lvl="0" marL="457200" rtl="0" algn="l">
-              <a:spcBef>
-                <a:spcPts val="0"/>
-              </a:spcBef>
-              <a:spcAft>
-                <a:spcPts val="0"/>
-              </a:spcAft>
+            <a:pPr indent="-271463">
               <a:buSzPts val="2100"/>
-              <a:buChar char="●"/>
             </a:pPr>
             <a:r>
-              <a:rPr lang="en" sz="2100"/>
+              <a:rPr lang="en" sz="1575"/>
               <a:t>Desenvolvimento Mobile</a:t>
             </a:r>
-            <a:endParaRPr sz="2100"/>
+            <a:endParaRPr sz="1575"/>
           </a:p>
           <a:p>
-            <a:pPr indent="-361950" lvl="0" marL="457200" rtl="0" algn="l">
-              <a:spcBef>
-                <a:spcPts val="0"/>
-              </a:spcBef>
-              <a:spcAft>
-                <a:spcPts val="0"/>
-              </a:spcAft>
+            <a:pPr indent="-271463">
               <a:buSzPts val="2100"/>
-              <a:buChar char="●"/>
             </a:pPr>
             <a:r>
-              <a:rPr lang="en" sz="2100"/>
+              <a:rPr lang="en" sz="1575"/>
               <a:t>Estrutura de Dados</a:t>
             </a:r>
-            <a:endParaRPr sz="2100"/>
+            <a:endParaRPr sz="1575"/>
           </a:p>
           <a:p>
-            <a:pPr indent="-361950" lvl="0" marL="457200" rtl="0" algn="l">
-              <a:spcBef>
-                <a:spcPts val="0"/>
-              </a:spcBef>
-              <a:spcAft>
-                <a:spcPts val="0"/>
-              </a:spcAft>
+            <a:pPr indent="-271463">
               <a:buSzPts val="2100"/>
-              <a:buChar char="●"/>
             </a:pPr>
             <a:r>
-              <a:rPr lang="en" sz="2100"/>
+              <a:rPr lang="en" sz="1575"/>
               <a:t>Engenharia de Software</a:t>
             </a:r>
-            <a:endParaRPr sz="2100"/>
+            <a:endParaRPr sz="1575"/>
           </a:p>
           <a:p>
-            <a:pPr indent="-361950" lvl="0" marL="457200" rtl="0" algn="l">
-              <a:spcBef>
-                <a:spcPts val="0"/>
-              </a:spcBef>
-              <a:spcAft>
-                <a:spcPts val="0"/>
-              </a:spcAft>
+            <a:pPr indent="-271463">
               <a:buSzPts val="2100"/>
-              <a:buChar char="●"/>
             </a:pPr>
             <a:r>
-              <a:rPr lang="en" sz="2100"/>
+              <a:rPr lang="en" sz="1575"/>
               <a:t>Metodologia de Pesquisa</a:t>
             </a:r>
-            <a:endParaRPr sz="2100"/>
+            <a:endParaRPr sz="1575"/>
           </a:p>
         </p:txBody>
       </p:sp>
@@ -8722,11 +8421,11 @@
 </file>
 
 <file path=ppt/slides/slide5.xml><?xml version="1.0" encoding="utf-8"?>
-<p:sld xmlns:a="http://schemas.openxmlformats.org/drawingml/2006/main" xmlns:r="http://schemas.openxmlformats.org/officeDocument/2006/relationships" xmlns:mc="http://schemas.openxmlformats.org/markup-compatibility/2006" xmlns:mv="urn:schemas-microsoft-com:mac:vml" xmlns:p="http://schemas.openxmlformats.org/presentationml/2006/main" xmlns:c="http://schemas.openxmlformats.org/drawingml/2006/chart" xmlns:dgm="http://schemas.openxmlformats.org/drawingml/2006/diagram" xmlns:o="urn:schemas-microsoft-com:office:office" xmlns:v="urn:schemas-microsoft-com:vml" xmlns:pvml="urn:schemas-microsoft-com:office:powerpoint" xmlns:com="http://schemas.openxmlformats.org/drawingml/2006/compatibility" xmlns:p14="http://schemas.microsoft.com/office/powerpoint/2010/main" xmlns:p15="http://schemas.microsoft.com/office/powerpoint/2012/main" xmlns:ahyp="http://schemas.microsoft.com/office/drawing/2018/hyperlinkcolor">
+<p:sld xmlns:a="http://schemas.openxmlformats.org/drawingml/2006/main" xmlns:r="http://schemas.openxmlformats.org/officeDocument/2006/relationships" xmlns:p="http://schemas.openxmlformats.org/presentationml/2006/main">
   <p:cSld>
     <p:spTree>
       <p:nvGrpSpPr>
-        <p:cNvPr id="105" name="Shape 105"/>
+        <p:cNvPr id="1" name="Shape 105"/>
         <p:cNvGrpSpPr/>
         <p:nvPr/>
       </p:nvGrpSpPr>
@@ -8741,35 +8440,28 @@
       <p:sp>
         <p:nvSpPr>
           <p:cNvPr id="106" name="Google Shape;106;p17"/>
-          <p:cNvSpPr txBox="1"/>
+          <p:cNvSpPr txBox="1">
+            <a:spLocks noGrp="1"/>
+          </p:cNvSpPr>
           <p:nvPr>
             <p:ph type="title"/>
           </p:nvPr>
         </p:nvSpPr>
         <p:spPr>
           <a:xfrm>
-            <a:off x="301150" y="2188350"/>
-            <a:ext cx="4045200" cy="766800"/>
+            <a:off x="225863" y="2284200"/>
+            <a:ext cx="3033900" cy="575100"/>
           </a:xfrm>
           <a:prstGeom prst="rect">
             <a:avLst/>
           </a:prstGeom>
         </p:spPr>
         <p:txBody>
-          <a:bodyPr anchorCtr="0" anchor="b" bIns="91425" lIns="91425" spcFirstLastPara="1" rIns="91425" wrap="square" tIns="91425">
+          <a:bodyPr spcFirstLastPara="1" wrap="square" lIns="68569" tIns="68569" rIns="68569" bIns="68569" anchor="b" anchorCtr="0">
             <a:noAutofit/>
           </a:bodyPr>
           <a:lstStyle/>
           <a:p>
-            <a:pPr indent="0" lvl="0" marL="0" rtl="0" algn="ctr">
-              <a:spcBef>
-                <a:spcPts val="0"/>
-              </a:spcBef>
-              <a:spcAft>
-                <a:spcPts val="0"/>
-              </a:spcAft>
-              <a:buNone/>
-            </a:pPr>
             <a:r>
               <a:rPr lang="en"/>
               <a:t>Contato</a:t>
@@ -8781,40 +8473,39 @@
       <p:sp>
         <p:nvSpPr>
           <p:cNvPr id="107" name="Google Shape;107;p17"/>
-          <p:cNvSpPr txBox="1"/>
+          <p:cNvSpPr txBox="1">
+            <a:spLocks noGrp="1"/>
+          </p:cNvSpPr>
           <p:nvPr>
-            <p:ph idx="2" type="body"/>
+            <p:ph type="body" idx="2"/>
           </p:nvPr>
         </p:nvSpPr>
         <p:spPr>
           <a:xfrm>
-            <a:off x="4731300" y="724200"/>
-            <a:ext cx="4216500" cy="3695100"/>
+            <a:off x="3598239" y="1186087"/>
+            <a:ext cx="3429000" cy="2771325"/>
           </a:xfrm>
           <a:prstGeom prst="rect">
             <a:avLst/>
           </a:prstGeom>
         </p:spPr>
         <p:txBody>
-          <a:bodyPr anchorCtr="0" anchor="ctr" bIns="91425" lIns="91425" spcFirstLastPara="1" rIns="91425" wrap="square" tIns="91425">
+          <a:bodyPr spcFirstLastPara="1" wrap="square" lIns="68569" tIns="68569" rIns="68569" bIns="68569" anchor="ctr" anchorCtr="0">
             <a:noAutofit/>
           </a:bodyPr>
           <a:lstStyle/>
           <a:p>
-            <a:pPr indent="0" lvl="0" marL="0" rtl="0" algn="l">
-              <a:spcBef>
-                <a:spcPts val="0"/>
-              </a:spcBef>
-              <a:spcAft>
-                <a:spcPts val="1600"/>
+            <a:pPr marL="0" indent="0">
+              <a:spcAft>
+                <a:spcPts val="1200"/>
               </a:spcAft>
               <a:buNone/>
             </a:pPr>
             <a:r>
-              <a:rPr lang="en"/>
+              <a:rPr lang="en" sz="1600" dirty="0"/>
               <a:t>E-mail: joao.biazotto@unicesumar.edu.br</a:t>
             </a:r>
-            <a:endParaRPr/>
+            <a:endParaRPr sz="1600" dirty="0"/>
           </a:p>
         </p:txBody>
       </p:sp>
@@ -8827,7 +8518,288 @@
 </file>
 
 <file path=ppt/theme/theme1.xml><?xml version="1.0" encoding="utf-8"?>
-<a:theme xmlns:a="http://schemas.openxmlformats.org/drawingml/2006/main" xmlns:r="http://schemas.openxmlformats.org/officeDocument/2006/relationships">
+<a:theme xmlns:a="http://schemas.openxmlformats.org/drawingml/2006/main" name="Plum">
+  <a:themeElements>
+    <a:clrScheme name="Plum">
+      <a:dk1>
+        <a:srgbClr val="611BB8"/>
+      </a:dk1>
+      <a:lt1>
+        <a:srgbClr val="FFFFFF"/>
+      </a:lt1>
+      <a:dk2>
+        <a:srgbClr val="000000"/>
+      </a:dk2>
+      <a:lt2>
+        <a:srgbClr val="7F7F7F"/>
+      </a:lt2>
+      <a:accent1>
+        <a:srgbClr val="333333"/>
+      </a:accent1>
+      <a:accent2>
+        <a:srgbClr val="5E2B97"/>
+      </a:accent2>
+      <a:accent3>
+        <a:srgbClr val="7E57C2"/>
+      </a:accent3>
+      <a:accent4>
+        <a:srgbClr val="C77025"/>
+      </a:accent4>
+      <a:accent5>
+        <a:srgbClr val="009688"/>
+      </a:accent5>
+      <a:accent6>
+        <a:srgbClr val="FFD600"/>
+      </a:accent6>
+      <a:hlink>
+        <a:srgbClr val="009688"/>
+      </a:hlink>
+      <a:folHlink>
+        <a:srgbClr val="009688"/>
+      </a:folHlink>
+    </a:clrScheme>
+    <a:fontScheme name="Office">
+      <a:majorFont>
+        <a:latin typeface="Arial"/>
+        <a:ea typeface=""/>
+        <a:cs typeface=""/>
+        <a:font script="Jpan" typeface="ＭＳ Ｐゴシック"/>
+        <a:font script="Hang" typeface="맑은 고딕"/>
+        <a:font script="Hans" typeface="宋体"/>
+        <a:font script="Hant" typeface="新細明體"/>
+        <a:font script="Arab" typeface="Times New Roman"/>
+        <a:font script="Hebr" typeface="Times New Roman"/>
+        <a:font script="Thai" typeface="Angsana New"/>
+        <a:font script="Ethi" typeface="Nyala"/>
+        <a:font script="Beng" typeface="Vrinda"/>
+        <a:font script="Gujr" typeface="Shruti"/>
+        <a:font script="Khmr" typeface="MoolBoran"/>
+        <a:font script="Knda" typeface="Tunga"/>
+        <a:font script="Guru" typeface="Raavi"/>
+        <a:font script="Cans" typeface="Euphemia"/>
+        <a:font script="Cher" typeface="Plantagenet Cherokee"/>
+        <a:font script="Yiii" typeface="Microsoft Yi Baiti"/>
+        <a:font script="Tibt" typeface="Microsoft Himalaya"/>
+        <a:font script="Thaa" typeface="MV Boli"/>
+        <a:font script="Deva" typeface="Mangal"/>
+        <a:font script="Telu" typeface="Gautami"/>
+        <a:font script="Taml" typeface="Latha"/>
+        <a:font script="Syrc" typeface="Estrangelo Edessa"/>
+        <a:font script="Orya" typeface="Kalinga"/>
+        <a:font script="Mlym" typeface="Kartika"/>
+        <a:font script="Laoo" typeface="DokChampa"/>
+        <a:font script="Sinh" typeface="Iskoola Pota"/>
+        <a:font script="Mong" typeface="Mongolian Baiti"/>
+        <a:font script="Viet" typeface="Times New Roman"/>
+        <a:font script="Uigh" typeface="Microsoft Uighur"/>
+        <a:font script="Geor" typeface="Sylfaen"/>
+      </a:majorFont>
+      <a:minorFont>
+        <a:latin typeface="Arial"/>
+        <a:ea typeface=""/>
+        <a:cs typeface=""/>
+        <a:font script="Jpan" typeface="ＭＳ Ｐゴシック"/>
+        <a:font script="Hang" typeface="맑은 고딕"/>
+        <a:font script="Hans" typeface="宋体"/>
+        <a:font script="Hant" typeface="新細明體"/>
+        <a:font script="Arab" typeface="Arial"/>
+        <a:font script="Hebr" typeface="Arial"/>
+        <a:font script="Thai" typeface="Cordia New"/>
+        <a:font script="Ethi" typeface="Nyala"/>
+        <a:font script="Beng" typeface="Vrinda"/>
+        <a:font script="Gujr" typeface="Shruti"/>
+        <a:font script="Khmr" typeface="DaunPenh"/>
+        <a:font script="Knda" typeface="Tunga"/>
+        <a:font script="Guru" typeface="Raavi"/>
+        <a:font script="Cans" typeface="Euphemia"/>
+        <a:font script="Cher" typeface="Plantagenet Cherokee"/>
+        <a:font script="Yiii" typeface="Microsoft Yi Baiti"/>
+        <a:font script="Tibt" typeface="Microsoft Himalaya"/>
+        <a:font script="Thaa" typeface="MV Boli"/>
+        <a:font script="Deva" typeface="Mangal"/>
+        <a:font script="Telu" typeface="Gautami"/>
+        <a:font script="Taml" typeface="Latha"/>
+        <a:font script="Syrc" typeface="Estrangelo Edessa"/>
+        <a:font script="Orya" typeface="Kalinga"/>
+        <a:font script="Mlym" typeface="Kartika"/>
+        <a:font script="Laoo" typeface="DokChampa"/>
+        <a:font script="Sinh" typeface="Iskoola Pota"/>
+        <a:font script="Mong" typeface="Mongolian Baiti"/>
+        <a:font script="Viet" typeface="Arial"/>
+        <a:font script="Uigh" typeface="Microsoft Uighur"/>
+        <a:font script="Geor" typeface="Sylfaen"/>
+      </a:minorFont>
+    </a:fontScheme>
+    <a:fmtScheme name="Office">
+      <a:fillStyleLst>
+        <a:solidFill>
+          <a:schemeClr val="phClr"/>
+        </a:solidFill>
+        <a:gradFill rotWithShape="1">
+          <a:gsLst>
+            <a:gs pos="0">
+              <a:schemeClr val="phClr">
+                <a:tint val="50000"/>
+                <a:satMod val="300000"/>
+              </a:schemeClr>
+            </a:gs>
+            <a:gs pos="35000">
+              <a:schemeClr val="phClr">
+                <a:tint val="37000"/>
+                <a:satMod val="300000"/>
+              </a:schemeClr>
+            </a:gs>
+            <a:gs pos="100000">
+              <a:schemeClr val="phClr">
+                <a:tint val="15000"/>
+                <a:satMod val="350000"/>
+              </a:schemeClr>
+            </a:gs>
+          </a:gsLst>
+          <a:lin ang="16200000" scaled="1"/>
+        </a:gradFill>
+        <a:gradFill rotWithShape="1">
+          <a:gsLst>
+            <a:gs pos="0">
+              <a:schemeClr val="phClr">
+                <a:tint val="100000"/>
+                <a:shade val="100000"/>
+                <a:satMod val="130000"/>
+              </a:schemeClr>
+            </a:gs>
+            <a:gs pos="100000">
+              <a:schemeClr val="phClr">
+                <a:tint val="50000"/>
+                <a:shade val="100000"/>
+                <a:satMod val="350000"/>
+              </a:schemeClr>
+            </a:gs>
+          </a:gsLst>
+          <a:lin ang="16200000" scaled="0"/>
+        </a:gradFill>
+      </a:fillStyleLst>
+      <a:lnStyleLst>
+        <a:ln w="9525" cap="flat" cmpd="sng" algn="ctr">
+          <a:solidFill>
+            <a:schemeClr val="phClr">
+              <a:shade val="95000"/>
+              <a:satMod val="105000"/>
+            </a:schemeClr>
+          </a:solidFill>
+          <a:prstDash val="solid"/>
+        </a:ln>
+        <a:ln w="25400" cap="flat" cmpd="sng" algn="ctr">
+          <a:solidFill>
+            <a:schemeClr val="phClr"/>
+          </a:solidFill>
+          <a:prstDash val="solid"/>
+        </a:ln>
+        <a:ln w="38100" cap="flat" cmpd="sng" algn="ctr">
+          <a:solidFill>
+            <a:schemeClr val="phClr"/>
+          </a:solidFill>
+          <a:prstDash val="solid"/>
+        </a:ln>
+      </a:lnStyleLst>
+      <a:effectStyleLst>
+        <a:effectStyle>
+          <a:effectLst>
+            <a:outerShdw blurRad="40000" dist="20000" dir="5400000" rotWithShape="0">
+              <a:srgbClr val="000000">
+                <a:alpha val="38000"/>
+              </a:srgbClr>
+            </a:outerShdw>
+          </a:effectLst>
+        </a:effectStyle>
+        <a:effectStyle>
+          <a:effectLst>
+            <a:outerShdw blurRad="40000" dist="23000" dir="5400000" rotWithShape="0">
+              <a:srgbClr val="000000">
+                <a:alpha val="35000"/>
+              </a:srgbClr>
+            </a:outerShdw>
+          </a:effectLst>
+        </a:effectStyle>
+        <a:effectStyle>
+          <a:effectLst>
+            <a:outerShdw blurRad="40000" dist="23000" dir="5400000" rotWithShape="0">
+              <a:srgbClr val="000000">
+                <a:alpha val="35000"/>
+              </a:srgbClr>
+            </a:outerShdw>
+          </a:effectLst>
+          <a:scene3d>
+            <a:camera prst="orthographicFront">
+              <a:rot lat="0" lon="0" rev="0"/>
+            </a:camera>
+            <a:lightRig rig="threePt" dir="t">
+              <a:rot lat="0" lon="0" rev="1200000"/>
+            </a:lightRig>
+          </a:scene3d>
+          <a:sp3d>
+            <a:bevelT w="63500" h="25400"/>
+          </a:sp3d>
+        </a:effectStyle>
+      </a:effectStyleLst>
+      <a:bgFillStyleLst>
+        <a:solidFill>
+          <a:schemeClr val="phClr"/>
+        </a:solidFill>
+        <a:gradFill rotWithShape="1">
+          <a:gsLst>
+            <a:gs pos="0">
+              <a:schemeClr val="phClr">
+                <a:tint val="40000"/>
+                <a:satMod val="350000"/>
+              </a:schemeClr>
+            </a:gs>
+            <a:gs pos="40000">
+              <a:schemeClr val="phClr">
+                <a:tint val="45000"/>
+                <a:shade val="99000"/>
+                <a:satMod val="350000"/>
+              </a:schemeClr>
+            </a:gs>
+            <a:gs pos="100000">
+              <a:schemeClr val="phClr">
+                <a:shade val="20000"/>
+                <a:satMod val="255000"/>
+              </a:schemeClr>
+            </a:gs>
+          </a:gsLst>
+          <a:path path="circle">
+            <a:fillToRect l="50000" t="-80000" r="50000" b="180000"/>
+          </a:path>
+        </a:gradFill>
+        <a:gradFill rotWithShape="1">
+          <a:gsLst>
+            <a:gs pos="0">
+              <a:schemeClr val="phClr">
+                <a:tint val="80000"/>
+                <a:satMod val="300000"/>
+              </a:schemeClr>
+            </a:gs>
+            <a:gs pos="100000">
+              <a:schemeClr val="phClr">
+                <a:shade val="30000"/>
+                <a:satMod val="200000"/>
+              </a:schemeClr>
+            </a:gs>
+          </a:gsLst>
+          <a:path path="circle">
+            <a:fillToRect l="50000" t="50000" r="50000" b="50000"/>
+          </a:path>
+        </a:gradFill>
+      </a:bgFillStyleLst>
+    </a:fmtScheme>
+  </a:themeElements>
+  <a:objectDefaults/>
+  <a:extraClrSchemeLst/>
+</a:theme>
+</file>
+
+<file path=ppt/theme/theme2.xml><?xml version="1.0" encoding="utf-8"?>
+<a:theme xmlns:a="http://schemas.openxmlformats.org/drawingml/2006/main">
   <a:themeElements>
     <a:clrScheme name="Default">
       <a:dk1>
@@ -9102,284 +9074,7 @@
       </a:bgFillStyleLst>
     </a:fmtScheme>
   </a:themeElements>
-</a:theme>
-</file>
-
-<file path=ppt/theme/theme2.xml><?xml version="1.0" encoding="utf-8"?>
-<a:theme xmlns:a="http://schemas.openxmlformats.org/drawingml/2006/main" xmlns:r="http://schemas.openxmlformats.org/officeDocument/2006/relationships" name="Plum">
-  <a:themeElements>
-    <a:clrScheme name="Plum">
-      <a:dk1>
-        <a:srgbClr val="611BB8"/>
-      </a:dk1>
-      <a:lt1>
-        <a:srgbClr val="FFFFFF"/>
-      </a:lt1>
-      <a:dk2>
-        <a:srgbClr val="000000"/>
-      </a:dk2>
-      <a:lt2>
-        <a:srgbClr val="7F7F7F"/>
-      </a:lt2>
-      <a:accent1>
-        <a:srgbClr val="333333"/>
-      </a:accent1>
-      <a:accent2>
-        <a:srgbClr val="5E2B97"/>
-      </a:accent2>
-      <a:accent3>
-        <a:srgbClr val="7E57C2"/>
-      </a:accent3>
-      <a:accent4>
-        <a:srgbClr val="C77025"/>
-      </a:accent4>
-      <a:accent5>
-        <a:srgbClr val="009688"/>
-      </a:accent5>
-      <a:accent6>
-        <a:srgbClr val="FFD600"/>
-      </a:accent6>
-      <a:hlink>
-        <a:srgbClr val="009688"/>
-      </a:hlink>
-      <a:folHlink>
-        <a:srgbClr val="009688"/>
-      </a:folHlink>
-    </a:clrScheme>
-    <a:fontScheme name="Office">
-      <a:majorFont>
-        <a:latin typeface="Arial"/>
-        <a:ea typeface=""/>
-        <a:cs typeface=""/>
-        <a:font script="Jpan" typeface="ＭＳ Ｐゴシック"/>
-        <a:font script="Hang" typeface="맑은 고딕"/>
-        <a:font script="Hans" typeface="宋体"/>
-        <a:font script="Hant" typeface="新細明體"/>
-        <a:font script="Arab" typeface="Times New Roman"/>
-        <a:font script="Hebr" typeface="Times New Roman"/>
-        <a:font script="Thai" typeface="Angsana New"/>
-        <a:font script="Ethi" typeface="Nyala"/>
-        <a:font script="Beng" typeface="Vrinda"/>
-        <a:font script="Gujr" typeface="Shruti"/>
-        <a:font script="Khmr" typeface="MoolBoran"/>
-        <a:font script="Knda" typeface="Tunga"/>
-        <a:font script="Guru" typeface="Raavi"/>
-        <a:font script="Cans" typeface="Euphemia"/>
-        <a:font script="Cher" typeface="Plantagenet Cherokee"/>
-        <a:font script="Yiii" typeface="Microsoft Yi Baiti"/>
-        <a:font script="Tibt" typeface="Microsoft Himalaya"/>
-        <a:font script="Thaa" typeface="MV Boli"/>
-        <a:font script="Deva" typeface="Mangal"/>
-        <a:font script="Telu" typeface="Gautami"/>
-        <a:font script="Taml" typeface="Latha"/>
-        <a:font script="Syrc" typeface="Estrangelo Edessa"/>
-        <a:font script="Orya" typeface="Kalinga"/>
-        <a:font script="Mlym" typeface="Kartika"/>
-        <a:font script="Laoo" typeface="DokChampa"/>
-        <a:font script="Sinh" typeface="Iskoola Pota"/>
-        <a:font script="Mong" typeface="Mongolian Baiti"/>
-        <a:font script="Viet" typeface="Times New Roman"/>
-        <a:font script="Uigh" typeface="Microsoft Uighur"/>
-        <a:font script="Geor" typeface="Sylfaen"/>
-      </a:majorFont>
-      <a:minorFont>
-        <a:latin typeface="Arial"/>
-        <a:ea typeface=""/>
-        <a:cs typeface=""/>
-        <a:font script="Jpan" typeface="ＭＳ Ｐゴシック"/>
-        <a:font script="Hang" typeface="맑은 고딕"/>
-        <a:font script="Hans" typeface="宋体"/>
-        <a:font script="Hant" typeface="新細明體"/>
-        <a:font script="Arab" typeface="Arial"/>
-        <a:font script="Hebr" typeface="Arial"/>
-        <a:font script="Thai" typeface="Cordia New"/>
-        <a:font script="Ethi" typeface="Nyala"/>
-        <a:font script="Beng" typeface="Vrinda"/>
-        <a:font script="Gujr" typeface="Shruti"/>
-        <a:font script="Khmr" typeface="DaunPenh"/>
-        <a:font script="Knda" typeface="Tunga"/>
-        <a:font script="Guru" typeface="Raavi"/>
-        <a:font script="Cans" typeface="Euphemia"/>
-        <a:font script="Cher" typeface="Plantagenet Cherokee"/>
-        <a:font script="Yiii" typeface="Microsoft Yi Baiti"/>
-        <a:font script="Tibt" typeface="Microsoft Himalaya"/>
-        <a:font script="Thaa" typeface="MV Boli"/>
-        <a:font script="Deva" typeface="Mangal"/>
-        <a:font script="Telu" typeface="Gautami"/>
-        <a:font script="Taml" typeface="Latha"/>
-        <a:font script="Syrc" typeface="Estrangelo Edessa"/>
-        <a:font script="Orya" typeface="Kalinga"/>
-        <a:font script="Mlym" typeface="Kartika"/>
-        <a:font script="Laoo" typeface="DokChampa"/>
-        <a:font script="Sinh" typeface="Iskoola Pota"/>
-        <a:font script="Mong" typeface="Mongolian Baiti"/>
-        <a:font script="Viet" typeface="Arial"/>
-        <a:font script="Uigh" typeface="Microsoft Uighur"/>
-        <a:font script="Geor" typeface="Sylfaen"/>
-      </a:minorFont>
-    </a:fontScheme>
-    <a:fmtScheme name="Office">
-      <a:fillStyleLst>
-        <a:solidFill>
-          <a:schemeClr val="phClr"/>
-        </a:solidFill>
-        <a:gradFill rotWithShape="1">
-          <a:gsLst>
-            <a:gs pos="0">
-              <a:schemeClr val="phClr">
-                <a:tint val="50000"/>
-                <a:satMod val="300000"/>
-              </a:schemeClr>
-            </a:gs>
-            <a:gs pos="35000">
-              <a:schemeClr val="phClr">
-                <a:tint val="37000"/>
-                <a:satMod val="300000"/>
-              </a:schemeClr>
-            </a:gs>
-            <a:gs pos="100000">
-              <a:schemeClr val="phClr">
-                <a:tint val="15000"/>
-                <a:satMod val="350000"/>
-              </a:schemeClr>
-            </a:gs>
-          </a:gsLst>
-          <a:lin ang="16200000" scaled="1"/>
-        </a:gradFill>
-        <a:gradFill rotWithShape="1">
-          <a:gsLst>
-            <a:gs pos="0">
-              <a:schemeClr val="phClr">
-                <a:tint val="100000"/>
-                <a:shade val="100000"/>
-                <a:satMod val="130000"/>
-              </a:schemeClr>
-            </a:gs>
-            <a:gs pos="100000">
-              <a:schemeClr val="phClr">
-                <a:tint val="50000"/>
-                <a:shade val="100000"/>
-                <a:satMod val="350000"/>
-              </a:schemeClr>
-            </a:gs>
-          </a:gsLst>
-          <a:lin ang="16200000" scaled="0"/>
-        </a:gradFill>
-      </a:fillStyleLst>
-      <a:lnStyleLst>
-        <a:ln w="9525" cap="flat" cmpd="sng" algn="ctr">
-          <a:solidFill>
-            <a:schemeClr val="phClr">
-              <a:shade val="95000"/>
-              <a:satMod val="105000"/>
-            </a:schemeClr>
-          </a:solidFill>
-          <a:prstDash val="solid"/>
-        </a:ln>
-        <a:ln w="25400" cap="flat" cmpd="sng" algn="ctr">
-          <a:solidFill>
-            <a:schemeClr val="phClr"/>
-          </a:solidFill>
-          <a:prstDash val="solid"/>
-        </a:ln>
-        <a:ln w="38100" cap="flat" cmpd="sng" algn="ctr">
-          <a:solidFill>
-            <a:schemeClr val="phClr"/>
-          </a:solidFill>
-          <a:prstDash val="solid"/>
-        </a:ln>
-      </a:lnStyleLst>
-      <a:effectStyleLst>
-        <a:effectStyle>
-          <a:effectLst>
-            <a:outerShdw blurRad="40000" dist="20000" dir="5400000" rotWithShape="0">
-              <a:srgbClr val="000000">
-                <a:alpha val="38000"/>
-              </a:srgbClr>
-            </a:outerShdw>
-          </a:effectLst>
-        </a:effectStyle>
-        <a:effectStyle>
-          <a:effectLst>
-            <a:outerShdw blurRad="40000" dist="23000" dir="5400000" rotWithShape="0">
-              <a:srgbClr val="000000">
-                <a:alpha val="35000"/>
-              </a:srgbClr>
-            </a:outerShdw>
-          </a:effectLst>
-        </a:effectStyle>
-        <a:effectStyle>
-          <a:effectLst>
-            <a:outerShdw blurRad="40000" dist="23000" dir="5400000" rotWithShape="0">
-              <a:srgbClr val="000000">
-                <a:alpha val="35000"/>
-              </a:srgbClr>
-            </a:outerShdw>
-          </a:effectLst>
-          <a:scene3d>
-            <a:camera prst="orthographicFront">
-              <a:rot lat="0" lon="0" rev="0"/>
-            </a:camera>
-            <a:lightRig rig="threePt" dir="t">
-              <a:rot lat="0" lon="0" rev="1200000"/>
-            </a:lightRig>
-          </a:scene3d>
-          <a:sp3d>
-            <a:bevelT w="63500" h="25400"/>
-          </a:sp3d>
-        </a:effectStyle>
-      </a:effectStyleLst>
-      <a:bgFillStyleLst>
-        <a:solidFill>
-          <a:schemeClr val="phClr"/>
-        </a:solidFill>
-        <a:gradFill rotWithShape="1">
-          <a:gsLst>
-            <a:gs pos="0">
-              <a:schemeClr val="phClr">
-                <a:tint val="40000"/>
-                <a:satMod val="350000"/>
-              </a:schemeClr>
-            </a:gs>
-            <a:gs pos="40000">
-              <a:schemeClr val="phClr">
-                <a:tint val="45000"/>
-                <a:shade val="99000"/>
-                <a:satMod val="350000"/>
-              </a:schemeClr>
-            </a:gs>
-            <a:gs pos="100000">
-              <a:schemeClr val="phClr">
-                <a:shade val="20000"/>
-                <a:satMod val="255000"/>
-              </a:schemeClr>
-            </a:gs>
-          </a:gsLst>
-          <a:path path="circle">
-            <a:fillToRect l="50000" t="-80000" r="50000" b="180000"/>
-          </a:path>
-        </a:gradFill>
-        <a:gradFill rotWithShape="1">
-          <a:gsLst>
-            <a:gs pos="0">
-              <a:schemeClr val="phClr">
-                <a:tint val="80000"/>
-                <a:satMod val="300000"/>
-              </a:schemeClr>
-            </a:gs>
-            <a:gs pos="100000">
-              <a:schemeClr val="phClr">
-                <a:shade val="30000"/>
-                <a:satMod val="200000"/>
-              </a:schemeClr>
-            </a:gs>
-          </a:gsLst>
-          <a:path path="circle">
-            <a:fillToRect l="50000" t="50000" r="50000" b="50000"/>
-          </a:path>
-        </a:gradFill>
-      </a:bgFillStyleLst>
-    </a:fmtScheme>
-  </a:themeElements>
+  <a:objectDefaults/>
+  <a:extraClrSchemeLst/>
 </a:theme>
 </file>